--- a/Aurkezpena/Aurkezpena_5.taldea_3.sprint.pptx
+++ b/Aurkezpena/Aurkezpena_5.taldea_3.sprint.pptx
@@ -5,7 +5,7 @@
     <p:sldMasterId id="2147483648" r:id="rId1"/>
   </p:sldMasterIdLst>
   <p:notesMasterIdLst>
-    <p:notesMasterId r:id="rId7"/>
+    <p:notesMasterId r:id="rId8"/>
   </p:notesMasterIdLst>
   <p:sldIdLst>
     <p:sldId id="257" r:id="rId2"/>
@@ -13,6 +13,7 @@
     <p:sldId id="259" r:id="rId4"/>
     <p:sldId id="260" r:id="rId5"/>
     <p:sldId id="261" r:id="rId6"/>
+    <p:sldId id="262" r:id="rId7"/>
   </p:sldIdLst>
   <p:sldSz cx="12192000" cy="6858000"/>
   <p:notesSz cx="6858000" cy="9144000"/>
@@ -889,15 +890,7 @@
         <a:p>
           <a:r>
             <a:rPr lang="eu-ES" sz="1200" dirty="0" smtClean="0"/>
-            <a:t>/</a:t>
-          </a:r>
-          <a:r>
-            <a:rPr lang="eu-ES" sz="1200" dirty="0" smtClean="0"/>
-            <a:t>10.14.4.124/Disko</a:t>
-          </a:r>
-          <a:r>
-            <a:rPr lang="eu-ES" sz="1200" dirty="0" smtClean="0"/>
-            <a:t>/</a:t>
+            <a:t>/10.14.4.124/Disko/</a:t>
           </a:r>
         </a:p>
       </dgm:t>
@@ -1303,6 +1296,302 @@
         </a:p>
       </dgm:t>
     </dgm:pt>
+    <dgm:pt modelId="{B908E384-41BC-4C5F-AFF5-83C13323E24A}">
+      <dgm:prSet/>
+      <dgm:spPr/>
+      <dgm:t>
+        <a:bodyPr/>
+        <a:lstStyle/>
+        <a:p>
+          <a:r>
+            <a:rPr lang="eu-ES" dirty="0" smtClean="0"/>
+            <a:t>Teknikariak</a:t>
+          </a:r>
+          <a:endParaRPr lang="eu-ES" dirty="0"/>
+        </a:p>
+      </dgm:t>
+    </dgm:pt>
+    <dgm:pt modelId="{4797CAB8-9721-4BEC-8908-B7BCCF9F2951}" type="parTrans" cxnId="{DF92F8DE-7F86-44EE-8C58-32F49F885F8F}">
+      <dgm:prSet/>
+      <dgm:spPr/>
+      <dgm:t>
+        <a:bodyPr/>
+        <a:lstStyle/>
+        <a:p>
+          <a:endParaRPr lang="eu-ES"/>
+        </a:p>
+      </dgm:t>
+    </dgm:pt>
+    <dgm:pt modelId="{C4EECF2D-7916-4635-8C7C-5F0AC272926A}" type="sibTrans" cxnId="{DF92F8DE-7F86-44EE-8C58-32F49F885F8F}">
+      <dgm:prSet/>
+      <dgm:spPr/>
+      <dgm:t>
+        <a:bodyPr/>
+        <a:lstStyle/>
+        <a:p>
+          <a:endParaRPr lang="eu-ES"/>
+        </a:p>
+      </dgm:t>
+    </dgm:pt>
+    <dgm:pt modelId="{4E7DACE7-DA3B-4F09-92F2-501EB424E703}">
+      <dgm:prSet/>
+      <dgm:spPr/>
+      <dgm:t>
+        <a:bodyPr/>
+        <a:lstStyle/>
+        <a:p>
+          <a:r>
+            <a:rPr lang="eu-ES" dirty="0" err="1" smtClean="0"/>
+            <a:t>WebGaratzaileak</a:t>
+          </a:r>
+          <a:endParaRPr lang="eu-ES" dirty="0"/>
+        </a:p>
+      </dgm:t>
+    </dgm:pt>
+    <dgm:pt modelId="{E35AA949-EDC7-4F3B-B06C-33552E220C60}" type="parTrans" cxnId="{8A7F26B9-69D6-4359-A23F-E9EA780E6390}">
+      <dgm:prSet/>
+      <dgm:spPr/>
+      <dgm:t>
+        <a:bodyPr/>
+        <a:lstStyle/>
+        <a:p>
+          <a:endParaRPr lang="eu-ES"/>
+        </a:p>
+      </dgm:t>
+    </dgm:pt>
+    <dgm:pt modelId="{27FE0D0B-0226-438A-A5D9-75492CF61E0F}" type="sibTrans" cxnId="{8A7F26B9-69D6-4359-A23F-E9EA780E6390}">
+      <dgm:prSet/>
+      <dgm:spPr/>
+      <dgm:t>
+        <a:bodyPr/>
+        <a:lstStyle/>
+        <a:p>
+          <a:endParaRPr lang="eu-ES"/>
+        </a:p>
+      </dgm:t>
+    </dgm:pt>
+    <dgm:pt modelId="{659E17C6-3E91-409F-913F-51BB9541E5BF}">
+      <dgm:prSet/>
+      <dgm:spPr/>
+      <dgm:t>
+        <a:bodyPr/>
+        <a:lstStyle/>
+        <a:p>
+          <a:r>
+            <a:rPr lang="eu-ES" dirty="0" smtClean="0"/>
+            <a:t>Banaketa</a:t>
+          </a:r>
+          <a:endParaRPr lang="eu-ES" dirty="0"/>
+        </a:p>
+      </dgm:t>
+    </dgm:pt>
+    <dgm:pt modelId="{97A24B52-EF60-49B8-84CB-20C8420320D5}" type="parTrans" cxnId="{F1954882-5B2B-4EC2-8C7D-B97A66EDD53C}">
+      <dgm:prSet/>
+      <dgm:spPr/>
+      <dgm:t>
+        <a:bodyPr/>
+        <a:lstStyle/>
+        <a:p>
+          <a:endParaRPr lang="eu-ES"/>
+        </a:p>
+      </dgm:t>
+    </dgm:pt>
+    <dgm:pt modelId="{96A7A1CD-16E4-4424-8CCE-B990AA746F5D}" type="sibTrans" cxnId="{F1954882-5B2B-4EC2-8C7D-B97A66EDD53C}">
+      <dgm:prSet/>
+      <dgm:spPr/>
+      <dgm:t>
+        <a:bodyPr/>
+        <a:lstStyle/>
+        <a:p>
+          <a:endParaRPr lang="eu-ES"/>
+        </a:p>
+      </dgm:t>
+    </dgm:pt>
+    <dgm:pt modelId="{38AFCCE2-6C3C-4B6D-B1F4-BAA8F37C39B9}">
+      <dgm:prSet/>
+      <dgm:spPr/>
+      <dgm:t>
+        <a:bodyPr/>
+        <a:lstStyle/>
+        <a:p>
+          <a:r>
+            <a:rPr lang="eu-ES" dirty="0" smtClean="0"/>
+            <a:t>Biltegia</a:t>
+          </a:r>
+          <a:endParaRPr lang="eu-ES" dirty="0"/>
+        </a:p>
+      </dgm:t>
+    </dgm:pt>
+    <dgm:pt modelId="{B413C82C-2ABF-47EE-BC01-A91E38ECAE35}" type="parTrans" cxnId="{1096B021-1C7C-452C-B0C1-F3A038CDF44D}">
+      <dgm:prSet/>
+      <dgm:spPr/>
+      <dgm:t>
+        <a:bodyPr/>
+        <a:lstStyle/>
+        <a:p>
+          <a:endParaRPr lang="eu-ES"/>
+        </a:p>
+      </dgm:t>
+    </dgm:pt>
+    <dgm:pt modelId="{69C4AB88-AE06-4291-9314-D5AAB65EBF80}" type="sibTrans" cxnId="{1096B021-1C7C-452C-B0C1-F3A038CDF44D}">
+      <dgm:prSet/>
+      <dgm:spPr/>
+      <dgm:t>
+        <a:bodyPr/>
+        <a:lstStyle/>
+        <a:p>
+          <a:endParaRPr lang="eu-ES"/>
+        </a:p>
+      </dgm:t>
+    </dgm:pt>
+    <dgm:pt modelId="{3E5C2520-9001-4F54-8C99-CC8C6C00F098}">
+      <dgm:prSet/>
+      <dgm:spPr/>
+      <dgm:t>
+        <a:bodyPr/>
+        <a:lstStyle/>
+        <a:p>
+          <a:r>
+            <a:rPr lang="eu-ES" dirty="0" smtClean="0"/>
+            <a:t>Marketing</a:t>
+          </a:r>
+          <a:endParaRPr lang="eu-ES" dirty="0"/>
+        </a:p>
+      </dgm:t>
+    </dgm:pt>
+    <dgm:pt modelId="{AADCEEAF-257C-420A-AB7F-03B16A63200B}" type="parTrans" cxnId="{42E241E7-C3B6-4A25-95AB-014D87517090}">
+      <dgm:prSet/>
+      <dgm:spPr/>
+      <dgm:t>
+        <a:bodyPr/>
+        <a:lstStyle/>
+        <a:p>
+          <a:endParaRPr lang="eu-ES"/>
+        </a:p>
+      </dgm:t>
+    </dgm:pt>
+    <dgm:pt modelId="{EFE63C08-42D4-497E-950F-B28E71E5EAF9}" type="sibTrans" cxnId="{42E241E7-C3B6-4A25-95AB-014D87517090}">
+      <dgm:prSet/>
+      <dgm:spPr/>
+      <dgm:t>
+        <a:bodyPr/>
+        <a:lstStyle/>
+        <a:p>
+          <a:endParaRPr lang="eu-ES"/>
+        </a:p>
+      </dgm:t>
+    </dgm:pt>
+    <dgm:pt modelId="{FC7AAAC6-E3A1-4EAC-9D10-443D66407293}">
+      <dgm:prSet/>
+      <dgm:spPr/>
+      <dgm:t>
+        <a:bodyPr/>
+        <a:lstStyle/>
+        <a:p>
+          <a:r>
+            <a:rPr lang="eu-ES" dirty="0" smtClean="0"/>
+            <a:t>Merkataritza</a:t>
+          </a:r>
+          <a:endParaRPr lang="eu-ES" dirty="0"/>
+        </a:p>
+      </dgm:t>
+    </dgm:pt>
+    <dgm:pt modelId="{1C94AE55-55EB-4A97-8C6E-C095A18A321D}" type="parTrans" cxnId="{7EFFECAB-6217-4622-BF10-711168BD9FE1}">
+      <dgm:prSet/>
+      <dgm:spPr/>
+      <dgm:t>
+        <a:bodyPr/>
+        <a:lstStyle/>
+        <a:p>
+          <a:endParaRPr lang="eu-ES"/>
+        </a:p>
+      </dgm:t>
+    </dgm:pt>
+    <dgm:pt modelId="{A152B7A9-E6D3-4323-9AD0-6081A428E867}" type="sibTrans" cxnId="{7EFFECAB-6217-4622-BF10-711168BD9FE1}">
+      <dgm:prSet/>
+      <dgm:spPr/>
+      <dgm:t>
+        <a:bodyPr/>
+        <a:lstStyle/>
+        <a:p>
+          <a:endParaRPr lang="eu-ES"/>
+        </a:p>
+      </dgm:t>
+    </dgm:pt>
+    <dgm:pt modelId="{A6D3B915-4C51-4D80-BE0B-BEBE35FAE946}">
+      <dgm:prSet/>
+      <dgm:spPr/>
+      <dgm:t>
+        <a:bodyPr/>
+        <a:lstStyle/>
+        <a:p>
+          <a:r>
+            <a:rPr lang="eu-ES" dirty="0" err="1" smtClean="0"/>
+            <a:t>Apikultoreak</a:t>
+          </a:r>
+          <a:endParaRPr lang="eu-ES" dirty="0"/>
+        </a:p>
+      </dgm:t>
+    </dgm:pt>
+    <dgm:pt modelId="{F4157674-BE17-422C-95B9-F926FE739A4E}" type="parTrans" cxnId="{0BDE7C4C-F907-44E4-81DB-1F71A6C73699}">
+      <dgm:prSet/>
+      <dgm:spPr/>
+      <dgm:t>
+        <a:bodyPr/>
+        <a:lstStyle/>
+        <a:p>
+          <a:endParaRPr lang="eu-ES"/>
+        </a:p>
+      </dgm:t>
+    </dgm:pt>
+    <dgm:pt modelId="{68D0A83F-F36C-4D4C-8059-2EF2B7336FED}" type="sibTrans" cxnId="{0BDE7C4C-F907-44E4-81DB-1F71A6C73699}">
+      <dgm:prSet/>
+      <dgm:spPr/>
+      <dgm:t>
+        <a:bodyPr/>
+        <a:lstStyle/>
+        <a:p>
+          <a:endParaRPr lang="eu-ES"/>
+        </a:p>
+      </dgm:t>
+    </dgm:pt>
+    <dgm:pt modelId="{F8354644-DB9D-402A-B406-F4317B7454DD}">
+      <dgm:prSet/>
+      <dgm:spPr/>
+      <dgm:t>
+        <a:bodyPr/>
+        <a:lstStyle/>
+        <a:p>
+          <a:r>
+            <a:rPr lang="eu-ES" dirty="0" smtClean="0"/>
+            <a:t>Erauzketa</a:t>
+          </a:r>
+          <a:endParaRPr lang="eu-ES" dirty="0"/>
+        </a:p>
+      </dgm:t>
+    </dgm:pt>
+    <dgm:pt modelId="{CE8E39EC-386C-4A17-814A-3AFD5C46C632}" type="parTrans" cxnId="{B0A6AE7F-4381-4537-BDA1-9F17E9273338}">
+      <dgm:prSet/>
+      <dgm:spPr/>
+      <dgm:t>
+        <a:bodyPr/>
+        <a:lstStyle/>
+        <a:p>
+          <a:endParaRPr lang="eu-ES"/>
+        </a:p>
+      </dgm:t>
+    </dgm:pt>
+    <dgm:pt modelId="{B82CC699-BD3D-4821-94D7-D20D6FB9EB32}" type="sibTrans" cxnId="{B0A6AE7F-4381-4537-BDA1-9F17E9273338}">
+      <dgm:prSet/>
+      <dgm:spPr/>
+      <dgm:t>
+        <a:bodyPr/>
+        <a:lstStyle/>
+        <a:p>
+          <a:endParaRPr lang="eu-ES"/>
+        </a:p>
+      </dgm:t>
+    </dgm:pt>
     <dgm:pt modelId="{8A63A738-C4A0-401A-ABA5-5E6EFE0FA4ED}" type="pres">
       <dgm:prSet presAssocID="{78BD2E78-EB26-43C7-829A-01997D4814A7}" presName="hierChild1" presStyleCnt="0">
         <dgm:presLayoutVars>
@@ -1315,26 +1604,6 @@
         </dgm:presLayoutVars>
       </dgm:prSet>
       <dgm:spPr/>
-    </dgm:pt>
-    <dgm:pt modelId="{CA9A23C6-0E4C-4578-9034-FF1991193EF6}" type="pres">
-      <dgm:prSet presAssocID="{8A9587ED-2A77-45CA-A6CF-147E1AB55171}" presName="hierRoot1" presStyleCnt="0">
-        <dgm:presLayoutVars>
-          <dgm:hierBranch val="init"/>
-        </dgm:presLayoutVars>
-      </dgm:prSet>
-      <dgm:spPr/>
-    </dgm:pt>
-    <dgm:pt modelId="{56C6DEB5-C887-4E02-AF61-6C6E55005D96}" type="pres">
-      <dgm:prSet presAssocID="{8A9587ED-2A77-45CA-A6CF-147E1AB55171}" presName="rootComposite1" presStyleCnt="0"/>
-      <dgm:spPr/>
-    </dgm:pt>
-    <dgm:pt modelId="{A38A51CB-F626-4D12-A964-C7975D354867}" type="pres">
-      <dgm:prSet presAssocID="{8A9587ED-2A77-45CA-A6CF-147E1AB55171}" presName="rootText1" presStyleLbl="node0" presStyleIdx="0" presStyleCnt="1" custScaleX="191088">
-        <dgm:presLayoutVars>
-          <dgm:chPref val="3"/>
-        </dgm:presLayoutVars>
-      </dgm:prSet>
-      <dgm:spPr/>
       <dgm:t>
         <a:bodyPr/>
         <a:lstStyle/>
@@ -1343,176 +1612,20 @@
         </a:p>
       </dgm:t>
     </dgm:pt>
-    <dgm:pt modelId="{779EEE6D-32AB-4DE9-866E-BD5487CAFCEE}" type="pres">
-      <dgm:prSet presAssocID="{8A9587ED-2A77-45CA-A6CF-147E1AB55171}" presName="rootConnector1" presStyleLbl="node1" presStyleIdx="0" presStyleCnt="0"/>
-      <dgm:spPr/>
-    </dgm:pt>
-    <dgm:pt modelId="{0A0C80A2-D9F9-4E97-BE6B-704E9AB7B949}" type="pres">
-      <dgm:prSet presAssocID="{8A9587ED-2A77-45CA-A6CF-147E1AB55171}" presName="hierChild2" presStyleCnt="0"/>
-      <dgm:spPr/>
-    </dgm:pt>
-    <dgm:pt modelId="{F30075F2-A48C-4A42-A4BF-8782257A3C66}" type="pres">
-      <dgm:prSet presAssocID="{2C4F5DD5-1F06-433E-9272-CB360A50D1EB}" presName="Name37" presStyleLbl="parChTrans1D2" presStyleIdx="0" presStyleCnt="9"/>
-      <dgm:spPr/>
-    </dgm:pt>
-    <dgm:pt modelId="{D831EFC6-64FF-452D-874D-B0F3E28B7C2B}" type="pres">
-      <dgm:prSet presAssocID="{841B8B0E-BDC2-404A-B484-7D1C540BE202}" presName="hierRoot2" presStyleCnt="0">
+    <dgm:pt modelId="{CA9A23C6-0E4C-4578-9034-FF1991193EF6}" type="pres">
+      <dgm:prSet presAssocID="{8A9587ED-2A77-45CA-A6CF-147E1AB55171}" presName="hierRoot1" presStyleCnt="0">
         <dgm:presLayoutVars>
           <dgm:hierBranch val="init"/>
         </dgm:presLayoutVars>
       </dgm:prSet>
       <dgm:spPr/>
     </dgm:pt>
-    <dgm:pt modelId="{A7FAFA5D-91FA-4894-802B-B2F4ACE8846D}" type="pres">
-      <dgm:prSet presAssocID="{841B8B0E-BDC2-404A-B484-7D1C540BE202}" presName="rootComposite" presStyleCnt="0"/>
-      <dgm:spPr/>
-    </dgm:pt>
-    <dgm:pt modelId="{E050DFD3-C747-4C21-820F-35420CA74C56}" type="pres">
-      <dgm:prSet presAssocID="{841B8B0E-BDC2-404A-B484-7D1C540BE202}" presName="rootText" presStyleLbl="node2" presStyleIdx="0" presStyleCnt="9" custScaleX="103598" custScaleY="92534">
-        <dgm:presLayoutVars>
-          <dgm:chPref val="3"/>
-        </dgm:presLayoutVars>
-      </dgm:prSet>
-      <dgm:spPr/>
-    </dgm:pt>
-    <dgm:pt modelId="{7928410B-5EF9-4BEB-A967-6BEA06810E33}" type="pres">
-      <dgm:prSet presAssocID="{841B8B0E-BDC2-404A-B484-7D1C540BE202}" presName="rootConnector" presStyleLbl="node2" presStyleIdx="0" presStyleCnt="9"/>
-      <dgm:spPr/>
-    </dgm:pt>
-    <dgm:pt modelId="{ACC29BA0-BD52-4158-9BED-82312315D59E}" type="pres">
-      <dgm:prSet presAssocID="{841B8B0E-BDC2-404A-B484-7D1C540BE202}" presName="hierChild4" presStyleCnt="0"/>
-      <dgm:spPr/>
-    </dgm:pt>
-    <dgm:pt modelId="{7BC0455B-3E3B-4552-A1F2-812F7394D035}" type="pres">
-      <dgm:prSet presAssocID="{841B8B0E-BDC2-404A-B484-7D1C540BE202}" presName="hierChild5" presStyleCnt="0"/>
-      <dgm:spPr/>
-    </dgm:pt>
-    <dgm:pt modelId="{9BD2E211-6249-457F-8BB7-EF80F46ACE33}" type="pres">
-      <dgm:prSet presAssocID="{1E30A1B6-AC26-40B0-90B9-79323DE1AD60}" presName="Name37" presStyleLbl="parChTrans1D2" presStyleIdx="1" presStyleCnt="9"/>
-      <dgm:spPr/>
-    </dgm:pt>
-    <dgm:pt modelId="{2E661DC6-6658-4E26-8629-C1473A54BF8D}" type="pres">
-      <dgm:prSet presAssocID="{866340F8-339A-4844-9A73-1782F1FFB80F}" presName="hierRoot2" presStyleCnt="0">
-        <dgm:presLayoutVars>
-          <dgm:hierBranch val="init"/>
-        </dgm:presLayoutVars>
-      </dgm:prSet>
-      <dgm:spPr/>
-    </dgm:pt>
-    <dgm:pt modelId="{DD0FFCA2-9B5B-4C57-A873-3115AE3D5A1D}" type="pres">
-      <dgm:prSet presAssocID="{866340F8-339A-4844-9A73-1782F1FFB80F}" presName="rootComposite" presStyleCnt="0"/>
-      <dgm:spPr/>
-    </dgm:pt>
-    <dgm:pt modelId="{F672EC80-2E1E-44F5-A871-46B9F1AFA7B6}" type="pres">
-      <dgm:prSet presAssocID="{866340F8-339A-4844-9A73-1782F1FFB80F}" presName="rootText" presStyleLbl="node2" presStyleIdx="1" presStyleCnt="9">
-        <dgm:presLayoutVars>
-          <dgm:chPref val="3"/>
-        </dgm:presLayoutVars>
-      </dgm:prSet>
-      <dgm:spPr/>
-    </dgm:pt>
-    <dgm:pt modelId="{5C8BCE0E-32F8-437A-81D5-9799A5AAE8AF}" type="pres">
-      <dgm:prSet presAssocID="{866340F8-339A-4844-9A73-1782F1FFB80F}" presName="rootConnector" presStyleLbl="node2" presStyleIdx="1" presStyleCnt="9"/>
-      <dgm:spPr/>
-    </dgm:pt>
-    <dgm:pt modelId="{4E42888A-683F-4F35-9C9E-61157B683C81}" type="pres">
-      <dgm:prSet presAssocID="{866340F8-339A-4844-9A73-1782F1FFB80F}" presName="hierChild4" presStyleCnt="0"/>
-      <dgm:spPr/>
-    </dgm:pt>
-    <dgm:pt modelId="{9076B23B-B600-4F05-89F4-542197F71AFC}" type="pres">
-      <dgm:prSet presAssocID="{866340F8-339A-4844-9A73-1782F1FFB80F}" presName="hierChild5" presStyleCnt="0"/>
-      <dgm:spPr/>
-    </dgm:pt>
-    <dgm:pt modelId="{119EA951-0E4C-49AC-9634-1D72F47B02B6}" type="pres">
-      <dgm:prSet presAssocID="{C3A8DEA5-A3AD-4212-A9A1-D46EDEC7C5EB}" presName="Name37" presStyleLbl="parChTrans1D2" presStyleIdx="2" presStyleCnt="9"/>
-      <dgm:spPr/>
-    </dgm:pt>
-    <dgm:pt modelId="{7D42F699-3650-438B-A2D0-4108B4170D85}" type="pres">
-      <dgm:prSet presAssocID="{A6278C2B-C80C-4E18-A853-2F9986913ACD}" presName="hierRoot2" presStyleCnt="0">
-        <dgm:presLayoutVars>
-          <dgm:hierBranch val="init"/>
-        </dgm:presLayoutVars>
-      </dgm:prSet>
-      <dgm:spPr/>
-    </dgm:pt>
-    <dgm:pt modelId="{BDE93810-725A-4023-B4AA-367EAFB6E0ED}" type="pres">
-      <dgm:prSet presAssocID="{A6278C2B-C80C-4E18-A853-2F9986913ACD}" presName="rootComposite" presStyleCnt="0"/>
-      <dgm:spPr/>
-    </dgm:pt>
-    <dgm:pt modelId="{E61C93CD-FA69-48E1-BD9F-F251710C9C47}" type="pres">
-      <dgm:prSet presAssocID="{A6278C2B-C80C-4E18-A853-2F9986913ACD}" presName="rootText" presStyleLbl="node2" presStyleIdx="2" presStyleCnt="9">
-        <dgm:presLayoutVars>
-          <dgm:chPref val="3"/>
-        </dgm:presLayoutVars>
-      </dgm:prSet>
-      <dgm:spPr/>
-    </dgm:pt>
-    <dgm:pt modelId="{0005C68A-2DA2-424C-9A1F-6D6CD210E6B4}" type="pres">
-      <dgm:prSet presAssocID="{A6278C2B-C80C-4E18-A853-2F9986913ACD}" presName="rootConnector" presStyleLbl="node2" presStyleIdx="2" presStyleCnt="9"/>
-      <dgm:spPr/>
-    </dgm:pt>
-    <dgm:pt modelId="{2B41AE95-0C35-4C03-9553-06D94F1E11FF}" type="pres">
-      <dgm:prSet presAssocID="{A6278C2B-C80C-4E18-A853-2F9986913ACD}" presName="hierChild4" presStyleCnt="0"/>
-      <dgm:spPr/>
-    </dgm:pt>
-    <dgm:pt modelId="{9177B90D-F2BE-4D07-9978-69ADF1AF39C5}" type="pres">
-      <dgm:prSet presAssocID="{A6278C2B-C80C-4E18-A853-2F9986913ACD}" presName="hierChild5" presStyleCnt="0"/>
-      <dgm:spPr/>
-    </dgm:pt>
-    <dgm:pt modelId="{399684FA-2587-47D9-B213-EA5FEF3BCB96}" type="pres">
-      <dgm:prSet presAssocID="{75082636-B3A1-4202-B9DF-E96555E472EE}" presName="Name37" presStyleLbl="parChTrans1D2" presStyleIdx="3" presStyleCnt="9"/>
-      <dgm:spPr/>
-    </dgm:pt>
-    <dgm:pt modelId="{2E90F708-BD86-4AC2-86EA-CA19A9624F4A}" type="pres">
-      <dgm:prSet presAssocID="{6D7BEE73-3BEA-4C64-8852-7F4FE4AD2BBD}" presName="hierRoot2" presStyleCnt="0">
-        <dgm:presLayoutVars>
-          <dgm:hierBranch val="init"/>
-        </dgm:presLayoutVars>
-      </dgm:prSet>
-      <dgm:spPr/>
-    </dgm:pt>
-    <dgm:pt modelId="{B6461CE9-009D-422A-9D63-79DCFA46A83B}" type="pres">
-      <dgm:prSet presAssocID="{6D7BEE73-3BEA-4C64-8852-7F4FE4AD2BBD}" presName="rootComposite" presStyleCnt="0"/>
-      <dgm:spPr/>
-    </dgm:pt>
-    <dgm:pt modelId="{5BF67A96-F5A3-458B-BEC8-DB29910DEDA8}" type="pres">
-      <dgm:prSet presAssocID="{6D7BEE73-3BEA-4C64-8852-7F4FE4AD2BBD}" presName="rootText" presStyleLbl="node2" presStyleIdx="3" presStyleCnt="9" custScaleY="132003">
-        <dgm:presLayoutVars>
-          <dgm:chPref val="3"/>
-        </dgm:presLayoutVars>
-      </dgm:prSet>
-      <dgm:spPr/>
-    </dgm:pt>
-    <dgm:pt modelId="{65D9656D-34C9-44A1-B05A-522D063FF00E}" type="pres">
-      <dgm:prSet presAssocID="{6D7BEE73-3BEA-4C64-8852-7F4FE4AD2BBD}" presName="rootConnector" presStyleLbl="node2" presStyleIdx="3" presStyleCnt="9"/>
-      <dgm:spPr/>
-    </dgm:pt>
-    <dgm:pt modelId="{42AA9018-E040-40D7-B5C4-5ACB15B04F40}" type="pres">
-      <dgm:prSet presAssocID="{6D7BEE73-3BEA-4C64-8852-7F4FE4AD2BBD}" presName="hierChild4" presStyleCnt="0"/>
-      <dgm:spPr/>
-    </dgm:pt>
-    <dgm:pt modelId="{EC11453E-5F4B-4D0E-A9BE-6DBF1FB89917}" type="pres">
-      <dgm:prSet presAssocID="{6D7BEE73-3BEA-4C64-8852-7F4FE4AD2BBD}" presName="hierChild5" presStyleCnt="0"/>
-      <dgm:spPr/>
-    </dgm:pt>
-    <dgm:pt modelId="{22C70BE5-32DC-4144-A9E3-3FD75AE836EF}" type="pres">
-      <dgm:prSet presAssocID="{EF5CD29B-D2EF-41E7-B35A-8CD4833C55E4}" presName="Name37" presStyleLbl="parChTrans1D2" presStyleIdx="4" presStyleCnt="9"/>
-      <dgm:spPr/>
-    </dgm:pt>
-    <dgm:pt modelId="{F4A96369-AE3C-4CAA-A89F-3C544AF9F950}" type="pres">
-      <dgm:prSet presAssocID="{DB22BFCB-6F0E-4321-BB49-92A818CFF935}" presName="hierRoot2" presStyleCnt="0">
-        <dgm:presLayoutVars>
-          <dgm:hierBranch val="init"/>
-        </dgm:presLayoutVars>
-      </dgm:prSet>
-      <dgm:spPr/>
-    </dgm:pt>
-    <dgm:pt modelId="{CBD5541B-1567-4BE5-B596-49A057A4CFC5}" type="pres">
-      <dgm:prSet presAssocID="{DB22BFCB-6F0E-4321-BB49-92A818CFF935}" presName="rootComposite" presStyleCnt="0"/>
-      <dgm:spPr/>
-    </dgm:pt>
-    <dgm:pt modelId="{0738AED2-0B37-4B7E-9E8C-0E4CD21444D7}" type="pres">
-      <dgm:prSet presAssocID="{DB22BFCB-6F0E-4321-BB49-92A818CFF935}" presName="rootText" presStyleLbl="node2" presStyleIdx="4" presStyleCnt="9" custScaleY="140817">
+    <dgm:pt modelId="{56C6DEB5-C887-4E02-AF61-6C6E55005D96}" type="pres">
+      <dgm:prSet presAssocID="{8A9587ED-2A77-45CA-A6CF-147E1AB55171}" presName="rootComposite1" presStyleCnt="0"/>
+      <dgm:spPr/>
+    </dgm:pt>
+    <dgm:pt modelId="{A38A51CB-F626-4D12-A964-C7975D354867}" type="pres">
+      <dgm:prSet presAssocID="{8A9587ED-2A77-45CA-A6CF-147E1AB55171}" presName="rootText1" presStyleLbl="node0" presStyleIdx="0" presStyleCnt="1" custScaleX="191088">
         <dgm:presLayoutVars>
           <dgm:chPref val="3"/>
         </dgm:presLayoutVars>
@@ -1526,148 +1639,8 @@
         </a:p>
       </dgm:t>
     </dgm:pt>
-    <dgm:pt modelId="{AC82D59B-554C-42DF-B77B-585A5D14F947}" type="pres">
-      <dgm:prSet presAssocID="{DB22BFCB-6F0E-4321-BB49-92A818CFF935}" presName="rootConnector" presStyleLbl="node2" presStyleIdx="4" presStyleCnt="9"/>
-      <dgm:spPr/>
-    </dgm:pt>
-    <dgm:pt modelId="{D4DCC5D6-82AA-447E-BD0C-214F8AE5AC70}" type="pres">
-      <dgm:prSet presAssocID="{DB22BFCB-6F0E-4321-BB49-92A818CFF935}" presName="hierChild4" presStyleCnt="0"/>
-      <dgm:spPr/>
-    </dgm:pt>
-    <dgm:pt modelId="{005F743C-7A37-464D-BD9F-1FDA8FD61133}" type="pres">
-      <dgm:prSet presAssocID="{DB22BFCB-6F0E-4321-BB49-92A818CFF935}" presName="hierChild5" presStyleCnt="0"/>
-      <dgm:spPr/>
-    </dgm:pt>
-    <dgm:pt modelId="{B4975C0B-2DF0-40F3-B6D5-D7E202B1E359}" type="pres">
-      <dgm:prSet presAssocID="{C57B7874-715E-4F02-8425-0336FD6051B8}" presName="Name37" presStyleLbl="parChTrans1D2" presStyleIdx="5" presStyleCnt="9"/>
-      <dgm:spPr/>
-    </dgm:pt>
-    <dgm:pt modelId="{700B7DE6-D9D1-45D5-8D40-3C2496221B38}" type="pres">
-      <dgm:prSet presAssocID="{25FC7480-DDC2-4890-8CA7-11912FFCB250}" presName="hierRoot2" presStyleCnt="0">
-        <dgm:presLayoutVars>
-          <dgm:hierBranch val="init"/>
-        </dgm:presLayoutVars>
-      </dgm:prSet>
-      <dgm:spPr/>
-    </dgm:pt>
-    <dgm:pt modelId="{CA975A5E-DAA6-42F2-A7DF-548868C53B61}" type="pres">
-      <dgm:prSet presAssocID="{25FC7480-DDC2-4890-8CA7-11912FFCB250}" presName="rootComposite" presStyleCnt="0"/>
-      <dgm:spPr/>
-    </dgm:pt>
-    <dgm:pt modelId="{84711DFB-4BD7-498B-AEBA-36B9681B9E72}" type="pres">
-      <dgm:prSet presAssocID="{25FC7480-DDC2-4890-8CA7-11912FFCB250}" presName="rootText" presStyleLbl="node2" presStyleIdx="5" presStyleCnt="9">
-        <dgm:presLayoutVars>
-          <dgm:chPref val="3"/>
-        </dgm:presLayoutVars>
-      </dgm:prSet>
-      <dgm:spPr/>
-    </dgm:pt>
-    <dgm:pt modelId="{654B2B04-56DA-4DED-AB43-229A54F1BB34}" type="pres">
-      <dgm:prSet presAssocID="{25FC7480-DDC2-4890-8CA7-11912FFCB250}" presName="rootConnector" presStyleLbl="node2" presStyleIdx="5" presStyleCnt="9"/>
-      <dgm:spPr/>
-    </dgm:pt>
-    <dgm:pt modelId="{1B169D2F-459E-498E-AD13-4A06FD05579F}" type="pres">
-      <dgm:prSet presAssocID="{25FC7480-DDC2-4890-8CA7-11912FFCB250}" presName="hierChild4" presStyleCnt="0"/>
-      <dgm:spPr/>
-    </dgm:pt>
-    <dgm:pt modelId="{FB1AD78B-0A20-495D-960C-E8727F4E2745}" type="pres">
-      <dgm:prSet presAssocID="{25FC7480-DDC2-4890-8CA7-11912FFCB250}" presName="hierChild5" presStyleCnt="0"/>
-      <dgm:spPr/>
-    </dgm:pt>
-    <dgm:pt modelId="{1BB09392-3392-44E0-9498-5BE58EE7DC4B}" type="pres">
-      <dgm:prSet presAssocID="{24A9296A-07BA-446C-977A-6CC4A60E276F}" presName="Name37" presStyleLbl="parChTrans1D2" presStyleIdx="6" presStyleCnt="9"/>
-      <dgm:spPr/>
-    </dgm:pt>
-    <dgm:pt modelId="{746110D1-9F70-40A8-9B05-CC48F9E36F93}" type="pres">
-      <dgm:prSet presAssocID="{4D12F23A-90A7-405E-8577-4E63C8C8C20B}" presName="hierRoot2" presStyleCnt="0">
-        <dgm:presLayoutVars>
-          <dgm:hierBranch val="init"/>
-        </dgm:presLayoutVars>
-      </dgm:prSet>
-      <dgm:spPr/>
-    </dgm:pt>
-    <dgm:pt modelId="{C93766EC-791D-4187-A62C-5BB1EEE6EAFE}" type="pres">
-      <dgm:prSet presAssocID="{4D12F23A-90A7-405E-8577-4E63C8C8C20B}" presName="rootComposite" presStyleCnt="0"/>
-      <dgm:spPr/>
-    </dgm:pt>
-    <dgm:pt modelId="{61908D5C-8DA5-45B4-91FD-2666C6B02C3D}" type="pres">
-      <dgm:prSet presAssocID="{4D12F23A-90A7-405E-8577-4E63C8C8C20B}" presName="rootText" presStyleLbl="node2" presStyleIdx="6" presStyleCnt="9">
-        <dgm:presLayoutVars>
-          <dgm:chPref val="3"/>
-        </dgm:presLayoutVars>
-      </dgm:prSet>
-      <dgm:spPr/>
-    </dgm:pt>
-    <dgm:pt modelId="{04C724F2-5921-4AB3-9B1B-EA591BDEF149}" type="pres">
-      <dgm:prSet presAssocID="{4D12F23A-90A7-405E-8577-4E63C8C8C20B}" presName="rootConnector" presStyleLbl="node2" presStyleIdx="6" presStyleCnt="9"/>
-      <dgm:spPr/>
-    </dgm:pt>
-    <dgm:pt modelId="{52BA2FA3-DD55-4021-B661-8A8174CEFEEC}" type="pres">
-      <dgm:prSet presAssocID="{4D12F23A-90A7-405E-8577-4E63C8C8C20B}" presName="hierChild4" presStyleCnt="0"/>
-      <dgm:spPr/>
-    </dgm:pt>
-    <dgm:pt modelId="{015202E4-E33F-4C24-8EF4-D5DBA22C6B87}" type="pres">
-      <dgm:prSet presAssocID="{4D12F23A-90A7-405E-8577-4E63C8C8C20B}" presName="hierChild5" presStyleCnt="0"/>
-      <dgm:spPr/>
-    </dgm:pt>
-    <dgm:pt modelId="{8222190E-0AC6-484F-B815-29DC796A4E5F}" type="pres">
-      <dgm:prSet presAssocID="{97A11BF0-B029-4B48-9A23-E0A091DB3E16}" presName="Name37" presStyleLbl="parChTrans1D2" presStyleIdx="7" presStyleCnt="9"/>
-      <dgm:spPr/>
-    </dgm:pt>
-    <dgm:pt modelId="{479FB956-AEDE-44DC-AB0A-9B8AD2554D80}" type="pres">
-      <dgm:prSet presAssocID="{9B5C9D7F-BF27-469E-AC6F-72A69A0E46A3}" presName="hierRoot2" presStyleCnt="0">
-        <dgm:presLayoutVars>
-          <dgm:hierBranch val="init"/>
-        </dgm:presLayoutVars>
-      </dgm:prSet>
-      <dgm:spPr/>
-    </dgm:pt>
-    <dgm:pt modelId="{8ACC844B-95AD-4701-87FC-9F43723AAE68}" type="pres">
-      <dgm:prSet presAssocID="{9B5C9D7F-BF27-469E-AC6F-72A69A0E46A3}" presName="rootComposite" presStyleCnt="0"/>
-      <dgm:spPr/>
-    </dgm:pt>
-    <dgm:pt modelId="{035E4A0D-AE50-4674-910C-D7659401D8B3}" type="pres">
-      <dgm:prSet presAssocID="{9B5C9D7F-BF27-469E-AC6F-72A69A0E46A3}" presName="rootText" presStyleLbl="node2" presStyleIdx="7" presStyleCnt="9">
-        <dgm:presLayoutVars>
-          <dgm:chPref val="3"/>
-        </dgm:presLayoutVars>
-      </dgm:prSet>
-      <dgm:spPr/>
-    </dgm:pt>
-    <dgm:pt modelId="{6B08ED42-0908-4DCB-89E7-A99D98D8F627}" type="pres">
-      <dgm:prSet presAssocID="{9B5C9D7F-BF27-469E-AC6F-72A69A0E46A3}" presName="rootConnector" presStyleLbl="node2" presStyleIdx="7" presStyleCnt="9"/>
-      <dgm:spPr/>
-    </dgm:pt>
-    <dgm:pt modelId="{9F594148-9B9F-4195-88CE-B318860473C7}" type="pres">
-      <dgm:prSet presAssocID="{9B5C9D7F-BF27-469E-AC6F-72A69A0E46A3}" presName="hierChild4" presStyleCnt="0"/>
-      <dgm:spPr/>
-    </dgm:pt>
-    <dgm:pt modelId="{5CE9CA3C-474B-4C37-9BB0-890760A72488}" type="pres">
-      <dgm:prSet presAssocID="{9B5C9D7F-BF27-469E-AC6F-72A69A0E46A3}" presName="hierChild5" presStyleCnt="0"/>
-      <dgm:spPr/>
-    </dgm:pt>
-    <dgm:pt modelId="{4A0D6251-1291-4FD8-A1AB-9A7A81B43F2E}" type="pres">
-      <dgm:prSet presAssocID="{3FDF3FA2-B383-4280-9C7A-84EEF0F4446B}" presName="Name37" presStyleLbl="parChTrans1D2" presStyleIdx="8" presStyleCnt="9"/>
-      <dgm:spPr/>
-    </dgm:pt>
-    <dgm:pt modelId="{E0F21975-4353-420F-95E4-445B6071BFAF}" type="pres">
-      <dgm:prSet presAssocID="{6D371C8B-A3CD-44F8-BBC3-018ADF716E58}" presName="hierRoot2" presStyleCnt="0">
-        <dgm:presLayoutVars>
-          <dgm:hierBranch val="init"/>
-        </dgm:presLayoutVars>
-      </dgm:prSet>
-      <dgm:spPr/>
-    </dgm:pt>
-    <dgm:pt modelId="{22276FDB-3E66-4307-A0B8-B317162B727C}" type="pres">
-      <dgm:prSet presAssocID="{6D371C8B-A3CD-44F8-BBC3-018ADF716E58}" presName="rootComposite" presStyleCnt="0"/>
-      <dgm:spPr/>
-    </dgm:pt>
-    <dgm:pt modelId="{8C253D10-FB3D-4BA4-B037-ED63B5337AEE}" type="pres">
-      <dgm:prSet presAssocID="{6D371C8B-A3CD-44F8-BBC3-018ADF716E58}" presName="rootText" presStyleLbl="node2" presStyleIdx="8" presStyleCnt="9">
-        <dgm:presLayoutVars>
-          <dgm:chPref val="3"/>
-        </dgm:presLayoutVars>
-      </dgm:prSet>
+    <dgm:pt modelId="{779EEE6D-32AB-4DE9-866E-BD5487CAFCEE}" type="pres">
+      <dgm:prSet presAssocID="{8A9587ED-2A77-45CA-A6CF-147E1AB55171}" presName="rootConnector1" presStyleLbl="node1" presStyleIdx="0" presStyleCnt="0"/>
       <dgm:spPr/>
       <dgm:t>
         <a:bodyPr/>
@@ -1677,9 +1650,809 @@
         </a:p>
       </dgm:t>
     </dgm:pt>
+    <dgm:pt modelId="{0A0C80A2-D9F9-4E97-BE6B-704E9AB7B949}" type="pres">
+      <dgm:prSet presAssocID="{8A9587ED-2A77-45CA-A6CF-147E1AB55171}" presName="hierChild2" presStyleCnt="0"/>
+      <dgm:spPr/>
+    </dgm:pt>
+    <dgm:pt modelId="{F30075F2-A48C-4A42-A4BF-8782257A3C66}" type="pres">
+      <dgm:prSet presAssocID="{2C4F5DD5-1F06-433E-9272-CB360A50D1EB}" presName="Name37" presStyleLbl="parChTrans1D2" presStyleIdx="0" presStyleCnt="9"/>
+      <dgm:spPr/>
+      <dgm:t>
+        <a:bodyPr/>
+        <a:lstStyle/>
+        <a:p>
+          <a:endParaRPr lang="eu-ES"/>
+        </a:p>
+      </dgm:t>
+    </dgm:pt>
+    <dgm:pt modelId="{D831EFC6-64FF-452D-874D-B0F3E28B7C2B}" type="pres">
+      <dgm:prSet presAssocID="{841B8B0E-BDC2-404A-B484-7D1C540BE202}" presName="hierRoot2" presStyleCnt="0">
+        <dgm:presLayoutVars>
+          <dgm:hierBranch val="init"/>
+        </dgm:presLayoutVars>
+      </dgm:prSet>
+      <dgm:spPr/>
+    </dgm:pt>
+    <dgm:pt modelId="{A7FAFA5D-91FA-4894-802B-B2F4ACE8846D}" type="pres">
+      <dgm:prSet presAssocID="{841B8B0E-BDC2-404A-B484-7D1C540BE202}" presName="rootComposite" presStyleCnt="0"/>
+      <dgm:spPr/>
+    </dgm:pt>
+    <dgm:pt modelId="{E050DFD3-C747-4C21-820F-35420CA74C56}" type="pres">
+      <dgm:prSet presAssocID="{841B8B0E-BDC2-404A-B484-7D1C540BE202}" presName="rootText" presStyleLbl="node2" presStyleIdx="0" presStyleCnt="9" custScaleX="103598" custScaleY="92534">
+        <dgm:presLayoutVars>
+          <dgm:chPref val="3"/>
+        </dgm:presLayoutVars>
+      </dgm:prSet>
+      <dgm:spPr/>
+      <dgm:t>
+        <a:bodyPr/>
+        <a:lstStyle/>
+        <a:p>
+          <a:endParaRPr lang="eu-ES"/>
+        </a:p>
+      </dgm:t>
+    </dgm:pt>
+    <dgm:pt modelId="{7928410B-5EF9-4BEB-A967-6BEA06810E33}" type="pres">
+      <dgm:prSet presAssocID="{841B8B0E-BDC2-404A-B484-7D1C540BE202}" presName="rootConnector" presStyleLbl="node2" presStyleIdx="0" presStyleCnt="9"/>
+      <dgm:spPr/>
+      <dgm:t>
+        <a:bodyPr/>
+        <a:lstStyle/>
+        <a:p>
+          <a:endParaRPr lang="eu-ES"/>
+        </a:p>
+      </dgm:t>
+    </dgm:pt>
+    <dgm:pt modelId="{ACC29BA0-BD52-4158-9BED-82312315D59E}" type="pres">
+      <dgm:prSet presAssocID="{841B8B0E-BDC2-404A-B484-7D1C540BE202}" presName="hierChild4" presStyleCnt="0"/>
+      <dgm:spPr/>
+    </dgm:pt>
+    <dgm:pt modelId="{7BC0455B-3E3B-4552-A1F2-812F7394D035}" type="pres">
+      <dgm:prSet presAssocID="{841B8B0E-BDC2-404A-B484-7D1C540BE202}" presName="hierChild5" presStyleCnt="0"/>
+      <dgm:spPr/>
+    </dgm:pt>
+    <dgm:pt modelId="{9BD2E211-6249-457F-8BB7-EF80F46ACE33}" type="pres">
+      <dgm:prSet presAssocID="{1E30A1B6-AC26-40B0-90B9-79323DE1AD60}" presName="Name37" presStyleLbl="parChTrans1D2" presStyleIdx="1" presStyleCnt="9"/>
+      <dgm:spPr/>
+      <dgm:t>
+        <a:bodyPr/>
+        <a:lstStyle/>
+        <a:p>
+          <a:endParaRPr lang="eu-ES"/>
+        </a:p>
+      </dgm:t>
+    </dgm:pt>
+    <dgm:pt modelId="{2E661DC6-6658-4E26-8629-C1473A54BF8D}" type="pres">
+      <dgm:prSet presAssocID="{866340F8-339A-4844-9A73-1782F1FFB80F}" presName="hierRoot2" presStyleCnt="0">
+        <dgm:presLayoutVars>
+          <dgm:hierBranch val="init"/>
+        </dgm:presLayoutVars>
+      </dgm:prSet>
+      <dgm:spPr/>
+    </dgm:pt>
+    <dgm:pt modelId="{DD0FFCA2-9B5B-4C57-A873-3115AE3D5A1D}" type="pres">
+      <dgm:prSet presAssocID="{866340F8-339A-4844-9A73-1782F1FFB80F}" presName="rootComposite" presStyleCnt="0"/>
+      <dgm:spPr/>
+    </dgm:pt>
+    <dgm:pt modelId="{F672EC80-2E1E-44F5-A871-46B9F1AFA7B6}" type="pres">
+      <dgm:prSet presAssocID="{866340F8-339A-4844-9A73-1782F1FFB80F}" presName="rootText" presStyleLbl="node2" presStyleIdx="1" presStyleCnt="9">
+        <dgm:presLayoutVars>
+          <dgm:chPref val="3"/>
+        </dgm:presLayoutVars>
+      </dgm:prSet>
+      <dgm:spPr/>
+      <dgm:t>
+        <a:bodyPr/>
+        <a:lstStyle/>
+        <a:p>
+          <a:endParaRPr lang="eu-ES"/>
+        </a:p>
+      </dgm:t>
+    </dgm:pt>
+    <dgm:pt modelId="{5C8BCE0E-32F8-437A-81D5-9799A5AAE8AF}" type="pres">
+      <dgm:prSet presAssocID="{866340F8-339A-4844-9A73-1782F1FFB80F}" presName="rootConnector" presStyleLbl="node2" presStyleIdx="1" presStyleCnt="9"/>
+      <dgm:spPr/>
+      <dgm:t>
+        <a:bodyPr/>
+        <a:lstStyle/>
+        <a:p>
+          <a:endParaRPr lang="eu-ES"/>
+        </a:p>
+      </dgm:t>
+    </dgm:pt>
+    <dgm:pt modelId="{4E42888A-683F-4F35-9C9E-61157B683C81}" type="pres">
+      <dgm:prSet presAssocID="{866340F8-339A-4844-9A73-1782F1FFB80F}" presName="hierChild4" presStyleCnt="0"/>
+      <dgm:spPr/>
+    </dgm:pt>
+    <dgm:pt modelId="{B3053FCD-323B-42DC-842D-04CD7CE694BB}" type="pres">
+      <dgm:prSet presAssocID="{4797CAB8-9721-4BEC-8908-B7BCCF9F2951}" presName="Name37" presStyleLbl="parChTrans1D3" presStyleIdx="0" presStyleCnt="8"/>
+      <dgm:spPr/>
+    </dgm:pt>
+    <dgm:pt modelId="{EBD7891B-5420-453B-A4BF-097A103BF196}" type="pres">
+      <dgm:prSet presAssocID="{B908E384-41BC-4C5F-AFF5-83C13323E24A}" presName="hierRoot2" presStyleCnt="0">
+        <dgm:presLayoutVars>
+          <dgm:hierBranch val="init"/>
+        </dgm:presLayoutVars>
+      </dgm:prSet>
+      <dgm:spPr/>
+    </dgm:pt>
+    <dgm:pt modelId="{EF51EDA0-89C6-4993-BB0A-0EBBDA3FCA68}" type="pres">
+      <dgm:prSet presAssocID="{B908E384-41BC-4C5F-AFF5-83C13323E24A}" presName="rootComposite" presStyleCnt="0"/>
+      <dgm:spPr/>
+    </dgm:pt>
+    <dgm:pt modelId="{B7D724A2-BAA3-47C8-AF63-7BFDFABD2D59}" type="pres">
+      <dgm:prSet presAssocID="{B908E384-41BC-4C5F-AFF5-83C13323E24A}" presName="rootText" presStyleLbl="node3" presStyleIdx="0" presStyleCnt="8" custLinFactNeighborY="-8282">
+        <dgm:presLayoutVars>
+          <dgm:chPref val="3"/>
+        </dgm:presLayoutVars>
+      </dgm:prSet>
+      <dgm:spPr/>
+      <dgm:t>
+        <a:bodyPr/>
+        <a:lstStyle/>
+        <a:p>
+          <a:endParaRPr lang="eu-ES"/>
+        </a:p>
+      </dgm:t>
+    </dgm:pt>
+    <dgm:pt modelId="{0A35E006-E70B-47B3-97A1-480393B43C9E}" type="pres">
+      <dgm:prSet presAssocID="{B908E384-41BC-4C5F-AFF5-83C13323E24A}" presName="rootConnector" presStyleLbl="node3" presStyleIdx="0" presStyleCnt="8"/>
+      <dgm:spPr/>
+    </dgm:pt>
+    <dgm:pt modelId="{D43924A2-0285-4006-98C5-276B2C671971}" type="pres">
+      <dgm:prSet presAssocID="{B908E384-41BC-4C5F-AFF5-83C13323E24A}" presName="hierChild4" presStyleCnt="0"/>
+      <dgm:spPr/>
+    </dgm:pt>
+    <dgm:pt modelId="{08055AE8-4088-4CF4-BD05-76E4AA2A5FCB}" type="pres">
+      <dgm:prSet presAssocID="{B908E384-41BC-4C5F-AFF5-83C13323E24A}" presName="hierChild5" presStyleCnt="0"/>
+      <dgm:spPr/>
+    </dgm:pt>
+    <dgm:pt modelId="{3190E1EF-E44B-4FC4-98B5-E2E2B248C343}" type="pres">
+      <dgm:prSet presAssocID="{E35AA949-EDC7-4F3B-B06C-33552E220C60}" presName="Name37" presStyleLbl="parChTrans1D3" presStyleIdx="1" presStyleCnt="8"/>
+      <dgm:spPr/>
+    </dgm:pt>
+    <dgm:pt modelId="{350DB060-F493-47A0-8610-F8526ADC45D7}" type="pres">
+      <dgm:prSet presAssocID="{4E7DACE7-DA3B-4F09-92F2-501EB424E703}" presName="hierRoot2" presStyleCnt="0">
+        <dgm:presLayoutVars>
+          <dgm:hierBranch val="init"/>
+        </dgm:presLayoutVars>
+      </dgm:prSet>
+      <dgm:spPr/>
+    </dgm:pt>
+    <dgm:pt modelId="{CE6FEC06-A096-46E1-A825-29C1EE9567A0}" type="pres">
+      <dgm:prSet presAssocID="{4E7DACE7-DA3B-4F09-92F2-501EB424E703}" presName="rootComposite" presStyleCnt="0"/>
+      <dgm:spPr/>
+    </dgm:pt>
+    <dgm:pt modelId="{FBBB72E0-14BF-4437-AC35-27317643941A}" type="pres">
+      <dgm:prSet presAssocID="{4E7DACE7-DA3B-4F09-92F2-501EB424E703}" presName="rootText" presStyleLbl="node3" presStyleIdx="1" presStyleCnt="8">
+        <dgm:presLayoutVars>
+          <dgm:chPref val="3"/>
+        </dgm:presLayoutVars>
+      </dgm:prSet>
+      <dgm:spPr/>
+    </dgm:pt>
+    <dgm:pt modelId="{B8F5A55A-6805-446C-83D5-34EE3C172216}" type="pres">
+      <dgm:prSet presAssocID="{4E7DACE7-DA3B-4F09-92F2-501EB424E703}" presName="rootConnector" presStyleLbl="node3" presStyleIdx="1" presStyleCnt="8"/>
+      <dgm:spPr/>
+    </dgm:pt>
+    <dgm:pt modelId="{4158D38F-9364-46A0-9EAB-8EBFBB1D6241}" type="pres">
+      <dgm:prSet presAssocID="{4E7DACE7-DA3B-4F09-92F2-501EB424E703}" presName="hierChild4" presStyleCnt="0"/>
+      <dgm:spPr/>
+    </dgm:pt>
+    <dgm:pt modelId="{2DC7CE9F-3EF3-450D-AF76-15088BE6A0CD}" type="pres">
+      <dgm:prSet presAssocID="{4E7DACE7-DA3B-4F09-92F2-501EB424E703}" presName="hierChild5" presStyleCnt="0"/>
+      <dgm:spPr/>
+    </dgm:pt>
+    <dgm:pt modelId="{9076B23B-B600-4F05-89F4-542197F71AFC}" type="pres">
+      <dgm:prSet presAssocID="{866340F8-339A-4844-9A73-1782F1FFB80F}" presName="hierChild5" presStyleCnt="0"/>
+      <dgm:spPr/>
+    </dgm:pt>
+    <dgm:pt modelId="{119EA951-0E4C-49AC-9634-1D72F47B02B6}" type="pres">
+      <dgm:prSet presAssocID="{C3A8DEA5-A3AD-4212-A9A1-D46EDEC7C5EB}" presName="Name37" presStyleLbl="parChTrans1D2" presStyleIdx="2" presStyleCnt="9"/>
+      <dgm:spPr/>
+      <dgm:t>
+        <a:bodyPr/>
+        <a:lstStyle/>
+        <a:p>
+          <a:endParaRPr lang="eu-ES"/>
+        </a:p>
+      </dgm:t>
+    </dgm:pt>
+    <dgm:pt modelId="{7D42F699-3650-438B-A2D0-4108B4170D85}" type="pres">
+      <dgm:prSet presAssocID="{A6278C2B-C80C-4E18-A853-2F9986913ACD}" presName="hierRoot2" presStyleCnt="0">
+        <dgm:presLayoutVars>
+          <dgm:hierBranch val="init"/>
+        </dgm:presLayoutVars>
+      </dgm:prSet>
+      <dgm:spPr/>
+    </dgm:pt>
+    <dgm:pt modelId="{BDE93810-725A-4023-B4AA-367EAFB6E0ED}" type="pres">
+      <dgm:prSet presAssocID="{A6278C2B-C80C-4E18-A853-2F9986913ACD}" presName="rootComposite" presStyleCnt="0"/>
+      <dgm:spPr/>
+    </dgm:pt>
+    <dgm:pt modelId="{E61C93CD-FA69-48E1-BD9F-F251710C9C47}" type="pres">
+      <dgm:prSet presAssocID="{A6278C2B-C80C-4E18-A853-2F9986913ACD}" presName="rootText" presStyleLbl="node2" presStyleIdx="2" presStyleCnt="9" custLinFactNeighborX="19048" custLinFactNeighborY="-3312">
+        <dgm:presLayoutVars>
+          <dgm:chPref val="3"/>
+        </dgm:presLayoutVars>
+      </dgm:prSet>
+      <dgm:spPr/>
+      <dgm:t>
+        <a:bodyPr/>
+        <a:lstStyle/>
+        <a:p>
+          <a:endParaRPr lang="eu-ES"/>
+        </a:p>
+      </dgm:t>
+    </dgm:pt>
+    <dgm:pt modelId="{0005C68A-2DA2-424C-9A1F-6D6CD210E6B4}" type="pres">
+      <dgm:prSet presAssocID="{A6278C2B-C80C-4E18-A853-2F9986913ACD}" presName="rootConnector" presStyleLbl="node2" presStyleIdx="2" presStyleCnt="9"/>
+      <dgm:spPr/>
+      <dgm:t>
+        <a:bodyPr/>
+        <a:lstStyle/>
+        <a:p>
+          <a:endParaRPr lang="eu-ES"/>
+        </a:p>
+      </dgm:t>
+    </dgm:pt>
+    <dgm:pt modelId="{2B41AE95-0C35-4C03-9553-06D94F1E11FF}" type="pres">
+      <dgm:prSet presAssocID="{A6278C2B-C80C-4E18-A853-2F9986913ACD}" presName="hierChild4" presStyleCnt="0"/>
+      <dgm:spPr/>
+    </dgm:pt>
+    <dgm:pt modelId="{A256BDD4-A176-45AA-B435-A8A592E2FD08}" type="pres">
+      <dgm:prSet presAssocID="{97A24B52-EF60-49B8-84CB-20C8420320D5}" presName="Name37" presStyleLbl="parChTrans1D3" presStyleIdx="2" presStyleCnt="8"/>
+      <dgm:spPr/>
+    </dgm:pt>
+    <dgm:pt modelId="{700D6DAE-FE58-4F0B-91C7-92F9FF796E2B}" type="pres">
+      <dgm:prSet presAssocID="{659E17C6-3E91-409F-913F-51BB9541E5BF}" presName="hierRoot2" presStyleCnt="0">
+        <dgm:presLayoutVars>
+          <dgm:hierBranch val="init"/>
+        </dgm:presLayoutVars>
+      </dgm:prSet>
+      <dgm:spPr/>
+    </dgm:pt>
+    <dgm:pt modelId="{617AB6C0-7DE3-44EF-83E3-5CB085AA1445}" type="pres">
+      <dgm:prSet presAssocID="{659E17C6-3E91-409F-913F-51BB9541E5BF}" presName="rootComposite" presStyleCnt="0"/>
+      <dgm:spPr/>
+    </dgm:pt>
+    <dgm:pt modelId="{0B3CF8A6-399B-42F6-9CCD-4B879FD92D00}" type="pres">
+      <dgm:prSet presAssocID="{659E17C6-3E91-409F-913F-51BB9541E5BF}" presName="rootText" presStyleLbl="node3" presStyleIdx="2" presStyleCnt="8" custLinFactNeighborX="22361" custLinFactNeighborY="39752">
+        <dgm:presLayoutVars>
+          <dgm:chPref val="3"/>
+        </dgm:presLayoutVars>
+      </dgm:prSet>
+      <dgm:spPr/>
+    </dgm:pt>
+    <dgm:pt modelId="{3A73FF5D-FABE-4EBD-970E-145FF90ADF3E}" type="pres">
+      <dgm:prSet presAssocID="{659E17C6-3E91-409F-913F-51BB9541E5BF}" presName="rootConnector" presStyleLbl="node3" presStyleIdx="2" presStyleCnt="8"/>
+      <dgm:spPr/>
+    </dgm:pt>
+    <dgm:pt modelId="{283ACE89-5022-4C3F-8140-471E15270ED2}" type="pres">
+      <dgm:prSet presAssocID="{659E17C6-3E91-409F-913F-51BB9541E5BF}" presName="hierChild4" presStyleCnt="0"/>
+      <dgm:spPr/>
+    </dgm:pt>
+    <dgm:pt modelId="{A82120F0-BBEF-43E4-BBA1-81A499FE6804}" type="pres">
+      <dgm:prSet presAssocID="{659E17C6-3E91-409F-913F-51BB9541E5BF}" presName="hierChild5" presStyleCnt="0"/>
+      <dgm:spPr/>
+    </dgm:pt>
+    <dgm:pt modelId="{0C8E827B-0C09-4C70-8378-DD16DE23F05C}" type="pres">
+      <dgm:prSet presAssocID="{B413C82C-2ABF-47EE-BC01-A91E38ECAE35}" presName="Name37" presStyleLbl="parChTrans1D3" presStyleIdx="3" presStyleCnt="8"/>
+      <dgm:spPr/>
+    </dgm:pt>
+    <dgm:pt modelId="{9C05EB23-A0AC-4ED1-B75C-C9FA9BE95938}" type="pres">
+      <dgm:prSet presAssocID="{38AFCCE2-6C3C-4B6D-B1F4-BAA8F37C39B9}" presName="hierRoot2" presStyleCnt="0">
+        <dgm:presLayoutVars>
+          <dgm:hierBranch val="init"/>
+        </dgm:presLayoutVars>
+      </dgm:prSet>
+      <dgm:spPr/>
+    </dgm:pt>
+    <dgm:pt modelId="{F46EAD11-4219-456E-9DF9-C63954EDFBF6}" type="pres">
+      <dgm:prSet presAssocID="{38AFCCE2-6C3C-4B6D-B1F4-BAA8F37C39B9}" presName="rootComposite" presStyleCnt="0"/>
+      <dgm:spPr/>
+    </dgm:pt>
+    <dgm:pt modelId="{F4248901-FAF0-4D71-AA9F-F423C97734ED}" type="pres">
+      <dgm:prSet presAssocID="{38AFCCE2-6C3C-4B6D-B1F4-BAA8F37C39B9}" presName="rootText" presStyleLbl="node3" presStyleIdx="3" presStyleCnt="8" custLinFactNeighborX="24017" custLinFactNeighborY="36439">
+        <dgm:presLayoutVars>
+          <dgm:chPref val="3"/>
+        </dgm:presLayoutVars>
+      </dgm:prSet>
+      <dgm:spPr/>
+    </dgm:pt>
+    <dgm:pt modelId="{3FE76ED8-CB9F-450B-A35B-D2893D59F316}" type="pres">
+      <dgm:prSet presAssocID="{38AFCCE2-6C3C-4B6D-B1F4-BAA8F37C39B9}" presName="rootConnector" presStyleLbl="node3" presStyleIdx="3" presStyleCnt="8"/>
+      <dgm:spPr/>
+    </dgm:pt>
+    <dgm:pt modelId="{331D07C2-4A92-4F65-87A9-19FAF6499E10}" type="pres">
+      <dgm:prSet presAssocID="{38AFCCE2-6C3C-4B6D-B1F4-BAA8F37C39B9}" presName="hierChild4" presStyleCnt="0"/>
+      <dgm:spPr/>
+    </dgm:pt>
+    <dgm:pt modelId="{983683ED-D4E9-40CD-9EFC-1D8ACBE0DAFC}" type="pres">
+      <dgm:prSet presAssocID="{38AFCCE2-6C3C-4B6D-B1F4-BAA8F37C39B9}" presName="hierChild5" presStyleCnt="0"/>
+      <dgm:spPr/>
+    </dgm:pt>
+    <dgm:pt modelId="{9177B90D-F2BE-4D07-9978-69ADF1AF39C5}" type="pres">
+      <dgm:prSet presAssocID="{A6278C2B-C80C-4E18-A853-2F9986913ACD}" presName="hierChild5" presStyleCnt="0"/>
+      <dgm:spPr/>
+    </dgm:pt>
+    <dgm:pt modelId="{399684FA-2587-47D9-B213-EA5FEF3BCB96}" type="pres">
+      <dgm:prSet presAssocID="{75082636-B3A1-4202-B9DF-E96555E472EE}" presName="Name37" presStyleLbl="parChTrans1D2" presStyleIdx="3" presStyleCnt="9"/>
+      <dgm:spPr/>
+      <dgm:t>
+        <a:bodyPr/>
+        <a:lstStyle/>
+        <a:p>
+          <a:endParaRPr lang="eu-ES"/>
+        </a:p>
+      </dgm:t>
+    </dgm:pt>
+    <dgm:pt modelId="{2E90F708-BD86-4AC2-86EA-CA19A9624F4A}" type="pres">
+      <dgm:prSet presAssocID="{6D7BEE73-3BEA-4C64-8852-7F4FE4AD2BBD}" presName="hierRoot2" presStyleCnt="0">
+        <dgm:presLayoutVars>
+          <dgm:hierBranch val="init"/>
+        </dgm:presLayoutVars>
+      </dgm:prSet>
+      <dgm:spPr/>
+    </dgm:pt>
+    <dgm:pt modelId="{B6461CE9-009D-422A-9D63-79DCFA46A83B}" type="pres">
+      <dgm:prSet presAssocID="{6D7BEE73-3BEA-4C64-8852-7F4FE4AD2BBD}" presName="rootComposite" presStyleCnt="0"/>
+      <dgm:spPr/>
+    </dgm:pt>
+    <dgm:pt modelId="{5BF67A96-F5A3-458B-BEC8-DB29910DEDA8}" type="pres">
+      <dgm:prSet presAssocID="{6D7BEE73-3BEA-4C64-8852-7F4FE4AD2BBD}" presName="rootText" presStyleLbl="node2" presStyleIdx="3" presStyleCnt="9" custScaleY="132003" custLinFactNeighborX="4413" custLinFactNeighborY="3313">
+        <dgm:presLayoutVars>
+          <dgm:chPref val="3"/>
+        </dgm:presLayoutVars>
+      </dgm:prSet>
+      <dgm:spPr/>
+      <dgm:t>
+        <a:bodyPr/>
+        <a:lstStyle/>
+        <a:p>
+          <a:endParaRPr lang="eu-ES"/>
+        </a:p>
+      </dgm:t>
+    </dgm:pt>
+    <dgm:pt modelId="{65D9656D-34C9-44A1-B05A-522D063FF00E}" type="pres">
+      <dgm:prSet presAssocID="{6D7BEE73-3BEA-4C64-8852-7F4FE4AD2BBD}" presName="rootConnector" presStyleLbl="node2" presStyleIdx="3" presStyleCnt="9"/>
+      <dgm:spPr/>
+      <dgm:t>
+        <a:bodyPr/>
+        <a:lstStyle/>
+        <a:p>
+          <a:endParaRPr lang="eu-ES"/>
+        </a:p>
+      </dgm:t>
+    </dgm:pt>
+    <dgm:pt modelId="{42AA9018-E040-40D7-B5C4-5ACB15B04F40}" type="pres">
+      <dgm:prSet presAssocID="{6D7BEE73-3BEA-4C64-8852-7F4FE4AD2BBD}" presName="hierChild4" presStyleCnt="0"/>
+      <dgm:spPr/>
+    </dgm:pt>
+    <dgm:pt modelId="{EC11453E-5F4B-4D0E-A9BE-6DBF1FB89917}" type="pres">
+      <dgm:prSet presAssocID="{6D7BEE73-3BEA-4C64-8852-7F4FE4AD2BBD}" presName="hierChild5" presStyleCnt="0"/>
+      <dgm:spPr/>
+    </dgm:pt>
+    <dgm:pt modelId="{22C70BE5-32DC-4144-A9E3-3FD75AE836EF}" type="pres">
+      <dgm:prSet presAssocID="{EF5CD29B-D2EF-41E7-B35A-8CD4833C55E4}" presName="Name37" presStyleLbl="parChTrans1D2" presStyleIdx="4" presStyleCnt="9"/>
+      <dgm:spPr/>
+      <dgm:t>
+        <a:bodyPr/>
+        <a:lstStyle/>
+        <a:p>
+          <a:endParaRPr lang="eu-ES"/>
+        </a:p>
+      </dgm:t>
+    </dgm:pt>
+    <dgm:pt modelId="{F4A96369-AE3C-4CAA-A89F-3C544AF9F950}" type="pres">
+      <dgm:prSet presAssocID="{DB22BFCB-6F0E-4321-BB49-92A818CFF935}" presName="hierRoot2" presStyleCnt="0">
+        <dgm:presLayoutVars>
+          <dgm:hierBranch val="init"/>
+        </dgm:presLayoutVars>
+      </dgm:prSet>
+      <dgm:spPr/>
+    </dgm:pt>
+    <dgm:pt modelId="{CBD5541B-1567-4BE5-B596-49A057A4CFC5}" type="pres">
+      <dgm:prSet presAssocID="{DB22BFCB-6F0E-4321-BB49-92A818CFF935}" presName="rootComposite" presStyleCnt="0"/>
+      <dgm:spPr/>
+    </dgm:pt>
+    <dgm:pt modelId="{0738AED2-0B37-4B7E-9E8C-0E4CD21444D7}" type="pres">
+      <dgm:prSet presAssocID="{DB22BFCB-6F0E-4321-BB49-92A818CFF935}" presName="rootText" presStyleLbl="node2" presStyleIdx="4" presStyleCnt="9" custScaleY="140817">
+        <dgm:presLayoutVars>
+          <dgm:chPref val="3"/>
+        </dgm:presLayoutVars>
+      </dgm:prSet>
+      <dgm:spPr/>
+      <dgm:t>
+        <a:bodyPr/>
+        <a:lstStyle/>
+        <a:p>
+          <a:endParaRPr lang="eu-ES"/>
+        </a:p>
+      </dgm:t>
+    </dgm:pt>
+    <dgm:pt modelId="{AC82D59B-554C-42DF-B77B-585A5D14F947}" type="pres">
+      <dgm:prSet presAssocID="{DB22BFCB-6F0E-4321-BB49-92A818CFF935}" presName="rootConnector" presStyleLbl="node2" presStyleIdx="4" presStyleCnt="9"/>
+      <dgm:spPr/>
+      <dgm:t>
+        <a:bodyPr/>
+        <a:lstStyle/>
+        <a:p>
+          <a:endParaRPr lang="eu-ES"/>
+        </a:p>
+      </dgm:t>
+    </dgm:pt>
+    <dgm:pt modelId="{D4DCC5D6-82AA-447E-BD0C-214F8AE5AC70}" type="pres">
+      <dgm:prSet presAssocID="{DB22BFCB-6F0E-4321-BB49-92A818CFF935}" presName="hierChild4" presStyleCnt="0"/>
+      <dgm:spPr/>
+    </dgm:pt>
+    <dgm:pt modelId="{F7E1F4F4-F222-4EF3-9462-C157A5E136CD}" type="pres">
+      <dgm:prSet presAssocID="{AADCEEAF-257C-420A-AB7F-03B16A63200B}" presName="Name37" presStyleLbl="parChTrans1D3" presStyleIdx="4" presStyleCnt="8"/>
+      <dgm:spPr/>
+    </dgm:pt>
+    <dgm:pt modelId="{9ECB7C85-1329-4E7E-B4C5-34A929150019}" type="pres">
+      <dgm:prSet presAssocID="{3E5C2520-9001-4F54-8C99-CC8C6C00F098}" presName="hierRoot2" presStyleCnt="0">
+        <dgm:presLayoutVars>
+          <dgm:hierBranch val="init"/>
+        </dgm:presLayoutVars>
+      </dgm:prSet>
+      <dgm:spPr/>
+    </dgm:pt>
+    <dgm:pt modelId="{28468FC7-4D80-4B28-ACF6-FD8611D3FD42}" type="pres">
+      <dgm:prSet presAssocID="{3E5C2520-9001-4F54-8C99-CC8C6C00F098}" presName="rootComposite" presStyleCnt="0"/>
+      <dgm:spPr/>
+    </dgm:pt>
+    <dgm:pt modelId="{B25C5274-6C5C-449B-ACB2-8A2C9B9EA5C3}" type="pres">
+      <dgm:prSet presAssocID="{3E5C2520-9001-4F54-8C99-CC8C6C00F098}" presName="rootText" presStyleLbl="node3" presStyleIdx="4" presStyleCnt="8">
+        <dgm:presLayoutVars>
+          <dgm:chPref val="3"/>
+        </dgm:presLayoutVars>
+      </dgm:prSet>
+      <dgm:spPr/>
+    </dgm:pt>
+    <dgm:pt modelId="{3610FCDC-D5EF-41E7-B5E0-7596E47478EB}" type="pres">
+      <dgm:prSet presAssocID="{3E5C2520-9001-4F54-8C99-CC8C6C00F098}" presName="rootConnector" presStyleLbl="node3" presStyleIdx="4" presStyleCnt="8"/>
+      <dgm:spPr/>
+    </dgm:pt>
+    <dgm:pt modelId="{17EA44FC-AECF-4890-A0B9-466B8E856F2B}" type="pres">
+      <dgm:prSet presAssocID="{3E5C2520-9001-4F54-8C99-CC8C6C00F098}" presName="hierChild4" presStyleCnt="0"/>
+      <dgm:spPr/>
+    </dgm:pt>
+    <dgm:pt modelId="{F0D7CE3A-5FF2-4932-83A2-7013A0168B04}" type="pres">
+      <dgm:prSet presAssocID="{3E5C2520-9001-4F54-8C99-CC8C6C00F098}" presName="hierChild5" presStyleCnt="0"/>
+      <dgm:spPr/>
+    </dgm:pt>
+    <dgm:pt modelId="{F76D52EC-EC64-43A7-80E1-6F0CBE7FEEE8}" type="pres">
+      <dgm:prSet presAssocID="{1C94AE55-55EB-4A97-8C6E-C095A18A321D}" presName="Name37" presStyleLbl="parChTrans1D3" presStyleIdx="5" presStyleCnt="8"/>
+      <dgm:spPr/>
+    </dgm:pt>
+    <dgm:pt modelId="{9E06C3D2-C80F-4029-A161-80189B886686}" type="pres">
+      <dgm:prSet presAssocID="{FC7AAAC6-E3A1-4EAC-9D10-443D66407293}" presName="hierRoot2" presStyleCnt="0">
+        <dgm:presLayoutVars>
+          <dgm:hierBranch val="init"/>
+        </dgm:presLayoutVars>
+      </dgm:prSet>
+      <dgm:spPr/>
+    </dgm:pt>
+    <dgm:pt modelId="{89E5BE7A-A4DC-4624-AC4D-51683DC072A2}" type="pres">
+      <dgm:prSet presAssocID="{FC7AAAC6-E3A1-4EAC-9D10-443D66407293}" presName="rootComposite" presStyleCnt="0"/>
+      <dgm:spPr/>
+    </dgm:pt>
+    <dgm:pt modelId="{FC2A6BB2-BA6B-4656-8DEE-BD7919D7090F}" type="pres">
+      <dgm:prSet presAssocID="{FC7AAAC6-E3A1-4EAC-9D10-443D66407293}" presName="rootText" presStyleLbl="node3" presStyleIdx="5" presStyleCnt="8">
+        <dgm:presLayoutVars>
+          <dgm:chPref val="3"/>
+        </dgm:presLayoutVars>
+      </dgm:prSet>
+      <dgm:spPr/>
+    </dgm:pt>
+    <dgm:pt modelId="{8170DA60-5B36-42EC-B7DA-C9A575732E2A}" type="pres">
+      <dgm:prSet presAssocID="{FC7AAAC6-E3A1-4EAC-9D10-443D66407293}" presName="rootConnector" presStyleLbl="node3" presStyleIdx="5" presStyleCnt="8"/>
+      <dgm:spPr/>
+    </dgm:pt>
+    <dgm:pt modelId="{1ABB794E-1312-4C2B-A4A1-3CF2C23C2C47}" type="pres">
+      <dgm:prSet presAssocID="{FC7AAAC6-E3A1-4EAC-9D10-443D66407293}" presName="hierChild4" presStyleCnt="0"/>
+      <dgm:spPr/>
+    </dgm:pt>
+    <dgm:pt modelId="{66D56660-7B35-4627-857F-55D3436BF1A5}" type="pres">
+      <dgm:prSet presAssocID="{FC7AAAC6-E3A1-4EAC-9D10-443D66407293}" presName="hierChild5" presStyleCnt="0"/>
+      <dgm:spPr/>
+    </dgm:pt>
+    <dgm:pt modelId="{005F743C-7A37-464D-BD9F-1FDA8FD61133}" type="pres">
+      <dgm:prSet presAssocID="{DB22BFCB-6F0E-4321-BB49-92A818CFF935}" presName="hierChild5" presStyleCnt="0"/>
+      <dgm:spPr/>
+    </dgm:pt>
+    <dgm:pt modelId="{B4975C0B-2DF0-40F3-B6D5-D7E202B1E359}" type="pres">
+      <dgm:prSet presAssocID="{C57B7874-715E-4F02-8425-0336FD6051B8}" presName="Name37" presStyleLbl="parChTrans1D2" presStyleIdx="5" presStyleCnt="9"/>
+      <dgm:spPr/>
+      <dgm:t>
+        <a:bodyPr/>
+        <a:lstStyle/>
+        <a:p>
+          <a:endParaRPr lang="eu-ES"/>
+        </a:p>
+      </dgm:t>
+    </dgm:pt>
+    <dgm:pt modelId="{700B7DE6-D9D1-45D5-8D40-3C2496221B38}" type="pres">
+      <dgm:prSet presAssocID="{25FC7480-DDC2-4890-8CA7-11912FFCB250}" presName="hierRoot2" presStyleCnt="0">
+        <dgm:presLayoutVars>
+          <dgm:hierBranch val="init"/>
+        </dgm:presLayoutVars>
+      </dgm:prSet>
+      <dgm:spPr/>
+    </dgm:pt>
+    <dgm:pt modelId="{CA975A5E-DAA6-42F2-A7DF-548868C53B61}" type="pres">
+      <dgm:prSet presAssocID="{25FC7480-DDC2-4890-8CA7-11912FFCB250}" presName="rootComposite" presStyleCnt="0"/>
+      <dgm:spPr/>
+    </dgm:pt>
+    <dgm:pt modelId="{84711DFB-4BD7-498B-AEBA-36B9681B9E72}" type="pres">
+      <dgm:prSet presAssocID="{25FC7480-DDC2-4890-8CA7-11912FFCB250}" presName="rootText" presStyleLbl="node2" presStyleIdx="5" presStyleCnt="9">
+        <dgm:presLayoutVars>
+          <dgm:chPref val="3"/>
+        </dgm:presLayoutVars>
+      </dgm:prSet>
+      <dgm:spPr/>
+      <dgm:t>
+        <a:bodyPr/>
+        <a:lstStyle/>
+        <a:p>
+          <a:endParaRPr lang="eu-ES"/>
+        </a:p>
+      </dgm:t>
+    </dgm:pt>
+    <dgm:pt modelId="{654B2B04-56DA-4DED-AB43-229A54F1BB34}" type="pres">
+      <dgm:prSet presAssocID="{25FC7480-DDC2-4890-8CA7-11912FFCB250}" presName="rootConnector" presStyleLbl="node2" presStyleIdx="5" presStyleCnt="9"/>
+      <dgm:spPr/>
+      <dgm:t>
+        <a:bodyPr/>
+        <a:lstStyle/>
+        <a:p>
+          <a:endParaRPr lang="eu-ES"/>
+        </a:p>
+      </dgm:t>
+    </dgm:pt>
+    <dgm:pt modelId="{1B169D2F-459E-498E-AD13-4A06FD05579F}" type="pres">
+      <dgm:prSet presAssocID="{25FC7480-DDC2-4890-8CA7-11912FFCB250}" presName="hierChild4" presStyleCnt="0"/>
+      <dgm:spPr/>
+    </dgm:pt>
+    <dgm:pt modelId="{FB1AD78B-0A20-495D-960C-E8727F4E2745}" type="pres">
+      <dgm:prSet presAssocID="{25FC7480-DDC2-4890-8CA7-11912FFCB250}" presName="hierChild5" presStyleCnt="0"/>
+      <dgm:spPr/>
+    </dgm:pt>
+    <dgm:pt modelId="{1BB09392-3392-44E0-9498-5BE58EE7DC4B}" type="pres">
+      <dgm:prSet presAssocID="{24A9296A-07BA-446C-977A-6CC4A60E276F}" presName="Name37" presStyleLbl="parChTrans1D2" presStyleIdx="6" presStyleCnt="9"/>
+      <dgm:spPr/>
+      <dgm:t>
+        <a:bodyPr/>
+        <a:lstStyle/>
+        <a:p>
+          <a:endParaRPr lang="eu-ES"/>
+        </a:p>
+      </dgm:t>
+    </dgm:pt>
+    <dgm:pt modelId="{746110D1-9F70-40A8-9B05-CC48F9E36F93}" type="pres">
+      <dgm:prSet presAssocID="{4D12F23A-90A7-405E-8577-4E63C8C8C20B}" presName="hierRoot2" presStyleCnt="0">
+        <dgm:presLayoutVars>
+          <dgm:hierBranch val="init"/>
+        </dgm:presLayoutVars>
+      </dgm:prSet>
+      <dgm:spPr/>
+    </dgm:pt>
+    <dgm:pt modelId="{C93766EC-791D-4187-A62C-5BB1EEE6EAFE}" type="pres">
+      <dgm:prSet presAssocID="{4D12F23A-90A7-405E-8577-4E63C8C8C20B}" presName="rootComposite" presStyleCnt="0"/>
+      <dgm:spPr/>
+    </dgm:pt>
+    <dgm:pt modelId="{61908D5C-8DA5-45B4-91FD-2666C6B02C3D}" type="pres">
+      <dgm:prSet presAssocID="{4D12F23A-90A7-405E-8577-4E63C8C8C20B}" presName="rootText" presStyleLbl="node2" presStyleIdx="6" presStyleCnt="9">
+        <dgm:presLayoutVars>
+          <dgm:chPref val="3"/>
+        </dgm:presLayoutVars>
+      </dgm:prSet>
+      <dgm:spPr/>
+      <dgm:t>
+        <a:bodyPr/>
+        <a:lstStyle/>
+        <a:p>
+          <a:endParaRPr lang="eu-ES"/>
+        </a:p>
+      </dgm:t>
+    </dgm:pt>
+    <dgm:pt modelId="{04C724F2-5921-4AB3-9B1B-EA591BDEF149}" type="pres">
+      <dgm:prSet presAssocID="{4D12F23A-90A7-405E-8577-4E63C8C8C20B}" presName="rootConnector" presStyleLbl="node2" presStyleIdx="6" presStyleCnt="9"/>
+      <dgm:spPr/>
+      <dgm:t>
+        <a:bodyPr/>
+        <a:lstStyle/>
+        <a:p>
+          <a:endParaRPr lang="eu-ES"/>
+        </a:p>
+      </dgm:t>
+    </dgm:pt>
+    <dgm:pt modelId="{52BA2FA3-DD55-4021-B661-8A8174CEFEEC}" type="pres">
+      <dgm:prSet presAssocID="{4D12F23A-90A7-405E-8577-4E63C8C8C20B}" presName="hierChild4" presStyleCnt="0"/>
+      <dgm:spPr/>
+    </dgm:pt>
+    <dgm:pt modelId="{49C2F59F-26D4-4730-A2C1-55E72508F55B}" type="pres">
+      <dgm:prSet presAssocID="{F4157674-BE17-422C-95B9-F926FE739A4E}" presName="Name37" presStyleLbl="parChTrans1D3" presStyleIdx="6" presStyleCnt="8"/>
+      <dgm:spPr/>
+    </dgm:pt>
+    <dgm:pt modelId="{48EEAAE8-CDB4-401F-81FB-7FB8504BE022}" type="pres">
+      <dgm:prSet presAssocID="{A6D3B915-4C51-4D80-BE0B-BEBE35FAE946}" presName="hierRoot2" presStyleCnt="0">
+        <dgm:presLayoutVars>
+          <dgm:hierBranch val="init"/>
+        </dgm:presLayoutVars>
+      </dgm:prSet>
+      <dgm:spPr/>
+    </dgm:pt>
+    <dgm:pt modelId="{7F81B968-56BC-4DAF-8035-30B4C977EBF6}" type="pres">
+      <dgm:prSet presAssocID="{A6D3B915-4C51-4D80-BE0B-BEBE35FAE946}" presName="rootComposite" presStyleCnt="0"/>
+      <dgm:spPr/>
+    </dgm:pt>
+    <dgm:pt modelId="{25F3E0A7-7211-4A3E-BC6F-CCD18848EA66}" type="pres">
+      <dgm:prSet presAssocID="{A6D3B915-4C51-4D80-BE0B-BEBE35FAE946}" presName="rootText" presStyleLbl="node3" presStyleIdx="6" presStyleCnt="8">
+        <dgm:presLayoutVars>
+          <dgm:chPref val="3"/>
+        </dgm:presLayoutVars>
+      </dgm:prSet>
+      <dgm:spPr/>
+    </dgm:pt>
+    <dgm:pt modelId="{DDFF2D12-F817-4600-B4D9-031E8FB433AD}" type="pres">
+      <dgm:prSet presAssocID="{A6D3B915-4C51-4D80-BE0B-BEBE35FAE946}" presName="rootConnector" presStyleLbl="node3" presStyleIdx="6" presStyleCnt="8"/>
+      <dgm:spPr/>
+    </dgm:pt>
+    <dgm:pt modelId="{883683D3-7992-4749-9BD9-A4C6B19372BB}" type="pres">
+      <dgm:prSet presAssocID="{A6D3B915-4C51-4D80-BE0B-BEBE35FAE946}" presName="hierChild4" presStyleCnt="0"/>
+      <dgm:spPr/>
+    </dgm:pt>
+    <dgm:pt modelId="{226F786E-48F6-4057-8FEC-17A801ED20DF}" type="pres">
+      <dgm:prSet presAssocID="{A6D3B915-4C51-4D80-BE0B-BEBE35FAE946}" presName="hierChild5" presStyleCnt="0"/>
+      <dgm:spPr/>
+    </dgm:pt>
+    <dgm:pt modelId="{DACA4829-19B1-4270-A7A2-F0AFD2C1E2D6}" type="pres">
+      <dgm:prSet presAssocID="{CE8E39EC-386C-4A17-814A-3AFD5C46C632}" presName="Name37" presStyleLbl="parChTrans1D3" presStyleIdx="7" presStyleCnt="8"/>
+      <dgm:spPr/>
+    </dgm:pt>
+    <dgm:pt modelId="{EEDD58E1-49ED-482D-B6C0-60D0FB1E10C9}" type="pres">
+      <dgm:prSet presAssocID="{F8354644-DB9D-402A-B406-F4317B7454DD}" presName="hierRoot2" presStyleCnt="0">
+        <dgm:presLayoutVars>
+          <dgm:hierBranch val="init"/>
+        </dgm:presLayoutVars>
+      </dgm:prSet>
+      <dgm:spPr/>
+    </dgm:pt>
+    <dgm:pt modelId="{162726B3-B785-40A9-AD0A-05A5E9CBFB1C}" type="pres">
+      <dgm:prSet presAssocID="{F8354644-DB9D-402A-B406-F4317B7454DD}" presName="rootComposite" presStyleCnt="0"/>
+      <dgm:spPr/>
+    </dgm:pt>
+    <dgm:pt modelId="{C92AE847-0B1E-4DB4-A7FC-F35474AE8193}" type="pres">
+      <dgm:prSet presAssocID="{F8354644-DB9D-402A-B406-F4317B7454DD}" presName="rootText" presStyleLbl="node3" presStyleIdx="7" presStyleCnt="8">
+        <dgm:presLayoutVars>
+          <dgm:chPref val="3"/>
+        </dgm:presLayoutVars>
+      </dgm:prSet>
+      <dgm:spPr/>
+    </dgm:pt>
+    <dgm:pt modelId="{4BD9009D-8700-49C7-AC3C-26C594631455}" type="pres">
+      <dgm:prSet presAssocID="{F8354644-DB9D-402A-B406-F4317B7454DD}" presName="rootConnector" presStyleLbl="node3" presStyleIdx="7" presStyleCnt="8"/>
+      <dgm:spPr/>
+    </dgm:pt>
+    <dgm:pt modelId="{E0B91AFF-E968-4B56-A33B-8270CC82CF3A}" type="pres">
+      <dgm:prSet presAssocID="{F8354644-DB9D-402A-B406-F4317B7454DD}" presName="hierChild4" presStyleCnt="0"/>
+      <dgm:spPr/>
+    </dgm:pt>
+    <dgm:pt modelId="{B31112EB-5F2D-4281-AB6D-D4B959BE6E7B}" type="pres">
+      <dgm:prSet presAssocID="{F8354644-DB9D-402A-B406-F4317B7454DD}" presName="hierChild5" presStyleCnt="0"/>
+      <dgm:spPr/>
+    </dgm:pt>
+    <dgm:pt modelId="{015202E4-E33F-4C24-8EF4-D5DBA22C6B87}" type="pres">
+      <dgm:prSet presAssocID="{4D12F23A-90A7-405E-8577-4E63C8C8C20B}" presName="hierChild5" presStyleCnt="0"/>
+      <dgm:spPr/>
+    </dgm:pt>
+    <dgm:pt modelId="{8222190E-0AC6-484F-B815-29DC796A4E5F}" type="pres">
+      <dgm:prSet presAssocID="{97A11BF0-B029-4B48-9A23-E0A091DB3E16}" presName="Name37" presStyleLbl="parChTrans1D2" presStyleIdx="7" presStyleCnt="9"/>
+      <dgm:spPr/>
+      <dgm:t>
+        <a:bodyPr/>
+        <a:lstStyle/>
+        <a:p>
+          <a:endParaRPr lang="eu-ES"/>
+        </a:p>
+      </dgm:t>
+    </dgm:pt>
+    <dgm:pt modelId="{479FB956-AEDE-44DC-AB0A-9B8AD2554D80}" type="pres">
+      <dgm:prSet presAssocID="{9B5C9D7F-BF27-469E-AC6F-72A69A0E46A3}" presName="hierRoot2" presStyleCnt="0">
+        <dgm:presLayoutVars>
+          <dgm:hierBranch val="init"/>
+        </dgm:presLayoutVars>
+      </dgm:prSet>
+      <dgm:spPr/>
+    </dgm:pt>
+    <dgm:pt modelId="{8ACC844B-95AD-4701-87FC-9F43723AAE68}" type="pres">
+      <dgm:prSet presAssocID="{9B5C9D7F-BF27-469E-AC6F-72A69A0E46A3}" presName="rootComposite" presStyleCnt="0"/>
+      <dgm:spPr/>
+    </dgm:pt>
+    <dgm:pt modelId="{035E4A0D-AE50-4674-910C-D7659401D8B3}" type="pres">
+      <dgm:prSet presAssocID="{9B5C9D7F-BF27-469E-AC6F-72A69A0E46A3}" presName="rootText" presStyleLbl="node2" presStyleIdx="7" presStyleCnt="9">
+        <dgm:presLayoutVars>
+          <dgm:chPref val="3"/>
+        </dgm:presLayoutVars>
+      </dgm:prSet>
+      <dgm:spPr/>
+      <dgm:t>
+        <a:bodyPr/>
+        <a:lstStyle/>
+        <a:p>
+          <a:endParaRPr lang="eu-ES"/>
+        </a:p>
+      </dgm:t>
+    </dgm:pt>
+    <dgm:pt modelId="{6B08ED42-0908-4DCB-89E7-A99D98D8F627}" type="pres">
+      <dgm:prSet presAssocID="{9B5C9D7F-BF27-469E-AC6F-72A69A0E46A3}" presName="rootConnector" presStyleLbl="node2" presStyleIdx="7" presStyleCnt="9"/>
+      <dgm:spPr/>
+      <dgm:t>
+        <a:bodyPr/>
+        <a:lstStyle/>
+        <a:p>
+          <a:endParaRPr lang="eu-ES"/>
+        </a:p>
+      </dgm:t>
+    </dgm:pt>
+    <dgm:pt modelId="{9F594148-9B9F-4195-88CE-B318860473C7}" type="pres">
+      <dgm:prSet presAssocID="{9B5C9D7F-BF27-469E-AC6F-72A69A0E46A3}" presName="hierChild4" presStyleCnt="0"/>
+      <dgm:spPr/>
+    </dgm:pt>
+    <dgm:pt modelId="{5CE9CA3C-474B-4C37-9BB0-890760A72488}" type="pres">
+      <dgm:prSet presAssocID="{9B5C9D7F-BF27-469E-AC6F-72A69A0E46A3}" presName="hierChild5" presStyleCnt="0"/>
+      <dgm:spPr/>
+    </dgm:pt>
+    <dgm:pt modelId="{4A0D6251-1291-4FD8-A1AB-9A7A81B43F2E}" type="pres">
+      <dgm:prSet presAssocID="{3FDF3FA2-B383-4280-9C7A-84EEF0F4446B}" presName="Name37" presStyleLbl="parChTrans1D2" presStyleIdx="8" presStyleCnt="9"/>
+      <dgm:spPr/>
+      <dgm:t>
+        <a:bodyPr/>
+        <a:lstStyle/>
+        <a:p>
+          <a:endParaRPr lang="eu-ES"/>
+        </a:p>
+      </dgm:t>
+    </dgm:pt>
+    <dgm:pt modelId="{E0F21975-4353-420F-95E4-445B6071BFAF}" type="pres">
+      <dgm:prSet presAssocID="{6D371C8B-A3CD-44F8-BBC3-018ADF716E58}" presName="hierRoot2" presStyleCnt="0">
+        <dgm:presLayoutVars>
+          <dgm:hierBranch val="init"/>
+        </dgm:presLayoutVars>
+      </dgm:prSet>
+      <dgm:spPr/>
+    </dgm:pt>
+    <dgm:pt modelId="{22276FDB-3E66-4307-A0B8-B317162B727C}" type="pres">
+      <dgm:prSet presAssocID="{6D371C8B-A3CD-44F8-BBC3-018ADF716E58}" presName="rootComposite" presStyleCnt="0"/>
+      <dgm:spPr/>
+    </dgm:pt>
+    <dgm:pt modelId="{8C253D10-FB3D-4BA4-B037-ED63B5337AEE}" type="pres">
+      <dgm:prSet presAssocID="{6D371C8B-A3CD-44F8-BBC3-018ADF716E58}" presName="rootText" presStyleLbl="node2" presStyleIdx="8" presStyleCnt="9">
+        <dgm:presLayoutVars>
+          <dgm:chPref val="3"/>
+        </dgm:presLayoutVars>
+      </dgm:prSet>
+      <dgm:spPr/>
+      <dgm:t>
+        <a:bodyPr/>
+        <a:lstStyle/>
+        <a:p>
+          <a:endParaRPr lang="eu-ES"/>
+        </a:p>
+      </dgm:t>
+    </dgm:pt>
     <dgm:pt modelId="{7869C527-7A12-4E73-A7DD-B0D582D2DF81}" type="pres">
       <dgm:prSet presAssocID="{6D371C8B-A3CD-44F8-BBC3-018ADF716E58}" presName="rootConnector" presStyleLbl="node2" presStyleIdx="8" presStyleCnt="9"/>
       <dgm:spPr/>
+      <dgm:t>
+        <a:bodyPr/>
+        <a:lstStyle/>
+        <a:p>
+          <a:endParaRPr lang="eu-ES"/>
+        </a:p>
+      </dgm:t>
     </dgm:pt>
     <dgm:pt modelId="{268EAC85-2DA6-469D-B116-F4949EE21012}" type="pres">
       <dgm:prSet presAssocID="{6D371C8B-A3CD-44F8-BBC3-018ADF716E58}" presName="hierChild4" presStyleCnt="0"/>
@@ -1695,46 +2468,78 @@
     </dgm:pt>
   </dgm:ptLst>
   <dgm:cxnLst>
+    <dgm:cxn modelId="{FA50FD4D-1CC4-4355-93FF-D83D4A94D500}" type="presOf" srcId="{FC7AAAC6-E3A1-4EAC-9D10-443D66407293}" destId="{FC2A6BB2-BA6B-4656-8DEE-BD7919D7090F}" srcOrd="0" destOrd="0" presId="urn:microsoft.com/office/officeart/2005/8/layout/orgChart1"/>
     <dgm:cxn modelId="{F55A240E-F62A-4252-AF7A-D118A5C55D5F}" type="presOf" srcId="{1E30A1B6-AC26-40B0-90B9-79323DE1AD60}" destId="{9BD2E211-6249-457F-8BB7-EF80F46ACE33}" srcOrd="0" destOrd="0" presId="urn:microsoft.com/office/officeart/2005/8/layout/orgChart1"/>
+    <dgm:cxn modelId="{859211B5-DD40-47EE-9852-D3F61C69F761}" type="presOf" srcId="{38AFCCE2-6C3C-4B6D-B1F4-BAA8F37C39B9}" destId="{F4248901-FAF0-4D71-AA9F-F423C97734ED}" srcOrd="0" destOrd="0" presId="urn:microsoft.com/office/officeart/2005/8/layout/orgChart1"/>
+    <dgm:cxn modelId="{82DBACB7-7B09-42B0-8082-1D4AFA7CA188}" type="presOf" srcId="{25FC7480-DDC2-4890-8CA7-11912FFCB250}" destId="{654B2B04-56DA-4DED-AB43-229A54F1BB34}" srcOrd="1" destOrd="0" presId="urn:microsoft.com/office/officeart/2005/8/layout/orgChart1"/>
+    <dgm:cxn modelId="{B4B89714-AA7F-4ED6-A829-4D21B686FB09}" type="presOf" srcId="{6D7BEE73-3BEA-4C64-8852-7F4FE4AD2BBD}" destId="{65D9656D-34C9-44A1-B05A-522D063FF00E}" srcOrd="1" destOrd="0" presId="urn:microsoft.com/office/officeart/2005/8/layout/orgChart1"/>
+    <dgm:cxn modelId="{69228301-5846-41EA-9EBC-F7C7DF29CE23}" type="presOf" srcId="{FC7AAAC6-E3A1-4EAC-9D10-443D66407293}" destId="{8170DA60-5B36-42EC-B7DA-C9A575732E2A}" srcOrd="1" destOrd="0" presId="urn:microsoft.com/office/officeart/2005/8/layout/orgChart1"/>
+    <dgm:cxn modelId="{32D2231D-5478-44F3-ABDE-2B3930FB2D09}" type="presOf" srcId="{B413C82C-2ABF-47EE-BC01-A91E38ECAE35}" destId="{0C8E827B-0C09-4C70-8378-DD16DE23F05C}" srcOrd="0" destOrd="0" presId="urn:microsoft.com/office/officeart/2005/8/layout/orgChart1"/>
+    <dgm:cxn modelId="{84DDC03D-FE86-4F8A-A238-BD68E57EE156}" type="presOf" srcId="{C3A8DEA5-A3AD-4212-A9A1-D46EDEC7C5EB}" destId="{119EA951-0E4C-49AC-9634-1D72F47B02B6}" srcOrd="0" destOrd="0" presId="urn:microsoft.com/office/officeart/2005/8/layout/orgChart1"/>
+    <dgm:cxn modelId="{7BF134DA-DDDC-4877-A99A-521FAE6535CC}" srcId="{8A9587ED-2A77-45CA-A6CF-147E1AB55171}" destId="{25FC7480-DDC2-4890-8CA7-11912FFCB250}" srcOrd="5" destOrd="0" parTransId="{C57B7874-715E-4F02-8425-0336FD6051B8}" sibTransId="{42AAFC79-CA71-43E8-941C-EC6295F6926C}"/>
+    <dgm:cxn modelId="{821BA408-BECA-42D9-B09E-5AABF24A092C}" type="presOf" srcId="{A6278C2B-C80C-4E18-A853-2F9986913ACD}" destId="{0005C68A-2DA2-424C-9A1F-6D6CD210E6B4}" srcOrd="1" destOrd="0" presId="urn:microsoft.com/office/officeart/2005/8/layout/orgChart1"/>
+    <dgm:cxn modelId="{A58B1458-30E6-4D60-9F8F-E480D8385EE5}" type="presOf" srcId="{B908E384-41BC-4C5F-AFF5-83C13323E24A}" destId="{B7D724A2-BAA3-47C8-AF63-7BFDFABD2D59}" srcOrd="0" destOrd="0" presId="urn:microsoft.com/office/officeart/2005/8/layout/orgChart1"/>
+    <dgm:cxn modelId="{B3274149-9569-47D1-9219-F105A9A17330}" srcId="{8A9587ED-2A77-45CA-A6CF-147E1AB55171}" destId="{866340F8-339A-4844-9A73-1782F1FFB80F}" srcOrd="1" destOrd="0" parTransId="{1E30A1B6-AC26-40B0-90B9-79323DE1AD60}" sibTransId="{D7EF6A81-100D-4C46-BCB9-6B411926D38D}"/>
+    <dgm:cxn modelId="{91AE3468-CCB9-46A9-888A-05786CE1DB5A}" type="presOf" srcId="{6D371C8B-A3CD-44F8-BBC3-018ADF716E58}" destId="{8C253D10-FB3D-4BA4-B037-ED63B5337AEE}" srcOrd="0" destOrd="0" presId="urn:microsoft.com/office/officeart/2005/8/layout/orgChart1"/>
+    <dgm:cxn modelId="{F322B59E-E493-4DA2-B950-D13E5B771205}" type="presOf" srcId="{AADCEEAF-257C-420A-AB7F-03B16A63200B}" destId="{F7E1F4F4-F222-4EF3-9462-C157A5E136CD}" srcOrd="0" destOrd="0" presId="urn:microsoft.com/office/officeart/2005/8/layout/orgChart1"/>
+    <dgm:cxn modelId="{75A60C05-305C-4C32-82C8-8EE022D1FCA9}" type="presOf" srcId="{EF5CD29B-D2EF-41E7-B35A-8CD4833C55E4}" destId="{22C70BE5-32DC-4144-A9E3-3FD75AE836EF}" srcOrd="0" destOrd="0" presId="urn:microsoft.com/office/officeart/2005/8/layout/orgChart1"/>
+    <dgm:cxn modelId="{8A7F26B9-69D6-4359-A23F-E9EA780E6390}" srcId="{866340F8-339A-4844-9A73-1782F1FFB80F}" destId="{4E7DACE7-DA3B-4F09-92F2-501EB424E703}" srcOrd="1" destOrd="0" parTransId="{E35AA949-EDC7-4F3B-B06C-33552E220C60}" sibTransId="{27FE0D0B-0226-438A-A5D9-75492CF61E0F}"/>
+    <dgm:cxn modelId="{6595A512-67FE-4A9E-8EE3-057D97BB5933}" srcId="{8A9587ED-2A77-45CA-A6CF-147E1AB55171}" destId="{DB22BFCB-6F0E-4321-BB49-92A818CFF935}" srcOrd="4" destOrd="0" parTransId="{EF5CD29B-D2EF-41E7-B35A-8CD4833C55E4}" sibTransId="{FFD330A6-1042-4295-8C43-3CB45C3A6A8B}"/>
+    <dgm:cxn modelId="{81CF36D6-0970-4A84-BF2F-A6A328961E5A}" srcId="{8A9587ED-2A77-45CA-A6CF-147E1AB55171}" destId="{9B5C9D7F-BF27-469E-AC6F-72A69A0E46A3}" srcOrd="7" destOrd="0" parTransId="{97A11BF0-B029-4B48-9A23-E0A091DB3E16}" sibTransId="{4FD47720-AECF-497D-ABF5-0D28BB7A5E2A}"/>
+    <dgm:cxn modelId="{AD91AEF3-F0E9-438F-9660-5E75EAFA622C}" type="presOf" srcId="{8A9587ED-2A77-45CA-A6CF-147E1AB55171}" destId="{A38A51CB-F626-4D12-A964-C7975D354867}" srcOrd="0" destOrd="0" presId="urn:microsoft.com/office/officeart/2005/8/layout/orgChart1"/>
+    <dgm:cxn modelId="{3C37C8D8-FC44-4D19-8EBA-7A999D6A0186}" type="presOf" srcId="{97A24B52-EF60-49B8-84CB-20C8420320D5}" destId="{A256BDD4-A176-45AA-B435-A8A592E2FD08}" srcOrd="0" destOrd="0" presId="urn:microsoft.com/office/officeart/2005/8/layout/orgChart1"/>
+    <dgm:cxn modelId="{D95D8453-0F8F-4B1D-8FB5-9646BBAA6D64}" type="presOf" srcId="{A6D3B915-4C51-4D80-BE0B-BEBE35FAE946}" destId="{25F3E0A7-7211-4A3E-BC6F-CCD18848EA66}" srcOrd="0" destOrd="0" presId="urn:microsoft.com/office/officeart/2005/8/layout/orgChart1"/>
+    <dgm:cxn modelId="{9806A796-3FB5-4841-9C5C-51F00B3C69D2}" type="presOf" srcId="{4D12F23A-90A7-405E-8577-4E63C8C8C20B}" destId="{04C724F2-5921-4AB3-9B1B-EA591BDEF149}" srcOrd="1" destOrd="0" presId="urn:microsoft.com/office/officeart/2005/8/layout/orgChart1"/>
+    <dgm:cxn modelId="{A6FEF942-C670-4914-869C-ECE5EE694A58}" type="presOf" srcId="{75082636-B3A1-4202-B9DF-E96555E472EE}" destId="{399684FA-2587-47D9-B213-EA5FEF3BCB96}" srcOrd="0" destOrd="0" presId="urn:microsoft.com/office/officeart/2005/8/layout/orgChart1"/>
+    <dgm:cxn modelId="{1DAE1EB0-0B5C-45A3-BF3F-4F63FCBC69FD}" type="presOf" srcId="{659E17C6-3E91-409F-913F-51BB9541E5BF}" destId="{0B3CF8A6-399B-42F6-9CCD-4B879FD92D00}" srcOrd="0" destOrd="0" presId="urn:microsoft.com/office/officeart/2005/8/layout/orgChart1"/>
+    <dgm:cxn modelId="{1096B021-1C7C-452C-B0C1-F3A038CDF44D}" srcId="{A6278C2B-C80C-4E18-A853-2F9986913ACD}" destId="{38AFCCE2-6C3C-4B6D-B1F4-BAA8F37C39B9}" srcOrd="1" destOrd="0" parTransId="{B413C82C-2ABF-47EE-BC01-A91E38ECAE35}" sibTransId="{69C4AB88-AE06-4291-9314-D5AAB65EBF80}"/>
+    <dgm:cxn modelId="{C71D9FA4-7A2C-4CEA-896E-2BC6A4CD1753}" type="presOf" srcId="{2C4F5DD5-1F06-433E-9272-CB360A50D1EB}" destId="{F30075F2-A48C-4A42-A4BF-8782257A3C66}" srcOrd="0" destOrd="0" presId="urn:microsoft.com/office/officeart/2005/8/layout/orgChart1"/>
+    <dgm:cxn modelId="{E2A6ADA3-836A-4F11-A5B6-972E8B994E90}" type="presOf" srcId="{4797CAB8-9721-4BEC-8908-B7BCCF9F2951}" destId="{B3053FCD-323B-42DC-842D-04CD7CE694BB}" srcOrd="0" destOrd="0" presId="urn:microsoft.com/office/officeart/2005/8/layout/orgChart1"/>
+    <dgm:cxn modelId="{7C0B2403-959D-4CFF-A175-9AD14EF663BD}" type="presOf" srcId="{659E17C6-3E91-409F-913F-51BB9541E5BF}" destId="{3A73FF5D-FABE-4EBD-970E-145FF90ADF3E}" srcOrd="1" destOrd="0" presId="urn:microsoft.com/office/officeart/2005/8/layout/orgChart1"/>
+    <dgm:cxn modelId="{32ADACBA-00E5-4DB4-833B-195044A7AF4E}" type="presOf" srcId="{841B8B0E-BDC2-404A-B484-7D1C540BE202}" destId="{7928410B-5EF9-4BEB-A967-6BEA06810E33}" srcOrd="1" destOrd="0" presId="urn:microsoft.com/office/officeart/2005/8/layout/orgChart1"/>
+    <dgm:cxn modelId="{7DA218F9-DE40-4DFA-BA41-A382CF08EB39}" srcId="{8A9587ED-2A77-45CA-A6CF-147E1AB55171}" destId="{6D371C8B-A3CD-44F8-BBC3-018ADF716E58}" srcOrd="8" destOrd="0" parTransId="{3FDF3FA2-B383-4280-9C7A-84EEF0F4446B}" sibTransId="{D0F4C64C-7461-4342-A5BA-2ED2C1D29458}"/>
+    <dgm:cxn modelId="{45A247DD-3D90-4F6A-AD72-9783AA2A3EE4}" type="presOf" srcId="{4D12F23A-90A7-405E-8577-4E63C8C8C20B}" destId="{61908D5C-8DA5-45B4-91FD-2666C6B02C3D}" srcOrd="0" destOrd="0" presId="urn:microsoft.com/office/officeart/2005/8/layout/orgChart1"/>
+    <dgm:cxn modelId="{CEC7DAE3-37C3-47C0-9ED0-5DF0834A2049}" type="presOf" srcId="{38AFCCE2-6C3C-4B6D-B1F4-BAA8F37C39B9}" destId="{3FE76ED8-CB9F-450B-A35B-D2893D59F316}" srcOrd="1" destOrd="0" presId="urn:microsoft.com/office/officeart/2005/8/layout/orgChart1"/>
+    <dgm:cxn modelId="{F607E258-F2F6-4223-989C-3301D65E98E4}" type="presOf" srcId="{C57B7874-715E-4F02-8425-0336FD6051B8}" destId="{B4975C0B-2DF0-40F3-B6D5-D7E202B1E359}" srcOrd="0" destOrd="0" presId="urn:microsoft.com/office/officeart/2005/8/layout/orgChart1"/>
+    <dgm:cxn modelId="{B0A6AE7F-4381-4537-BDA1-9F17E9273338}" srcId="{4D12F23A-90A7-405E-8577-4E63C8C8C20B}" destId="{F8354644-DB9D-402A-B406-F4317B7454DD}" srcOrd="1" destOrd="0" parTransId="{CE8E39EC-386C-4A17-814A-3AFD5C46C632}" sibTransId="{B82CC699-BD3D-4821-94D7-D20D6FB9EB32}"/>
+    <dgm:cxn modelId="{EFF60521-4238-43B5-8E0A-8F9AC9F2C16D}" type="presOf" srcId="{9B5C9D7F-BF27-469E-AC6F-72A69A0E46A3}" destId="{035E4A0D-AE50-4674-910C-D7659401D8B3}" srcOrd="0" destOrd="0" presId="urn:microsoft.com/office/officeart/2005/8/layout/orgChart1"/>
+    <dgm:cxn modelId="{28034EA4-384C-42CF-9891-09BA9E8F988F}" type="presOf" srcId="{24A9296A-07BA-446C-977A-6CC4A60E276F}" destId="{1BB09392-3392-44E0-9498-5BE58EE7DC4B}" srcOrd="0" destOrd="0" presId="urn:microsoft.com/office/officeart/2005/8/layout/orgChart1"/>
+    <dgm:cxn modelId="{49F6F322-01B8-4DAE-97F9-08AAE4731379}" type="presOf" srcId="{CE8E39EC-386C-4A17-814A-3AFD5C46C632}" destId="{DACA4829-19B1-4270-A7A2-F0AFD2C1E2D6}" srcOrd="0" destOrd="0" presId="urn:microsoft.com/office/officeart/2005/8/layout/orgChart1"/>
+    <dgm:cxn modelId="{4B797314-B53D-44D7-B8CA-6A3A485D6D1E}" srcId="{8A9587ED-2A77-45CA-A6CF-147E1AB55171}" destId="{A6278C2B-C80C-4E18-A853-2F9986913ACD}" srcOrd="2" destOrd="0" parTransId="{C3A8DEA5-A3AD-4212-A9A1-D46EDEC7C5EB}" sibTransId="{5EB87036-39A4-4B36-BDE1-D07F2E436FFE}"/>
+    <dgm:cxn modelId="{A2105DCC-CE8B-403E-9F3D-318F10A0346F}" srcId="{78BD2E78-EB26-43C7-829A-01997D4814A7}" destId="{8A9587ED-2A77-45CA-A6CF-147E1AB55171}" srcOrd="0" destOrd="0" parTransId="{EE8460F0-08A2-484B-B68B-79038E1B2929}" sibTransId="{905C3818-D39C-4848-8FD0-97B81243DB65}"/>
+    <dgm:cxn modelId="{A7636415-0798-474B-9A8F-36995515FB2B}" type="presOf" srcId="{6D371C8B-A3CD-44F8-BBC3-018ADF716E58}" destId="{7869C527-7A12-4E73-A7DD-B0D582D2DF81}" srcOrd="1" destOrd="0" presId="urn:microsoft.com/office/officeart/2005/8/layout/orgChart1"/>
+    <dgm:cxn modelId="{0BDE7C4C-F907-44E4-81DB-1F71A6C73699}" srcId="{4D12F23A-90A7-405E-8577-4E63C8C8C20B}" destId="{A6D3B915-4C51-4D80-BE0B-BEBE35FAE946}" srcOrd="0" destOrd="0" parTransId="{F4157674-BE17-422C-95B9-F926FE739A4E}" sibTransId="{68D0A83F-F36C-4D4C-8059-2EF2B7336FED}"/>
+    <dgm:cxn modelId="{7B6C7AC0-4880-49FD-9E44-427138833447}" type="presOf" srcId="{F4157674-BE17-422C-95B9-F926FE739A4E}" destId="{49C2F59F-26D4-4730-A2C1-55E72508F55B}" srcOrd="0" destOrd="0" presId="urn:microsoft.com/office/officeart/2005/8/layout/orgChart1"/>
+    <dgm:cxn modelId="{A0D64FD4-5C3B-402A-8004-0764E439AA8C}" type="presOf" srcId="{4E7DACE7-DA3B-4F09-92F2-501EB424E703}" destId="{FBBB72E0-14BF-4437-AC35-27317643941A}" srcOrd="0" destOrd="0" presId="urn:microsoft.com/office/officeart/2005/8/layout/orgChart1"/>
+    <dgm:cxn modelId="{EBB5A402-7BEC-433B-88B7-A01028CE6EBE}" type="presOf" srcId="{1C94AE55-55EB-4A97-8C6E-C095A18A321D}" destId="{F76D52EC-EC64-43A7-80E1-6F0CBE7FEEE8}" srcOrd="0" destOrd="0" presId="urn:microsoft.com/office/officeart/2005/8/layout/orgChart1"/>
+    <dgm:cxn modelId="{C804A10A-7674-42F8-BF25-06DB1B23D129}" type="presOf" srcId="{3E5C2520-9001-4F54-8C99-CC8C6C00F098}" destId="{3610FCDC-D5EF-41E7-B5E0-7596E47478EB}" srcOrd="1" destOrd="0" presId="urn:microsoft.com/office/officeart/2005/8/layout/orgChart1"/>
+    <dgm:cxn modelId="{4B76E7FF-C80F-4217-BD22-320A2447B352}" type="presOf" srcId="{DB22BFCB-6F0E-4321-BB49-92A818CFF935}" destId="{0738AED2-0B37-4B7E-9E8C-0E4CD21444D7}" srcOrd="0" destOrd="0" presId="urn:microsoft.com/office/officeart/2005/8/layout/orgChart1"/>
+    <dgm:cxn modelId="{802AA31E-DDFF-45C1-AFB9-5C965C772F8A}" type="presOf" srcId="{866340F8-339A-4844-9A73-1782F1FFB80F}" destId="{5C8BCE0E-32F8-437A-81D5-9799A5AAE8AF}" srcOrd="1" destOrd="0" presId="urn:microsoft.com/office/officeart/2005/8/layout/orgChart1"/>
+    <dgm:cxn modelId="{F1954882-5B2B-4EC2-8C7D-B97A66EDD53C}" srcId="{A6278C2B-C80C-4E18-A853-2F9986913ACD}" destId="{659E17C6-3E91-409F-913F-51BB9541E5BF}" srcOrd="0" destOrd="0" parTransId="{97A24B52-EF60-49B8-84CB-20C8420320D5}" sibTransId="{96A7A1CD-16E4-4424-8CCE-B990AA746F5D}"/>
+    <dgm:cxn modelId="{7D1B203F-AD8A-46D6-B95D-8FE94B0A71F0}" type="presOf" srcId="{78BD2E78-EB26-43C7-829A-01997D4814A7}" destId="{8A63A738-C4A0-401A-ABA5-5E6EFE0FA4ED}" srcOrd="0" destOrd="0" presId="urn:microsoft.com/office/officeart/2005/8/layout/orgChart1"/>
+    <dgm:cxn modelId="{F23C224C-DCC8-48CB-8C7D-6F9FAE48B794}" type="presOf" srcId="{F8354644-DB9D-402A-B406-F4317B7454DD}" destId="{4BD9009D-8700-49C7-AC3C-26C594631455}" srcOrd="1" destOrd="0" presId="urn:microsoft.com/office/officeart/2005/8/layout/orgChart1"/>
+    <dgm:cxn modelId="{DD3FECAC-98B2-4D63-9F1D-A0F16E4CCA7B}" type="presOf" srcId="{6D7BEE73-3BEA-4C64-8852-7F4FE4AD2BBD}" destId="{5BF67A96-F5A3-458B-BEC8-DB29910DEDA8}" srcOrd="0" destOrd="0" presId="urn:microsoft.com/office/officeart/2005/8/layout/orgChart1"/>
+    <dgm:cxn modelId="{892FE6E1-A1EF-4019-BEC9-40DC28F44402}" type="presOf" srcId="{DB22BFCB-6F0E-4321-BB49-92A818CFF935}" destId="{AC82D59B-554C-42DF-B77B-585A5D14F947}" srcOrd="1" destOrd="0" presId="urn:microsoft.com/office/officeart/2005/8/layout/orgChart1"/>
+    <dgm:cxn modelId="{91EA1917-F538-4591-8AE5-09CD6837956C}" type="presOf" srcId="{3FDF3FA2-B383-4280-9C7A-84EEF0F4446B}" destId="{4A0D6251-1291-4FD8-A1AB-9A7A81B43F2E}" srcOrd="0" destOrd="0" presId="urn:microsoft.com/office/officeart/2005/8/layout/orgChart1"/>
+    <dgm:cxn modelId="{38030FD6-9288-4FDD-ACB4-586EBF483451}" srcId="{8A9587ED-2A77-45CA-A6CF-147E1AB55171}" destId="{6D7BEE73-3BEA-4C64-8852-7F4FE4AD2BBD}" srcOrd="3" destOrd="0" parTransId="{75082636-B3A1-4202-B9DF-E96555E472EE}" sibTransId="{17B8A31F-92AD-4AF0-A47A-CF792D0C8551}"/>
+    <dgm:cxn modelId="{7EFFECAB-6217-4622-BF10-711168BD9FE1}" srcId="{DB22BFCB-6F0E-4321-BB49-92A818CFF935}" destId="{FC7AAAC6-E3A1-4EAC-9D10-443D66407293}" srcOrd="1" destOrd="0" parTransId="{1C94AE55-55EB-4A97-8C6E-C095A18A321D}" sibTransId="{A152B7A9-E6D3-4323-9AD0-6081A428E867}"/>
+    <dgm:cxn modelId="{B485C6C9-5692-42B5-A218-0A6C8C289865}" type="presOf" srcId="{A6D3B915-4C51-4D80-BE0B-BEBE35FAE946}" destId="{DDFF2D12-F817-4600-B4D9-031E8FB433AD}" srcOrd="1" destOrd="0" presId="urn:microsoft.com/office/officeart/2005/8/layout/orgChart1"/>
+    <dgm:cxn modelId="{D97120FD-1388-445B-8C6A-9F938EE4D471}" type="presOf" srcId="{B908E384-41BC-4C5F-AFF5-83C13323E24A}" destId="{0A35E006-E70B-47B3-97A1-480393B43C9E}" srcOrd="1" destOrd="0" presId="urn:microsoft.com/office/officeart/2005/8/layout/orgChart1"/>
+    <dgm:cxn modelId="{E2107810-2CA2-487F-A99D-6AEEC2F2FFBD}" type="presOf" srcId="{F8354644-DB9D-402A-B406-F4317B7454DD}" destId="{C92AE847-0B1E-4DB4-A7FC-F35474AE8193}" srcOrd="0" destOrd="0" presId="urn:microsoft.com/office/officeart/2005/8/layout/orgChart1"/>
     <dgm:cxn modelId="{B27E9BD5-84FF-4E2E-A03A-386557DE89F0}" srcId="{8A9587ED-2A77-45CA-A6CF-147E1AB55171}" destId="{841B8B0E-BDC2-404A-B484-7D1C540BE202}" srcOrd="0" destOrd="0" parTransId="{2C4F5DD5-1F06-433E-9272-CB360A50D1EB}" sibTransId="{032F0444-1631-4264-A951-0389DF1E071B}"/>
-    <dgm:cxn modelId="{91EA1917-F538-4591-8AE5-09CD6837956C}" type="presOf" srcId="{3FDF3FA2-B383-4280-9C7A-84EEF0F4446B}" destId="{4A0D6251-1291-4FD8-A1AB-9A7A81B43F2E}" srcOrd="0" destOrd="0" presId="urn:microsoft.com/office/officeart/2005/8/layout/orgChart1"/>
-    <dgm:cxn modelId="{802AA31E-DDFF-45C1-AFB9-5C965C772F8A}" type="presOf" srcId="{866340F8-339A-4844-9A73-1782F1FFB80F}" destId="{5C8BCE0E-32F8-437A-81D5-9799A5AAE8AF}" srcOrd="1" destOrd="0" presId="urn:microsoft.com/office/officeart/2005/8/layout/orgChart1"/>
-    <dgm:cxn modelId="{4B797314-B53D-44D7-B8CA-6A3A485D6D1E}" srcId="{8A9587ED-2A77-45CA-A6CF-147E1AB55171}" destId="{A6278C2B-C80C-4E18-A853-2F9986913ACD}" srcOrd="2" destOrd="0" parTransId="{C3A8DEA5-A3AD-4212-A9A1-D46EDEC7C5EB}" sibTransId="{5EB87036-39A4-4B36-BDE1-D07F2E436FFE}"/>
-    <dgm:cxn modelId="{A7636415-0798-474B-9A8F-36995515FB2B}" type="presOf" srcId="{6D371C8B-A3CD-44F8-BBC3-018ADF716E58}" destId="{7869C527-7A12-4E73-A7DD-B0D582D2DF81}" srcOrd="1" destOrd="0" presId="urn:microsoft.com/office/officeart/2005/8/layout/orgChart1"/>
     <dgm:cxn modelId="{62AF933E-7B25-407B-85F6-9A4B9544E7F4}" type="presOf" srcId="{866340F8-339A-4844-9A73-1782F1FFB80F}" destId="{F672EC80-2E1E-44F5-A871-46B9F1AFA7B6}" srcOrd="0" destOrd="0" presId="urn:microsoft.com/office/officeart/2005/8/layout/orgChart1"/>
     <dgm:cxn modelId="{36B97826-832D-4C32-9426-AC289B5C9195}" type="presOf" srcId="{9B5C9D7F-BF27-469E-AC6F-72A69A0E46A3}" destId="{6B08ED42-0908-4DCB-89E7-A99D98D8F627}" srcOrd="1" destOrd="0" presId="urn:microsoft.com/office/officeart/2005/8/layout/orgChart1"/>
-    <dgm:cxn modelId="{892FE6E1-A1EF-4019-BEC9-40DC28F44402}" type="presOf" srcId="{DB22BFCB-6F0E-4321-BB49-92A818CFF935}" destId="{AC82D59B-554C-42DF-B77B-585A5D14F947}" srcOrd="1" destOrd="0" presId="urn:microsoft.com/office/officeart/2005/8/layout/orgChart1"/>
-    <dgm:cxn modelId="{32ADACBA-00E5-4DB4-833B-195044A7AF4E}" type="presOf" srcId="{841B8B0E-BDC2-404A-B484-7D1C540BE202}" destId="{7928410B-5EF9-4BEB-A967-6BEA06810E33}" srcOrd="1" destOrd="0" presId="urn:microsoft.com/office/officeart/2005/8/layout/orgChart1"/>
+    <dgm:cxn modelId="{DEBD1218-135D-488E-B637-4B08029DBCE4}" type="presOf" srcId="{97A11BF0-B029-4B48-9A23-E0A091DB3E16}" destId="{8222190E-0AC6-484F-B815-29DC796A4E5F}" srcOrd="0" destOrd="0" presId="urn:microsoft.com/office/officeart/2005/8/layout/orgChart1"/>
+    <dgm:cxn modelId="{91CC230F-7018-47CC-ACB5-2F3DD6BE261C}" type="presOf" srcId="{4E7DACE7-DA3B-4F09-92F2-501EB424E703}" destId="{B8F5A55A-6805-446C-83D5-34EE3C172216}" srcOrd="1" destOrd="0" presId="urn:microsoft.com/office/officeart/2005/8/layout/orgChart1"/>
+    <dgm:cxn modelId="{7F80283B-A2CF-42E9-890B-255FD159F60C}" type="presOf" srcId="{8A9587ED-2A77-45CA-A6CF-147E1AB55171}" destId="{779EEE6D-32AB-4DE9-866E-BD5487CAFCEE}" srcOrd="1" destOrd="0" presId="urn:microsoft.com/office/officeart/2005/8/layout/orgChart1"/>
+    <dgm:cxn modelId="{DF92F8DE-7F86-44EE-8C58-32F49F885F8F}" srcId="{866340F8-339A-4844-9A73-1782F1FFB80F}" destId="{B908E384-41BC-4C5F-AFF5-83C13323E24A}" srcOrd="0" destOrd="0" parTransId="{4797CAB8-9721-4BEC-8908-B7BCCF9F2951}" sibTransId="{C4EECF2D-7916-4635-8C7C-5F0AC272926A}"/>
+    <dgm:cxn modelId="{42E241E7-C3B6-4A25-95AB-014D87517090}" srcId="{DB22BFCB-6F0E-4321-BB49-92A818CFF935}" destId="{3E5C2520-9001-4F54-8C99-CC8C6C00F098}" srcOrd="0" destOrd="0" parTransId="{AADCEEAF-257C-420A-AB7F-03B16A63200B}" sibTransId="{EFE63C08-42D4-497E-950F-B28E71E5EAF9}"/>
+    <dgm:cxn modelId="{3964F575-61DD-4ECD-A669-FF4A00D6AD5C}" type="presOf" srcId="{841B8B0E-BDC2-404A-B484-7D1C540BE202}" destId="{E050DFD3-C747-4C21-820F-35420CA74C56}" srcOrd="0" destOrd="0" presId="urn:microsoft.com/office/officeart/2005/8/layout/orgChart1"/>
+    <dgm:cxn modelId="{C0909213-E6B3-44C2-9355-27AFBA5219FE}" type="presOf" srcId="{3E5C2520-9001-4F54-8C99-CC8C6C00F098}" destId="{B25C5274-6C5C-449B-ACB2-8A2C9B9EA5C3}" srcOrd="0" destOrd="0" presId="urn:microsoft.com/office/officeart/2005/8/layout/orgChart1"/>
     <dgm:cxn modelId="{84B6031A-BA11-47D3-AFB4-48359895F8D7}" type="presOf" srcId="{A6278C2B-C80C-4E18-A853-2F9986913ACD}" destId="{E61C93CD-FA69-48E1-BD9F-F251710C9C47}" srcOrd="0" destOrd="0" presId="urn:microsoft.com/office/officeart/2005/8/layout/orgChart1"/>
-    <dgm:cxn modelId="{A6FEF942-C670-4914-869C-ECE5EE694A58}" type="presOf" srcId="{75082636-B3A1-4202-B9DF-E96555E472EE}" destId="{399684FA-2587-47D9-B213-EA5FEF3BCB96}" srcOrd="0" destOrd="0" presId="urn:microsoft.com/office/officeart/2005/8/layout/orgChart1"/>
-    <dgm:cxn modelId="{B3274149-9569-47D1-9219-F105A9A17330}" srcId="{8A9587ED-2A77-45CA-A6CF-147E1AB55171}" destId="{866340F8-339A-4844-9A73-1782F1FFB80F}" srcOrd="1" destOrd="0" parTransId="{1E30A1B6-AC26-40B0-90B9-79323DE1AD60}" sibTransId="{D7EF6A81-100D-4C46-BCB9-6B411926D38D}"/>
-    <dgm:cxn modelId="{91AE3468-CCB9-46A9-888A-05786CE1DB5A}" type="presOf" srcId="{6D371C8B-A3CD-44F8-BBC3-018ADF716E58}" destId="{8C253D10-FB3D-4BA4-B037-ED63B5337AEE}" srcOrd="0" destOrd="0" presId="urn:microsoft.com/office/officeart/2005/8/layout/orgChart1"/>
     <dgm:cxn modelId="{2A7CB9F9-DAED-4687-938E-2052E7962D5B}" type="presOf" srcId="{25FC7480-DDC2-4890-8CA7-11912FFCB250}" destId="{84711DFB-4BD7-498B-AEBA-36B9681B9E72}" srcOrd="0" destOrd="0" presId="urn:microsoft.com/office/officeart/2005/8/layout/orgChart1"/>
-    <dgm:cxn modelId="{7DA218F9-DE40-4DFA-BA41-A382CF08EB39}" srcId="{8A9587ED-2A77-45CA-A6CF-147E1AB55171}" destId="{6D371C8B-A3CD-44F8-BBC3-018ADF716E58}" srcOrd="8" destOrd="0" parTransId="{3FDF3FA2-B383-4280-9C7A-84EEF0F4446B}" sibTransId="{D0F4C64C-7461-4342-A5BA-2ED2C1D29458}"/>
-    <dgm:cxn modelId="{82DBACB7-7B09-42B0-8082-1D4AFA7CA188}" type="presOf" srcId="{25FC7480-DDC2-4890-8CA7-11912FFCB250}" destId="{654B2B04-56DA-4DED-AB43-229A54F1BB34}" srcOrd="1" destOrd="0" presId="urn:microsoft.com/office/officeart/2005/8/layout/orgChart1"/>
-    <dgm:cxn modelId="{F607E258-F2F6-4223-989C-3301D65E98E4}" type="presOf" srcId="{C57B7874-715E-4F02-8425-0336FD6051B8}" destId="{B4975C0B-2DF0-40F3-B6D5-D7E202B1E359}" srcOrd="0" destOrd="0" presId="urn:microsoft.com/office/officeart/2005/8/layout/orgChart1"/>
-    <dgm:cxn modelId="{45A247DD-3D90-4F6A-AD72-9783AA2A3EE4}" type="presOf" srcId="{4D12F23A-90A7-405E-8577-4E63C8C8C20B}" destId="{61908D5C-8DA5-45B4-91FD-2666C6B02C3D}" srcOrd="0" destOrd="0" presId="urn:microsoft.com/office/officeart/2005/8/layout/orgChart1"/>
-    <dgm:cxn modelId="{DD3FECAC-98B2-4D63-9F1D-A0F16E4CCA7B}" type="presOf" srcId="{6D7BEE73-3BEA-4C64-8852-7F4FE4AD2BBD}" destId="{5BF67A96-F5A3-458B-BEC8-DB29910DEDA8}" srcOrd="0" destOrd="0" presId="urn:microsoft.com/office/officeart/2005/8/layout/orgChart1"/>
-    <dgm:cxn modelId="{7D1B203F-AD8A-46D6-B95D-8FE94B0A71F0}" type="presOf" srcId="{78BD2E78-EB26-43C7-829A-01997D4814A7}" destId="{8A63A738-C4A0-401A-ABA5-5E6EFE0FA4ED}" srcOrd="0" destOrd="0" presId="urn:microsoft.com/office/officeart/2005/8/layout/orgChart1"/>
-    <dgm:cxn modelId="{4B76E7FF-C80F-4217-BD22-320A2447B352}" type="presOf" srcId="{DB22BFCB-6F0E-4321-BB49-92A818CFF935}" destId="{0738AED2-0B37-4B7E-9E8C-0E4CD21444D7}" srcOrd="0" destOrd="0" presId="urn:microsoft.com/office/officeart/2005/8/layout/orgChart1"/>
-    <dgm:cxn modelId="{B4B89714-AA7F-4ED6-A829-4D21B686FB09}" type="presOf" srcId="{6D7BEE73-3BEA-4C64-8852-7F4FE4AD2BBD}" destId="{65D9656D-34C9-44A1-B05A-522D063FF00E}" srcOrd="1" destOrd="0" presId="urn:microsoft.com/office/officeart/2005/8/layout/orgChart1"/>
-    <dgm:cxn modelId="{38030FD6-9288-4FDD-ACB4-586EBF483451}" srcId="{8A9587ED-2A77-45CA-A6CF-147E1AB55171}" destId="{6D7BEE73-3BEA-4C64-8852-7F4FE4AD2BBD}" srcOrd="3" destOrd="0" parTransId="{75082636-B3A1-4202-B9DF-E96555E472EE}" sibTransId="{17B8A31F-92AD-4AF0-A47A-CF792D0C8551}"/>
-    <dgm:cxn modelId="{7BF134DA-DDDC-4877-A99A-521FAE6535CC}" srcId="{8A9587ED-2A77-45CA-A6CF-147E1AB55171}" destId="{25FC7480-DDC2-4890-8CA7-11912FFCB250}" srcOrd="5" destOrd="0" parTransId="{C57B7874-715E-4F02-8425-0336FD6051B8}" sibTransId="{42AAFC79-CA71-43E8-941C-EC6295F6926C}"/>
-    <dgm:cxn modelId="{A2105DCC-CE8B-403E-9F3D-318F10A0346F}" srcId="{78BD2E78-EB26-43C7-829A-01997D4814A7}" destId="{8A9587ED-2A77-45CA-A6CF-147E1AB55171}" srcOrd="0" destOrd="0" parTransId="{EE8460F0-08A2-484B-B68B-79038E1B2929}" sibTransId="{905C3818-D39C-4848-8FD0-97B81243DB65}"/>
-    <dgm:cxn modelId="{75A60C05-305C-4C32-82C8-8EE022D1FCA9}" type="presOf" srcId="{EF5CD29B-D2EF-41E7-B35A-8CD4833C55E4}" destId="{22C70BE5-32DC-4144-A9E3-3FD75AE836EF}" srcOrd="0" destOrd="0" presId="urn:microsoft.com/office/officeart/2005/8/layout/orgChart1"/>
-    <dgm:cxn modelId="{84DDC03D-FE86-4F8A-A238-BD68E57EE156}" type="presOf" srcId="{C3A8DEA5-A3AD-4212-A9A1-D46EDEC7C5EB}" destId="{119EA951-0E4C-49AC-9634-1D72F47B02B6}" srcOrd="0" destOrd="0" presId="urn:microsoft.com/office/officeart/2005/8/layout/orgChart1"/>
-    <dgm:cxn modelId="{7F80283B-A2CF-42E9-890B-255FD159F60C}" type="presOf" srcId="{8A9587ED-2A77-45CA-A6CF-147E1AB55171}" destId="{779EEE6D-32AB-4DE9-866E-BD5487CAFCEE}" srcOrd="1" destOrd="0" presId="urn:microsoft.com/office/officeart/2005/8/layout/orgChart1"/>
-    <dgm:cxn modelId="{DEBD1218-135D-488E-B637-4B08029DBCE4}" type="presOf" srcId="{97A11BF0-B029-4B48-9A23-E0A091DB3E16}" destId="{8222190E-0AC6-484F-B815-29DC796A4E5F}" srcOrd="0" destOrd="0" presId="urn:microsoft.com/office/officeart/2005/8/layout/orgChart1"/>
-    <dgm:cxn modelId="{6595A512-67FE-4A9E-8EE3-057D97BB5933}" srcId="{8A9587ED-2A77-45CA-A6CF-147E1AB55171}" destId="{DB22BFCB-6F0E-4321-BB49-92A818CFF935}" srcOrd="4" destOrd="0" parTransId="{EF5CD29B-D2EF-41E7-B35A-8CD4833C55E4}" sibTransId="{FFD330A6-1042-4295-8C43-3CB45C3A6A8B}"/>
-    <dgm:cxn modelId="{AD91AEF3-F0E9-438F-9660-5E75EAFA622C}" type="presOf" srcId="{8A9587ED-2A77-45CA-A6CF-147E1AB55171}" destId="{A38A51CB-F626-4D12-A964-C7975D354867}" srcOrd="0" destOrd="0" presId="urn:microsoft.com/office/officeart/2005/8/layout/orgChart1"/>
-    <dgm:cxn modelId="{EFF60521-4238-43B5-8E0A-8F9AC9F2C16D}" type="presOf" srcId="{9B5C9D7F-BF27-469E-AC6F-72A69A0E46A3}" destId="{035E4A0D-AE50-4674-910C-D7659401D8B3}" srcOrd="0" destOrd="0" presId="urn:microsoft.com/office/officeart/2005/8/layout/orgChart1"/>
-    <dgm:cxn modelId="{9806A796-3FB5-4841-9C5C-51F00B3C69D2}" type="presOf" srcId="{4D12F23A-90A7-405E-8577-4E63C8C8C20B}" destId="{04C724F2-5921-4AB3-9B1B-EA591BDEF149}" srcOrd="1" destOrd="0" presId="urn:microsoft.com/office/officeart/2005/8/layout/orgChart1"/>
-    <dgm:cxn modelId="{81CF36D6-0970-4A84-BF2F-A6A328961E5A}" srcId="{8A9587ED-2A77-45CA-A6CF-147E1AB55171}" destId="{9B5C9D7F-BF27-469E-AC6F-72A69A0E46A3}" srcOrd="7" destOrd="0" parTransId="{97A11BF0-B029-4B48-9A23-E0A091DB3E16}" sibTransId="{4FD47720-AECF-497D-ABF5-0D28BB7A5E2A}"/>
-    <dgm:cxn modelId="{3964F575-61DD-4ECD-A669-FF4A00D6AD5C}" type="presOf" srcId="{841B8B0E-BDC2-404A-B484-7D1C540BE202}" destId="{E050DFD3-C747-4C21-820F-35420CA74C56}" srcOrd="0" destOrd="0" presId="urn:microsoft.com/office/officeart/2005/8/layout/orgChart1"/>
-    <dgm:cxn modelId="{C71D9FA4-7A2C-4CEA-896E-2BC6A4CD1753}" type="presOf" srcId="{2C4F5DD5-1F06-433E-9272-CB360A50D1EB}" destId="{F30075F2-A48C-4A42-A4BF-8782257A3C66}" srcOrd="0" destOrd="0" presId="urn:microsoft.com/office/officeart/2005/8/layout/orgChart1"/>
     <dgm:cxn modelId="{9FFBF187-E678-42AC-BCB0-E5A037D8A57F}" srcId="{8A9587ED-2A77-45CA-A6CF-147E1AB55171}" destId="{4D12F23A-90A7-405E-8577-4E63C8C8C20B}" srcOrd="6" destOrd="0" parTransId="{24A9296A-07BA-446C-977A-6CC4A60E276F}" sibTransId="{3AC5CBA2-2764-49D9-854E-1A7F3BB2EF27}"/>
-    <dgm:cxn modelId="{28034EA4-384C-42CF-9891-09BA9E8F988F}" type="presOf" srcId="{24A9296A-07BA-446C-977A-6CC4A60E276F}" destId="{1BB09392-3392-44E0-9498-5BE58EE7DC4B}" srcOrd="0" destOrd="0" presId="urn:microsoft.com/office/officeart/2005/8/layout/orgChart1"/>
-    <dgm:cxn modelId="{821BA408-BECA-42D9-B09E-5AABF24A092C}" type="presOf" srcId="{A6278C2B-C80C-4E18-A853-2F9986913ACD}" destId="{0005C68A-2DA2-424C-9A1F-6D6CD210E6B4}" srcOrd="1" destOrd="0" presId="urn:microsoft.com/office/officeart/2005/8/layout/orgChart1"/>
+    <dgm:cxn modelId="{3923774B-1D9F-4991-AE65-125BB7EB2FEF}" type="presOf" srcId="{E35AA949-EDC7-4F3B-B06C-33552E220C60}" destId="{3190E1EF-E44B-4FC4-98B5-E2E2B248C343}" srcOrd="0" destOrd="0" presId="urn:microsoft.com/office/officeart/2005/8/layout/orgChart1"/>
     <dgm:cxn modelId="{67AC2C44-9D63-4991-87FD-E7D4BBF13DCC}" type="presParOf" srcId="{8A63A738-C4A0-401A-ABA5-5E6EFE0FA4ED}" destId="{CA9A23C6-0E4C-4578-9034-FF1991193EF6}" srcOrd="0" destOrd="0" presId="urn:microsoft.com/office/officeart/2005/8/layout/orgChart1"/>
     <dgm:cxn modelId="{28D52089-1486-4EC7-AF0B-F372171CFC4F}" type="presParOf" srcId="{CA9A23C6-0E4C-4578-9034-FF1991193EF6}" destId="{56C6DEB5-C887-4E02-AF61-6C6E55005D96}" srcOrd="0" destOrd="0" presId="urn:microsoft.com/office/officeart/2005/8/layout/orgChart1"/>
     <dgm:cxn modelId="{291043A4-5A20-4353-8277-BE7FD3271838}" type="presParOf" srcId="{56C6DEB5-C887-4E02-AF61-6C6E55005D96}" destId="{A38A51CB-F626-4D12-A964-C7975D354867}" srcOrd="0" destOrd="0" presId="urn:microsoft.com/office/officeart/2005/8/layout/orgChart1"/>
@@ -1753,6 +2558,20 @@
     <dgm:cxn modelId="{948BACBD-BE43-46DD-9A89-747F8229565F}" type="presParOf" srcId="{DD0FFCA2-9B5B-4C57-A873-3115AE3D5A1D}" destId="{F672EC80-2E1E-44F5-A871-46B9F1AFA7B6}" srcOrd="0" destOrd="0" presId="urn:microsoft.com/office/officeart/2005/8/layout/orgChart1"/>
     <dgm:cxn modelId="{60685C1C-31F5-44B5-86AB-FB0573522072}" type="presParOf" srcId="{DD0FFCA2-9B5B-4C57-A873-3115AE3D5A1D}" destId="{5C8BCE0E-32F8-437A-81D5-9799A5AAE8AF}" srcOrd="1" destOrd="0" presId="urn:microsoft.com/office/officeart/2005/8/layout/orgChart1"/>
     <dgm:cxn modelId="{DB512A54-ED33-4140-8B65-47E6F3051BFE}" type="presParOf" srcId="{2E661DC6-6658-4E26-8629-C1473A54BF8D}" destId="{4E42888A-683F-4F35-9C9E-61157B683C81}" srcOrd="1" destOrd="0" presId="urn:microsoft.com/office/officeart/2005/8/layout/orgChart1"/>
+    <dgm:cxn modelId="{B57E1A4B-EC77-49C4-B20D-2E7A518BAFA0}" type="presParOf" srcId="{4E42888A-683F-4F35-9C9E-61157B683C81}" destId="{B3053FCD-323B-42DC-842D-04CD7CE694BB}" srcOrd="0" destOrd="0" presId="urn:microsoft.com/office/officeart/2005/8/layout/orgChart1"/>
+    <dgm:cxn modelId="{ADB120FB-C9BF-41F1-9FC5-529FBA09FD76}" type="presParOf" srcId="{4E42888A-683F-4F35-9C9E-61157B683C81}" destId="{EBD7891B-5420-453B-A4BF-097A103BF196}" srcOrd="1" destOrd="0" presId="urn:microsoft.com/office/officeart/2005/8/layout/orgChart1"/>
+    <dgm:cxn modelId="{17C03F40-4AF4-48A3-A215-9B99C4F88503}" type="presParOf" srcId="{EBD7891B-5420-453B-A4BF-097A103BF196}" destId="{EF51EDA0-89C6-4993-BB0A-0EBBDA3FCA68}" srcOrd="0" destOrd="0" presId="urn:microsoft.com/office/officeart/2005/8/layout/orgChart1"/>
+    <dgm:cxn modelId="{8138E9DF-50D6-43B7-9E04-02316528A8C0}" type="presParOf" srcId="{EF51EDA0-89C6-4993-BB0A-0EBBDA3FCA68}" destId="{B7D724A2-BAA3-47C8-AF63-7BFDFABD2D59}" srcOrd="0" destOrd="0" presId="urn:microsoft.com/office/officeart/2005/8/layout/orgChart1"/>
+    <dgm:cxn modelId="{796159BF-74E9-41AB-90FB-FF34446AF927}" type="presParOf" srcId="{EF51EDA0-89C6-4993-BB0A-0EBBDA3FCA68}" destId="{0A35E006-E70B-47B3-97A1-480393B43C9E}" srcOrd="1" destOrd="0" presId="urn:microsoft.com/office/officeart/2005/8/layout/orgChart1"/>
+    <dgm:cxn modelId="{9B0AD5CA-087D-4001-B8D7-773005AC86B6}" type="presParOf" srcId="{EBD7891B-5420-453B-A4BF-097A103BF196}" destId="{D43924A2-0285-4006-98C5-276B2C671971}" srcOrd="1" destOrd="0" presId="urn:microsoft.com/office/officeart/2005/8/layout/orgChart1"/>
+    <dgm:cxn modelId="{40F051F2-4028-4699-AC66-1DA2CA72BB9D}" type="presParOf" srcId="{EBD7891B-5420-453B-A4BF-097A103BF196}" destId="{08055AE8-4088-4CF4-BD05-76E4AA2A5FCB}" srcOrd="2" destOrd="0" presId="urn:microsoft.com/office/officeart/2005/8/layout/orgChart1"/>
+    <dgm:cxn modelId="{3C05FF73-718E-4EF2-A555-BC4FE5A9AD4F}" type="presParOf" srcId="{4E42888A-683F-4F35-9C9E-61157B683C81}" destId="{3190E1EF-E44B-4FC4-98B5-E2E2B248C343}" srcOrd="2" destOrd="0" presId="urn:microsoft.com/office/officeart/2005/8/layout/orgChart1"/>
+    <dgm:cxn modelId="{FC3BE19E-0253-449C-8188-912BA6AB1A2B}" type="presParOf" srcId="{4E42888A-683F-4F35-9C9E-61157B683C81}" destId="{350DB060-F493-47A0-8610-F8526ADC45D7}" srcOrd="3" destOrd="0" presId="urn:microsoft.com/office/officeart/2005/8/layout/orgChart1"/>
+    <dgm:cxn modelId="{F03E61E1-E5FE-4CA9-8241-9F922CDA7B98}" type="presParOf" srcId="{350DB060-F493-47A0-8610-F8526ADC45D7}" destId="{CE6FEC06-A096-46E1-A825-29C1EE9567A0}" srcOrd="0" destOrd="0" presId="urn:microsoft.com/office/officeart/2005/8/layout/orgChart1"/>
+    <dgm:cxn modelId="{8FB06D51-7075-4D79-9397-577E660B84D1}" type="presParOf" srcId="{CE6FEC06-A096-46E1-A825-29C1EE9567A0}" destId="{FBBB72E0-14BF-4437-AC35-27317643941A}" srcOrd="0" destOrd="0" presId="urn:microsoft.com/office/officeart/2005/8/layout/orgChart1"/>
+    <dgm:cxn modelId="{892A89FA-2B04-4794-A1A8-6F51380395D8}" type="presParOf" srcId="{CE6FEC06-A096-46E1-A825-29C1EE9567A0}" destId="{B8F5A55A-6805-446C-83D5-34EE3C172216}" srcOrd="1" destOrd="0" presId="urn:microsoft.com/office/officeart/2005/8/layout/orgChart1"/>
+    <dgm:cxn modelId="{078171C4-E114-4B40-9B7F-22E91ED16F69}" type="presParOf" srcId="{350DB060-F493-47A0-8610-F8526ADC45D7}" destId="{4158D38F-9364-46A0-9EAB-8EBFBB1D6241}" srcOrd="1" destOrd="0" presId="urn:microsoft.com/office/officeart/2005/8/layout/orgChart1"/>
+    <dgm:cxn modelId="{CCA51C2D-93EB-4704-BE24-9F891CA0AF72}" type="presParOf" srcId="{350DB060-F493-47A0-8610-F8526ADC45D7}" destId="{2DC7CE9F-3EF3-450D-AF76-15088BE6A0CD}" srcOrd="2" destOrd="0" presId="urn:microsoft.com/office/officeart/2005/8/layout/orgChart1"/>
     <dgm:cxn modelId="{5FFFCB53-C1AD-4D1E-8FF2-5DFE0BE758F8}" type="presParOf" srcId="{2E661DC6-6658-4E26-8629-C1473A54BF8D}" destId="{9076B23B-B600-4F05-89F4-542197F71AFC}" srcOrd="2" destOrd="0" presId="urn:microsoft.com/office/officeart/2005/8/layout/orgChart1"/>
     <dgm:cxn modelId="{0BB5CC86-2140-43A9-9F17-D46E1C227C77}" type="presParOf" srcId="{0A0C80A2-D9F9-4E97-BE6B-704E9AB7B949}" destId="{119EA951-0E4C-49AC-9634-1D72F47B02B6}" srcOrd="4" destOrd="0" presId="urn:microsoft.com/office/officeart/2005/8/layout/orgChart1"/>
     <dgm:cxn modelId="{60BB728D-DE1F-4735-8C57-11504ED16808}" type="presParOf" srcId="{0A0C80A2-D9F9-4E97-BE6B-704E9AB7B949}" destId="{7D42F699-3650-438B-A2D0-4108B4170D85}" srcOrd="5" destOrd="0" presId="urn:microsoft.com/office/officeart/2005/8/layout/orgChart1"/>
@@ -1760,6 +2579,20 @@
     <dgm:cxn modelId="{33928403-1C69-482A-AE1D-315A6A8BD8DF}" type="presParOf" srcId="{BDE93810-725A-4023-B4AA-367EAFB6E0ED}" destId="{E61C93CD-FA69-48E1-BD9F-F251710C9C47}" srcOrd="0" destOrd="0" presId="urn:microsoft.com/office/officeart/2005/8/layout/orgChart1"/>
     <dgm:cxn modelId="{8D335CBA-8C97-43C7-9BB3-6CB0011BE7C4}" type="presParOf" srcId="{BDE93810-725A-4023-B4AA-367EAFB6E0ED}" destId="{0005C68A-2DA2-424C-9A1F-6D6CD210E6B4}" srcOrd="1" destOrd="0" presId="urn:microsoft.com/office/officeart/2005/8/layout/orgChart1"/>
     <dgm:cxn modelId="{11D5582E-9C64-42FF-9F4B-AB9BAC1155AB}" type="presParOf" srcId="{7D42F699-3650-438B-A2D0-4108B4170D85}" destId="{2B41AE95-0C35-4C03-9553-06D94F1E11FF}" srcOrd="1" destOrd="0" presId="urn:microsoft.com/office/officeart/2005/8/layout/orgChart1"/>
+    <dgm:cxn modelId="{A3264A2F-9042-43F4-8C1F-330BB356E773}" type="presParOf" srcId="{2B41AE95-0C35-4C03-9553-06D94F1E11FF}" destId="{A256BDD4-A176-45AA-B435-A8A592E2FD08}" srcOrd="0" destOrd="0" presId="urn:microsoft.com/office/officeart/2005/8/layout/orgChart1"/>
+    <dgm:cxn modelId="{E030641F-D462-4807-8910-21230C40DFD8}" type="presParOf" srcId="{2B41AE95-0C35-4C03-9553-06D94F1E11FF}" destId="{700D6DAE-FE58-4F0B-91C7-92F9FF796E2B}" srcOrd="1" destOrd="0" presId="urn:microsoft.com/office/officeart/2005/8/layout/orgChart1"/>
+    <dgm:cxn modelId="{B6E25FDD-D90C-4AD3-8193-065A2C6615E7}" type="presParOf" srcId="{700D6DAE-FE58-4F0B-91C7-92F9FF796E2B}" destId="{617AB6C0-7DE3-44EF-83E3-5CB085AA1445}" srcOrd="0" destOrd="0" presId="urn:microsoft.com/office/officeart/2005/8/layout/orgChart1"/>
+    <dgm:cxn modelId="{B4342BEF-2E95-4723-B396-F7392E29EB6D}" type="presParOf" srcId="{617AB6C0-7DE3-44EF-83E3-5CB085AA1445}" destId="{0B3CF8A6-399B-42F6-9CCD-4B879FD92D00}" srcOrd="0" destOrd="0" presId="urn:microsoft.com/office/officeart/2005/8/layout/orgChart1"/>
+    <dgm:cxn modelId="{D0546A74-66AF-4893-94D0-2F9CF4D91BDF}" type="presParOf" srcId="{617AB6C0-7DE3-44EF-83E3-5CB085AA1445}" destId="{3A73FF5D-FABE-4EBD-970E-145FF90ADF3E}" srcOrd="1" destOrd="0" presId="urn:microsoft.com/office/officeart/2005/8/layout/orgChart1"/>
+    <dgm:cxn modelId="{21DC930E-6D2B-45BA-A67F-C3A8B2CB37B2}" type="presParOf" srcId="{700D6DAE-FE58-4F0B-91C7-92F9FF796E2B}" destId="{283ACE89-5022-4C3F-8140-471E15270ED2}" srcOrd="1" destOrd="0" presId="urn:microsoft.com/office/officeart/2005/8/layout/orgChart1"/>
+    <dgm:cxn modelId="{8EA3C87C-56A0-44EA-9185-B20D6DC9FC2F}" type="presParOf" srcId="{700D6DAE-FE58-4F0B-91C7-92F9FF796E2B}" destId="{A82120F0-BBEF-43E4-BBA1-81A499FE6804}" srcOrd="2" destOrd="0" presId="urn:microsoft.com/office/officeart/2005/8/layout/orgChart1"/>
+    <dgm:cxn modelId="{2390B952-ECD6-4E95-A895-EA05E6B97CC5}" type="presParOf" srcId="{2B41AE95-0C35-4C03-9553-06D94F1E11FF}" destId="{0C8E827B-0C09-4C70-8378-DD16DE23F05C}" srcOrd="2" destOrd="0" presId="urn:microsoft.com/office/officeart/2005/8/layout/orgChart1"/>
+    <dgm:cxn modelId="{E090C9AA-ECFC-4D78-9413-D5EB2A133B90}" type="presParOf" srcId="{2B41AE95-0C35-4C03-9553-06D94F1E11FF}" destId="{9C05EB23-A0AC-4ED1-B75C-C9FA9BE95938}" srcOrd="3" destOrd="0" presId="urn:microsoft.com/office/officeart/2005/8/layout/orgChart1"/>
+    <dgm:cxn modelId="{ACC9FDCE-DCF9-44EA-B7B0-6ECCE3F68F95}" type="presParOf" srcId="{9C05EB23-A0AC-4ED1-B75C-C9FA9BE95938}" destId="{F46EAD11-4219-456E-9DF9-C63954EDFBF6}" srcOrd="0" destOrd="0" presId="urn:microsoft.com/office/officeart/2005/8/layout/orgChart1"/>
+    <dgm:cxn modelId="{FF6EFA07-9F14-4F24-BE7F-BB497D493C0C}" type="presParOf" srcId="{F46EAD11-4219-456E-9DF9-C63954EDFBF6}" destId="{F4248901-FAF0-4D71-AA9F-F423C97734ED}" srcOrd="0" destOrd="0" presId="urn:microsoft.com/office/officeart/2005/8/layout/orgChart1"/>
+    <dgm:cxn modelId="{71B6D40C-A270-4041-B564-D94368B10F24}" type="presParOf" srcId="{F46EAD11-4219-456E-9DF9-C63954EDFBF6}" destId="{3FE76ED8-CB9F-450B-A35B-D2893D59F316}" srcOrd="1" destOrd="0" presId="urn:microsoft.com/office/officeart/2005/8/layout/orgChart1"/>
+    <dgm:cxn modelId="{B8D99425-C427-48C2-ADF8-238C905E8C7A}" type="presParOf" srcId="{9C05EB23-A0AC-4ED1-B75C-C9FA9BE95938}" destId="{331D07C2-4A92-4F65-87A9-19FAF6499E10}" srcOrd="1" destOrd="0" presId="urn:microsoft.com/office/officeart/2005/8/layout/orgChart1"/>
+    <dgm:cxn modelId="{D2F5DE87-30A5-4C6F-A4AF-27D4CF378995}" type="presParOf" srcId="{9C05EB23-A0AC-4ED1-B75C-C9FA9BE95938}" destId="{983683ED-D4E9-40CD-9EFC-1D8ACBE0DAFC}" srcOrd="2" destOrd="0" presId="urn:microsoft.com/office/officeart/2005/8/layout/orgChart1"/>
     <dgm:cxn modelId="{9FFEAB9E-573B-4D94-AFCE-329308A49392}" type="presParOf" srcId="{7D42F699-3650-438B-A2D0-4108B4170D85}" destId="{9177B90D-F2BE-4D07-9978-69ADF1AF39C5}" srcOrd="2" destOrd="0" presId="urn:microsoft.com/office/officeart/2005/8/layout/orgChart1"/>
     <dgm:cxn modelId="{1B87E767-74AA-40BE-B906-1E646A7550C0}" type="presParOf" srcId="{0A0C80A2-D9F9-4E97-BE6B-704E9AB7B949}" destId="{399684FA-2587-47D9-B213-EA5FEF3BCB96}" srcOrd="6" destOrd="0" presId="urn:microsoft.com/office/officeart/2005/8/layout/orgChart1"/>
     <dgm:cxn modelId="{2B40AC2C-0D7F-49A4-ADED-B6F16F05906E}" type="presParOf" srcId="{0A0C80A2-D9F9-4E97-BE6B-704E9AB7B949}" destId="{2E90F708-BD86-4AC2-86EA-CA19A9624F4A}" srcOrd="7" destOrd="0" presId="urn:microsoft.com/office/officeart/2005/8/layout/orgChart1"/>
@@ -1774,6 +2607,20 @@
     <dgm:cxn modelId="{7D016EA7-1E0D-43E4-AA9E-253932DF43A2}" type="presParOf" srcId="{CBD5541B-1567-4BE5-B596-49A057A4CFC5}" destId="{0738AED2-0B37-4B7E-9E8C-0E4CD21444D7}" srcOrd="0" destOrd="0" presId="urn:microsoft.com/office/officeart/2005/8/layout/orgChart1"/>
     <dgm:cxn modelId="{2567110E-5916-416D-BF76-A8CB8BBA1128}" type="presParOf" srcId="{CBD5541B-1567-4BE5-B596-49A057A4CFC5}" destId="{AC82D59B-554C-42DF-B77B-585A5D14F947}" srcOrd="1" destOrd="0" presId="urn:microsoft.com/office/officeart/2005/8/layout/orgChart1"/>
     <dgm:cxn modelId="{19D61E1D-6686-4D07-BBEE-96FC78A74E90}" type="presParOf" srcId="{F4A96369-AE3C-4CAA-A89F-3C544AF9F950}" destId="{D4DCC5D6-82AA-447E-BD0C-214F8AE5AC70}" srcOrd="1" destOrd="0" presId="urn:microsoft.com/office/officeart/2005/8/layout/orgChart1"/>
+    <dgm:cxn modelId="{A9D90C73-56CA-4F97-AC93-6D179471AE11}" type="presParOf" srcId="{D4DCC5D6-82AA-447E-BD0C-214F8AE5AC70}" destId="{F7E1F4F4-F222-4EF3-9462-C157A5E136CD}" srcOrd="0" destOrd="0" presId="urn:microsoft.com/office/officeart/2005/8/layout/orgChart1"/>
+    <dgm:cxn modelId="{D16C4D46-1BE2-4CA5-9012-75F9C05CFD34}" type="presParOf" srcId="{D4DCC5D6-82AA-447E-BD0C-214F8AE5AC70}" destId="{9ECB7C85-1329-4E7E-B4C5-34A929150019}" srcOrd="1" destOrd="0" presId="urn:microsoft.com/office/officeart/2005/8/layout/orgChart1"/>
+    <dgm:cxn modelId="{F2A7F557-EFC7-485E-8606-D5277F8ED6EB}" type="presParOf" srcId="{9ECB7C85-1329-4E7E-B4C5-34A929150019}" destId="{28468FC7-4D80-4B28-ACF6-FD8611D3FD42}" srcOrd="0" destOrd="0" presId="urn:microsoft.com/office/officeart/2005/8/layout/orgChart1"/>
+    <dgm:cxn modelId="{DA028858-8622-464F-BF59-0DC209BC570D}" type="presParOf" srcId="{28468FC7-4D80-4B28-ACF6-FD8611D3FD42}" destId="{B25C5274-6C5C-449B-ACB2-8A2C9B9EA5C3}" srcOrd="0" destOrd="0" presId="urn:microsoft.com/office/officeart/2005/8/layout/orgChart1"/>
+    <dgm:cxn modelId="{B67A23B8-EA4A-4307-8D0F-64E895944B7E}" type="presParOf" srcId="{28468FC7-4D80-4B28-ACF6-FD8611D3FD42}" destId="{3610FCDC-D5EF-41E7-B5E0-7596E47478EB}" srcOrd="1" destOrd="0" presId="urn:microsoft.com/office/officeart/2005/8/layout/orgChart1"/>
+    <dgm:cxn modelId="{1392BBC1-60EF-4A25-B779-FE38DFE748F4}" type="presParOf" srcId="{9ECB7C85-1329-4E7E-B4C5-34A929150019}" destId="{17EA44FC-AECF-4890-A0B9-466B8E856F2B}" srcOrd="1" destOrd="0" presId="urn:microsoft.com/office/officeart/2005/8/layout/orgChart1"/>
+    <dgm:cxn modelId="{C78DBB27-52D7-439F-BAD4-B3AF0F8667BD}" type="presParOf" srcId="{9ECB7C85-1329-4E7E-B4C5-34A929150019}" destId="{F0D7CE3A-5FF2-4932-83A2-7013A0168B04}" srcOrd="2" destOrd="0" presId="urn:microsoft.com/office/officeart/2005/8/layout/orgChart1"/>
+    <dgm:cxn modelId="{3FA9E752-2BF2-48A7-91CF-38D7CF2FF456}" type="presParOf" srcId="{D4DCC5D6-82AA-447E-BD0C-214F8AE5AC70}" destId="{F76D52EC-EC64-43A7-80E1-6F0CBE7FEEE8}" srcOrd="2" destOrd="0" presId="urn:microsoft.com/office/officeart/2005/8/layout/orgChart1"/>
+    <dgm:cxn modelId="{32F3034E-12B4-42E4-A658-8CAF9494AA12}" type="presParOf" srcId="{D4DCC5D6-82AA-447E-BD0C-214F8AE5AC70}" destId="{9E06C3D2-C80F-4029-A161-80189B886686}" srcOrd="3" destOrd="0" presId="urn:microsoft.com/office/officeart/2005/8/layout/orgChart1"/>
+    <dgm:cxn modelId="{074487FA-5ED4-4925-B7E7-042D571443E4}" type="presParOf" srcId="{9E06C3D2-C80F-4029-A161-80189B886686}" destId="{89E5BE7A-A4DC-4624-AC4D-51683DC072A2}" srcOrd="0" destOrd="0" presId="urn:microsoft.com/office/officeart/2005/8/layout/orgChart1"/>
+    <dgm:cxn modelId="{E60DF223-641C-4A5D-8931-31D87AE005C0}" type="presParOf" srcId="{89E5BE7A-A4DC-4624-AC4D-51683DC072A2}" destId="{FC2A6BB2-BA6B-4656-8DEE-BD7919D7090F}" srcOrd="0" destOrd="0" presId="urn:microsoft.com/office/officeart/2005/8/layout/orgChart1"/>
+    <dgm:cxn modelId="{F9B86164-6003-4504-AF13-ED90C4B26FD2}" type="presParOf" srcId="{89E5BE7A-A4DC-4624-AC4D-51683DC072A2}" destId="{8170DA60-5B36-42EC-B7DA-C9A575732E2A}" srcOrd="1" destOrd="0" presId="urn:microsoft.com/office/officeart/2005/8/layout/orgChart1"/>
+    <dgm:cxn modelId="{EC90F7CF-E4BE-43E8-B9F2-786DE939DCEA}" type="presParOf" srcId="{9E06C3D2-C80F-4029-A161-80189B886686}" destId="{1ABB794E-1312-4C2B-A4A1-3CF2C23C2C47}" srcOrd="1" destOrd="0" presId="urn:microsoft.com/office/officeart/2005/8/layout/orgChart1"/>
+    <dgm:cxn modelId="{D66DEA9B-2A31-42A9-A9BE-4C162299EE11}" type="presParOf" srcId="{9E06C3D2-C80F-4029-A161-80189B886686}" destId="{66D56660-7B35-4627-857F-55D3436BF1A5}" srcOrd="2" destOrd="0" presId="urn:microsoft.com/office/officeart/2005/8/layout/orgChart1"/>
     <dgm:cxn modelId="{9FEF9D41-68A6-41AB-9241-5188691717D7}" type="presParOf" srcId="{F4A96369-AE3C-4CAA-A89F-3C544AF9F950}" destId="{005F743C-7A37-464D-BD9F-1FDA8FD61133}" srcOrd="2" destOrd="0" presId="urn:microsoft.com/office/officeart/2005/8/layout/orgChart1"/>
     <dgm:cxn modelId="{FA39FDA3-EFDC-4E0B-A5F4-2E2300453218}" type="presParOf" srcId="{0A0C80A2-D9F9-4E97-BE6B-704E9AB7B949}" destId="{B4975C0B-2DF0-40F3-B6D5-D7E202B1E359}" srcOrd="10" destOrd="0" presId="urn:microsoft.com/office/officeart/2005/8/layout/orgChart1"/>
     <dgm:cxn modelId="{89D0272F-F2FE-4982-9737-D6881CF3DE17}" type="presParOf" srcId="{0A0C80A2-D9F9-4E97-BE6B-704E9AB7B949}" destId="{700B7DE6-D9D1-45D5-8D40-3C2496221B38}" srcOrd="11" destOrd="0" presId="urn:microsoft.com/office/officeart/2005/8/layout/orgChart1"/>
@@ -1788,6 +2635,20 @@
     <dgm:cxn modelId="{A0B85ACC-C72D-49DD-A741-6A4A4FA59E93}" type="presParOf" srcId="{C93766EC-791D-4187-A62C-5BB1EEE6EAFE}" destId="{61908D5C-8DA5-45B4-91FD-2666C6B02C3D}" srcOrd="0" destOrd="0" presId="urn:microsoft.com/office/officeart/2005/8/layout/orgChart1"/>
     <dgm:cxn modelId="{B11E7A9A-CF03-4BF9-965B-2A351F43FE5F}" type="presParOf" srcId="{C93766EC-791D-4187-A62C-5BB1EEE6EAFE}" destId="{04C724F2-5921-4AB3-9B1B-EA591BDEF149}" srcOrd="1" destOrd="0" presId="urn:microsoft.com/office/officeart/2005/8/layout/orgChart1"/>
     <dgm:cxn modelId="{331194E5-A9EE-4B4B-AF06-A97B0AD5AF38}" type="presParOf" srcId="{746110D1-9F70-40A8-9B05-CC48F9E36F93}" destId="{52BA2FA3-DD55-4021-B661-8A8174CEFEEC}" srcOrd="1" destOrd="0" presId="urn:microsoft.com/office/officeart/2005/8/layout/orgChart1"/>
+    <dgm:cxn modelId="{227118A8-E283-4C2E-88F1-ED05BF989FC4}" type="presParOf" srcId="{52BA2FA3-DD55-4021-B661-8A8174CEFEEC}" destId="{49C2F59F-26D4-4730-A2C1-55E72508F55B}" srcOrd="0" destOrd="0" presId="urn:microsoft.com/office/officeart/2005/8/layout/orgChart1"/>
+    <dgm:cxn modelId="{43FDF140-38D3-42DC-A736-5160D1D7B9C1}" type="presParOf" srcId="{52BA2FA3-DD55-4021-B661-8A8174CEFEEC}" destId="{48EEAAE8-CDB4-401F-81FB-7FB8504BE022}" srcOrd="1" destOrd="0" presId="urn:microsoft.com/office/officeart/2005/8/layout/orgChart1"/>
+    <dgm:cxn modelId="{6B4DC93A-D0CF-4AF2-AC43-CD8BDD95637F}" type="presParOf" srcId="{48EEAAE8-CDB4-401F-81FB-7FB8504BE022}" destId="{7F81B968-56BC-4DAF-8035-30B4C977EBF6}" srcOrd="0" destOrd="0" presId="urn:microsoft.com/office/officeart/2005/8/layout/orgChart1"/>
+    <dgm:cxn modelId="{2EF837D6-CB81-4D0A-8278-AEDF0A8EAC97}" type="presParOf" srcId="{7F81B968-56BC-4DAF-8035-30B4C977EBF6}" destId="{25F3E0A7-7211-4A3E-BC6F-CCD18848EA66}" srcOrd="0" destOrd="0" presId="urn:microsoft.com/office/officeart/2005/8/layout/orgChart1"/>
+    <dgm:cxn modelId="{B17551FF-0797-46D8-B94E-6B8036A39466}" type="presParOf" srcId="{7F81B968-56BC-4DAF-8035-30B4C977EBF6}" destId="{DDFF2D12-F817-4600-B4D9-031E8FB433AD}" srcOrd="1" destOrd="0" presId="urn:microsoft.com/office/officeart/2005/8/layout/orgChart1"/>
+    <dgm:cxn modelId="{24723066-FD4B-4DCA-877D-78749CCECDC1}" type="presParOf" srcId="{48EEAAE8-CDB4-401F-81FB-7FB8504BE022}" destId="{883683D3-7992-4749-9BD9-A4C6B19372BB}" srcOrd="1" destOrd="0" presId="urn:microsoft.com/office/officeart/2005/8/layout/orgChart1"/>
+    <dgm:cxn modelId="{D61EF106-DF12-47E2-AC6B-CE94BFD56D63}" type="presParOf" srcId="{48EEAAE8-CDB4-401F-81FB-7FB8504BE022}" destId="{226F786E-48F6-4057-8FEC-17A801ED20DF}" srcOrd="2" destOrd="0" presId="urn:microsoft.com/office/officeart/2005/8/layout/orgChart1"/>
+    <dgm:cxn modelId="{5A2F4B00-3FA1-4551-BFC2-A2A763739DAA}" type="presParOf" srcId="{52BA2FA3-DD55-4021-B661-8A8174CEFEEC}" destId="{DACA4829-19B1-4270-A7A2-F0AFD2C1E2D6}" srcOrd="2" destOrd="0" presId="urn:microsoft.com/office/officeart/2005/8/layout/orgChart1"/>
+    <dgm:cxn modelId="{13B32F8A-A73B-42A6-9A48-86AE62773399}" type="presParOf" srcId="{52BA2FA3-DD55-4021-B661-8A8174CEFEEC}" destId="{EEDD58E1-49ED-482D-B6C0-60D0FB1E10C9}" srcOrd="3" destOrd="0" presId="urn:microsoft.com/office/officeart/2005/8/layout/orgChart1"/>
+    <dgm:cxn modelId="{5644AE6C-6E2E-448B-BAC8-613DD4A4D9E5}" type="presParOf" srcId="{EEDD58E1-49ED-482D-B6C0-60D0FB1E10C9}" destId="{162726B3-B785-40A9-AD0A-05A5E9CBFB1C}" srcOrd="0" destOrd="0" presId="urn:microsoft.com/office/officeart/2005/8/layout/orgChart1"/>
+    <dgm:cxn modelId="{68B97DBA-3815-42DA-AF3F-E3FBE5BCA790}" type="presParOf" srcId="{162726B3-B785-40A9-AD0A-05A5E9CBFB1C}" destId="{C92AE847-0B1E-4DB4-A7FC-F35474AE8193}" srcOrd="0" destOrd="0" presId="urn:microsoft.com/office/officeart/2005/8/layout/orgChart1"/>
+    <dgm:cxn modelId="{33EC9DF1-5A26-44AC-BE5E-219A86CC5ED6}" type="presParOf" srcId="{162726B3-B785-40A9-AD0A-05A5E9CBFB1C}" destId="{4BD9009D-8700-49C7-AC3C-26C594631455}" srcOrd="1" destOrd="0" presId="urn:microsoft.com/office/officeart/2005/8/layout/orgChart1"/>
+    <dgm:cxn modelId="{763CBC12-BF34-4AE8-BE2E-A6B6E4D8C22E}" type="presParOf" srcId="{EEDD58E1-49ED-482D-B6C0-60D0FB1E10C9}" destId="{E0B91AFF-E968-4B56-A33B-8270CC82CF3A}" srcOrd="1" destOrd="0" presId="urn:microsoft.com/office/officeart/2005/8/layout/orgChart1"/>
+    <dgm:cxn modelId="{16BEA8C7-E633-4163-956C-7AF8E8ABB016}" type="presParOf" srcId="{EEDD58E1-49ED-482D-B6C0-60D0FB1E10C9}" destId="{B31112EB-5F2D-4281-AB6D-D4B959BE6E7B}" srcOrd="2" destOrd="0" presId="urn:microsoft.com/office/officeart/2005/8/layout/orgChart1"/>
     <dgm:cxn modelId="{CC5459E9-F48A-4749-A621-9072B0DB9609}" type="presParOf" srcId="{746110D1-9F70-40A8-9B05-CC48F9E36F93}" destId="{015202E4-E33F-4C24-8EF4-D5DBA22C6B87}" srcOrd="2" destOrd="0" presId="urn:microsoft.com/office/officeart/2005/8/layout/orgChart1"/>
     <dgm:cxn modelId="{5F014046-D83C-4E12-82E0-91844EB9CCD6}" type="presParOf" srcId="{0A0C80A2-D9F9-4E97-BE6B-704E9AB7B949}" destId="{8222190E-0AC6-484F-B815-29DC796A4E5F}" srcOrd="14" destOrd="0" presId="urn:microsoft.com/office/officeart/2005/8/layout/orgChart1"/>
     <dgm:cxn modelId="{C0DC1813-78E0-4838-8088-01C73AB42F80}" type="presParOf" srcId="{0A0C80A2-D9F9-4E97-BE6B-704E9AB7B949}" destId="{479FB956-AEDE-44DC-AB0A-9B8AD2554D80}" srcOrd="15" destOrd="0" presId="urn:microsoft.com/office/officeart/2005/8/layout/orgChart1"/>
@@ -1830,7 +2691,7 @@
       </dsp:nvSpPr>
       <dsp:spPr>
         <a:xfrm>
-          <a:off x="5383097" y="3048385"/>
+          <a:off x="5383097" y="2335726"/>
           <a:ext cx="4876184" cy="210786"/>
         </a:xfrm>
         <a:custGeom>
@@ -1892,7 +2753,7 @@
       </dsp:nvSpPr>
       <dsp:spPr>
         <a:xfrm>
-          <a:off x="5383097" y="3048385"/>
+          <a:off x="5383097" y="2335726"/>
           <a:ext cx="3661652" cy="210786"/>
         </a:xfrm>
         <a:custGeom>
@@ -1947,6 +2808,124 @@
         <a:fontRef idx="minor"/>
       </dsp:style>
     </dsp:sp>
+    <dsp:sp modelId="{DACA4829-19B1-4270-A7A2-F0AFD2C1E2D6}">
+      <dsp:nvSpPr>
+        <dsp:cNvPr id="0" name=""/>
+        <dsp:cNvSpPr/>
+      </dsp:nvSpPr>
+      <dsp:spPr>
+        <a:xfrm>
+          <a:off x="7428720" y="3048385"/>
+          <a:ext cx="150561" cy="1174381"/>
+        </a:xfrm>
+        <a:custGeom>
+          <a:avLst/>
+          <a:gdLst/>
+          <a:ahLst/>
+          <a:cxnLst/>
+          <a:rect l="0" t="0" r="0" b="0"/>
+          <a:pathLst>
+            <a:path>
+              <a:moveTo>
+                <a:pt x="0" y="0"/>
+              </a:moveTo>
+              <a:lnTo>
+                <a:pt x="0" y="1174381"/>
+              </a:lnTo>
+              <a:lnTo>
+                <a:pt x="150561" y="1174381"/>
+              </a:lnTo>
+            </a:path>
+          </a:pathLst>
+        </a:custGeom>
+        <a:noFill/>
+        <a:ln w="12700" cap="flat" cmpd="sng" algn="ctr">
+          <a:solidFill>
+            <a:schemeClr val="accent1">
+              <a:shade val="80000"/>
+              <a:hueOff val="0"/>
+              <a:satOff val="0"/>
+              <a:lumOff val="0"/>
+              <a:alphaOff val="0"/>
+            </a:schemeClr>
+          </a:solidFill>
+          <a:prstDash val="solid"/>
+          <a:miter lim="800000"/>
+        </a:ln>
+        <a:effectLst/>
+      </dsp:spPr>
+      <dsp:style>
+        <a:lnRef idx="2">
+          <a:scrgbClr r="0" g="0" b="0"/>
+        </a:lnRef>
+        <a:fillRef idx="0">
+          <a:scrgbClr r="0" g="0" b="0"/>
+        </a:fillRef>
+        <a:effectRef idx="0">
+          <a:scrgbClr r="0" g="0" b="0"/>
+        </a:effectRef>
+        <a:fontRef idx="minor"/>
+      </dsp:style>
+    </dsp:sp>
+    <dsp:sp modelId="{49C2F59F-26D4-4730-A2C1-55E72508F55B}">
+      <dsp:nvSpPr>
+        <dsp:cNvPr id="0" name=""/>
+        <dsp:cNvSpPr/>
+      </dsp:nvSpPr>
+      <dsp:spPr>
+        <a:xfrm>
+          <a:off x="7428720" y="3048385"/>
+          <a:ext cx="150561" cy="461722"/>
+        </a:xfrm>
+        <a:custGeom>
+          <a:avLst/>
+          <a:gdLst/>
+          <a:ahLst/>
+          <a:cxnLst/>
+          <a:rect l="0" t="0" r="0" b="0"/>
+          <a:pathLst>
+            <a:path>
+              <a:moveTo>
+                <a:pt x="0" y="0"/>
+              </a:moveTo>
+              <a:lnTo>
+                <a:pt x="0" y="461722"/>
+              </a:lnTo>
+              <a:lnTo>
+                <a:pt x="150561" y="461722"/>
+              </a:lnTo>
+            </a:path>
+          </a:pathLst>
+        </a:custGeom>
+        <a:noFill/>
+        <a:ln w="12700" cap="flat" cmpd="sng" algn="ctr">
+          <a:solidFill>
+            <a:schemeClr val="accent1">
+              <a:shade val="80000"/>
+              <a:hueOff val="0"/>
+              <a:satOff val="0"/>
+              <a:lumOff val="0"/>
+              <a:alphaOff val="0"/>
+            </a:schemeClr>
+          </a:solidFill>
+          <a:prstDash val="solid"/>
+          <a:miter lim="800000"/>
+        </a:ln>
+        <a:effectLst/>
+      </dsp:spPr>
+      <dsp:style>
+        <a:lnRef idx="2">
+          <a:scrgbClr r="0" g="0" b="0"/>
+        </a:lnRef>
+        <a:fillRef idx="0">
+          <a:scrgbClr r="0" g="0" b="0"/>
+        </a:fillRef>
+        <a:effectRef idx="0">
+          <a:scrgbClr r="0" g="0" b="0"/>
+        </a:effectRef>
+        <a:fontRef idx="minor"/>
+      </dsp:style>
+    </dsp:sp>
     <dsp:sp modelId="{1BB09392-3392-44E0-9498-5BE58EE7DC4B}">
       <dsp:nvSpPr>
         <dsp:cNvPr id="0" name=""/>
@@ -1954,7 +2933,7 @@
       </dsp:nvSpPr>
       <dsp:spPr>
         <a:xfrm>
-          <a:off x="5383097" y="3048385"/>
+          <a:off x="5383097" y="2335726"/>
           <a:ext cx="2447120" cy="210786"/>
         </a:xfrm>
         <a:custGeom>
@@ -2016,7 +2995,7 @@
       </dsp:nvSpPr>
       <dsp:spPr>
         <a:xfrm>
-          <a:off x="5383097" y="3048385"/>
+          <a:off x="5383097" y="2335726"/>
           <a:ext cx="1232589" cy="210786"/>
         </a:xfrm>
         <a:custGeom>
@@ -2071,6 +3050,124 @@
         <a:fontRef idx="minor"/>
       </dsp:style>
     </dsp:sp>
+    <dsp:sp modelId="{F76D52EC-EC64-43A7-80E1-6F0CBE7FEEE8}">
+      <dsp:nvSpPr>
+        <dsp:cNvPr id="0" name=""/>
+        <dsp:cNvSpPr/>
+      </dsp:nvSpPr>
+      <dsp:spPr>
+        <a:xfrm>
+          <a:off x="4999656" y="3253234"/>
+          <a:ext cx="150561" cy="1174381"/>
+        </a:xfrm>
+        <a:custGeom>
+          <a:avLst/>
+          <a:gdLst/>
+          <a:ahLst/>
+          <a:cxnLst/>
+          <a:rect l="0" t="0" r="0" b="0"/>
+          <a:pathLst>
+            <a:path>
+              <a:moveTo>
+                <a:pt x="0" y="0"/>
+              </a:moveTo>
+              <a:lnTo>
+                <a:pt x="0" y="1174381"/>
+              </a:lnTo>
+              <a:lnTo>
+                <a:pt x="150561" y="1174381"/>
+              </a:lnTo>
+            </a:path>
+          </a:pathLst>
+        </a:custGeom>
+        <a:noFill/>
+        <a:ln w="12700" cap="flat" cmpd="sng" algn="ctr">
+          <a:solidFill>
+            <a:schemeClr val="accent1">
+              <a:shade val="80000"/>
+              <a:hueOff val="0"/>
+              <a:satOff val="0"/>
+              <a:lumOff val="0"/>
+              <a:alphaOff val="0"/>
+            </a:schemeClr>
+          </a:solidFill>
+          <a:prstDash val="solid"/>
+          <a:miter lim="800000"/>
+        </a:ln>
+        <a:effectLst/>
+      </dsp:spPr>
+      <dsp:style>
+        <a:lnRef idx="2">
+          <a:scrgbClr r="0" g="0" b="0"/>
+        </a:lnRef>
+        <a:fillRef idx="0">
+          <a:scrgbClr r="0" g="0" b="0"/>
+        </a:fillRef>
+        <a:effectRef idx="0">
+          <a:scrgbClr r="0" g="0" b="0"/>
+        </a:effectRef>
+        <a:fontRef idx="minor"/>
+      </dsp:style>
+    </dsp:sp>
+    <dsp:sp modelId="{F7E1F4F4-F222-4EF3-9462-C157A5E136CD}">
+      <dsp:nvSpPr>
+        <dsp:cNvPr id="0" name=""/>
+        <dsp:cNvSpPr/>
+      </dsp:nvSpPr>
+      <dsp:spPr>
+        <a:xfrm>
+          <a:off x="4999656" y="3253234"/>
+          <a:ext cx="150561" cy="461722"/>
+        </a:xfrm>
+        <a:custGeom>
+          <a:avLst/>
+          <a:gdLst/>
+          <a:ahLst/>
+          <a:cxnLst/>
+          <a:rect l="0" t="0" r="0" b="0"/>
+          <a:pathLst>
+            <a:path>
+              <a:moveTo>
+                <a:pt x="0" y="0"/>
+              </a:moveTo>
+              <a:lnTo>
+                <a:pt x="0" y="461722"/>
+              </a:lnTo>
+              <a:lnTo>
+                <a:pt x="150561" y="461722"/>
+              </a:lnTo>
+            </a:path>
+          </a:pathLst>
+        </a:custGeom>
+        <a:noFill/>
+        <a:ln w="12700" cap="flat" cmpd="sng" algn="ctr">
+          <a:solidFill>
+            <a:schemeClr val="accent1">
+              <a:shade val="80000"/>
+              <a:hueOff val="0"/>
+              <a:satOff val="0"/>
+              <a:lumOff val="0"/>
+              <a:alphaOff val="0"/>
+            </a:schemeClr>
+          </a:solidFill>
+          <a:prstDash val="solid"/>
+          <a:miter lim="800000"/>
+        </a:ln>
+        <a:effectLst/>
+      </dsp:spPr>
+      <dsp:style>
+        <a:lnRef idx="2">
+          <a:scrgbClr r="0" g="0" b="0"/>
+        </a:lnRef>
+        <a:fillRef idx="0">
+          <a:scrgbClr r="0" g="0" b="0"/>
+        </a:fillRef>
+        <a:effectRef idx="0">
+          <a:scrgbClr r="0" g="0" b="0"/>
+        </a:effectRef>
+        <a:fontRef idx="minor"/>
+      </dsp:style>
+    </dsp:sp>
     <dsp:sp modelId="{22C70BE5-32DC-4144-A9E3-3FD75AE836EF}">
       <dsp:nvSpPr>
         <dsp:cNvPr id="0" name=""/>
@@ -2078,7 +3175,7 @@
       </dsp:nvSpPr>
       <dsp:spPr>
         <a:xfrm>
-          <a:off x="5337377" y="3048385"/>
+          <a:off x="5337377" y="2335726"/>
           <a:ext cx="91440" cy="210786"/>
         </a:xfrm>
         <a:custGeom>
@@ -2140,8 +3237,8 @@
       </dsp:nvSpPr>
       <dsp:spPr>
         <a:xfrm>
-          <a:off x="4186623" y="3048385"/>
-          <a:ext cx="1196474" cy="210786"/>
+          <a:off x="4230918" y="2335726"/>
+          <a:ext cx="1152179" cy="227413"/>
         </a:xfrm>
         <a:custGeom>
           <a:avLst/>
@@ -2152,16 +3249,16 @@
           <a:pathLst>
             <a:path>
               <a:moveTo>
-                <a:pt x="1196474" y="0"/>
+                <a:pt x="1152179" y="0"/>
               </a:moveTo>
               <a:lnTo>
-                <a:pt x="1196474" y="105393"/>
+                <a:pt x="1152179" y="122020"/>
               </a:lnTo>
               <a:lnTo>
-                <a:pt x="0" y="105393"/>
+                <a:pt x="0" y="122020"/>
               </a:lnTo>
               <a:lnTo>
-                <a:pt x="0" y="210786"/>
+                <a:pt x="0" y="227413"/>
               </a:lnTo>
             </a:path>
           </a:pathLst>
@@ -2195,15 +3292,15 @@
         <a:fontRef idx="minor"/>
       </dsp:style>
     </dsp:sp>
-    <dsp:sp modelId="{119EA951-0E4C-49AC-9634-1D72F47B02B6}">
+    <dsp:sp modelId="{0C8E827B-0C09-4C70-8378-DD16DE23F05C}">
       <dsp:nvSpPr>
         <dsp:cNvPr id="0" name=""/>
         <dsp:cNvSpPr/>
       </dsp:nvSpPr>
       <dsp:spPr>
         <a:xfrm>
-          <a:off x="2972091" y="3048385"/>
-          <a:ext cx="2411006" cy="210786"/>
+          <a:off x="2761786" y="3031763"/>
+          <a:ext cx="200437" cy="1373881"/>
         </a:xfrm>
         <a:custGeom>
           <a:avLst/>
@@ -2214,16 +3311,134 @@
           <a:pathLst>
             <a:path>
               <a:moveTo>
-                <a:pt x="2411006" y="0"/>
+                <a:pt x="0" y="0"/>
               </a:moveTo>
               <a:lnTo>
-                <a:pt x="2411006" y="105393"/>
+                <a:pt x="0" y="1373881"/>
               </a:lnTo>
               <a:lnTo>
-                <a:pt x="0" y="105393"/>
+                <a:pt x="200437" y="1373881"/>
+              </a:lnTo>
+            </a:path>
+          </a:pathLst>
+        </a:custGeom>
+        <a:noFill/>
+        <a:ln w="12700" cap="flat" cmpd="sng" algn="ctr">
+          <a:solidFill>
+            <a:schemeClr val="accent1">
+              <a:shade val="80000"/>
+              <a:hueOff val="0"/>
+              <a:satOff val="0"/>
+              <a:lumOff val="0"/>
+              <a:alphaOff val="0"/>
+            </a:schemeClr>
+          </a:solidFill>
+          <a:prstDash val="solid"/>
+          <a:miter lim="800000"/>
+        </a:ln>
+        <a:effectLst/>
+      </dsp:spPr>
+      <dsp:style>
+        <a:lnRef idx="2">
+          <a:scrgbClr r="0" g="0" b="0"/>
+        </a:lnRef>
+        <a:fillRef idx="0">
+          <a:scrgbClr r="0" g="0" b="0"/>
+        </a:fillRef>
+        <a:effectRef idx="0">
+          <a:scrgbClr r="0" g="0" b="0"/>
+        </a:effectRef>
+        <a:fontRef idx="minor"/>
+      </dsp:style>
+    </dsp:sp>
+    <dsp:sp modelId="{A256BDD4-A176-45AA-B435-A8A592E2FD08}">
+      <dsp:nvSpPr>
+        <dsp:cNvPr id="0" name=""/>
+        <dsp:cNvSpPr/>
+      </dsp:nvSpPr>
+      <dsp:spPr>
+        <a:xfrm>
+          <a:off x="2761786" y="3031763"/>
+          <a:ext cx="183815" cy="677849"/>
+        </a:xfrm>
+        <a:custGeom>
+          <a:avLst/>
+          <a:gdLst/>
+          <a:ahLst/>
+          <a:cxnLst/>
+          <a:rect l="0" t="0" r="0" b="0"/>
+          <a:pathLst>
+            <a:path>
+              <a:moveTo>
+                <a:pt x="0" y="0"/>
+              </a:moveTo>
+              <a:lnTo>
+                <a:pt x="0" y="677849"/>
               </a:lnTo>
               <a:lnTo>
-                <a:pt x="0" y="210786"/>
+                <a:pt x="183815" y="677849"/>
+              </a:lnTo>
+            </a:path>
+          </a:pathLst>
+        </a:custGeom>
+        <a:noFill/>
+        <a:ln w="12700" cap="flat" cmpd="sng" algn="ctr">
+          <a:solidFill>
+            <a:schemeClr val="accent1">
+              <a:shade val="80000"/>
+              <a:hueOff val="0"/>
+              <a:satOff val="0"/>
+              <a:lumOff val="0"/>
+              <a:alphaOff val="0"/>
+            </a:schemeClr>
+          </a:solidFill>
+          <a:prstDash val="solid"/>
+          <a:miter lim="800000"/>
+        </a:ln>
+        <a:effectLst/>
+      </dsp:spPr>
+      <dsp:style>
+        <a:lnRef idx="2">
+          <a:scrgbClr r="0" g="0" b="0"/>
+        </a:lnRef>
+        <a:fillRef idx="0">
+          <a:scrgbClr r="0" g="0" b="0"/>
+        </a:fillRef>
+        <a:effectRef idx="0">
+          <a:scrgbClr r="0" g="0" b="0"/>
+        </a:effectRef>
+        <a:fontRef idx="minor"/>
+      </dsp:style>
+    </dsp:sp>
+    <dsp:sp modelId="{119EA951-0E4C-49AC-9634-1D72F47B02B6}">
+      <dsp:nvSpPr>
+        <dsp:cNvPr id="0" name=""/>
+        <dsp:cNvSpPr/>
+      </dsp:nvSpPr>
+      <dsp:spPr>
+        <a:xfrm>
+          <a:off x="3163284" y="2335726"/>
+          <a:ext cx="2219812" cy="194164"/>
+        </a:xfrm>
+        <a:custGeom>
+          <a:avLst/>
+          <a:gdLst/>
+          <a:ahLst/>
+          <a:cxnLst/>
+          <a:rect l="0" t="0" r="0" b="0"/>
+          <a:pathLst>
+            <a:path>
+              <a:moveTo>
+                <a:pt x="2219812" y="0"/>
+              </a:moveTo>
+              <a:lnTo>
+                <a:pt x="2219812" y="88771"/>
+              </a:lnTo>
+              <a:lnTo>
+                <a:pt x="0" y="88771"/>
+              </a:lnTo>
+              <a:lnTo>
+                <a:pt x="0" y="194164"/>
               </a:lnTo>
             </a:path>
           </a:pathLst>
@@ -2257,6 +3472,124 @@
         <a:fontRef idx="minor"/>
       </dsp:style>
     </dsp:sp>
+    <dsp:sp modelId="{3190E1EF-E44B-4FC4-98B5-E2E2B248C343}">
+      <dsp:nvSpPr>
+        <dsp:cNvPr id="0" name=""/>
+        <dsp:cNvSpPr/>
+      </dsp:nvSpPr>
+      <dsp:spPr>
+        <a:xfrm>
+          <a:off x="1356061" y="3048385"/>
+          <a:ext cx="150561" cy="1174381"/>
+        </a:xfrm>
+        <a:custGeom>
+          <a:avLst/>
+          <a:gdLst/>
+          <a:ahLst/>
+          <a:cxnLst/>
+          <a:rect l="0" t="0" r="0" b="0"/>
+          <a:pathLst>
+            <a:path>
+              <a:moveTo>
+                <a:pt x="0" y="0"/>
+              </a:moveTo>
+              <a:lnTo>
+                <a:pt x="0" y="1174381"/>
+              </a:lnTo>
+              <a:lnTo>
+                <a:pt x="150561" y="1174381"/>
+              </a:lnTo>
+            </a:path>
+          </a:pathLst>
+        </a:custGeom>
+        <a:noFill/>
+        <a:ln w="12700" cap="flat" cmpd="sng" algn="ctr">
+          <a:solidFill>
+            <a:schemeClr val="accent1">
+              <a:shade val="80000"/>
+              <a:hueOff val="0"/>
+              <a:satOff val="0"/>
+              <a:lumOff val="0"/>
+              <a:alphaOff val="0"/>
+            </a:schemeClr>
+          </a:solidFill>
+          <a:prstDash val="solid"/>
+          <a:miter lim="800000"/>
+        </a:ln>
+        <a:effectLst/>
+      </dsp:spPr>
+      <dsp:style>
+        <a:lnRef idx="2">
+          <a:scrgbClr r="0" g="0" b="0"/>
+        </a:lnRef>
+        <a:fillRef idx="0">
+          <a:scrgbClr r="0" g="0" b="0"/>
+        </a:fillRef>
+        <a:effectRef idx="0">
+          <a:scrgbClr r="0" g="0" b="0"/>
+        </a:effectRef>
+        <a:fontRef idx="minor"/>
+      </dsp:style>
+    </dsp:sp>
+    <dsp:sp modelId="{B3053FCD-323B-42DC-842D-04CD7CE694BB}">
+      <dsp:nvSpPr>
+        <dsp:cNvPr id="0" name=""/>
+        <dsp:cNvSpPr/>
+      </dsp:nvSpPr>
+      <dsp:spPr>
+        <a:xfrm>
+          <a:off x="1356061" y="3048385"/>
+          <a:ext cx="150561" cy="420157"/>
+        </a:xfrm>
+        <a:custGeom>
+          <a:avLst/>
+          <a:gdLst/>
+          <a:ahLst/>
+          <a:cxnLst/>
+          <a:rect l="0" t="0" r="0" b="0"/>
+          <a:pathLst>
+            <a:path>
+              <a:moveTo>
+                <a:pt x="0" y="0"/>
+              </a:moveTo>
+              <a:lnTo>
+                <a:pt x="0" y="420157"/>
+              </a:lnTo>
+              <a:lnTo>
+                <a:pt x="150561" y="420157"/>
+              </a:lnTo>
+            </a:path>
+          </a:pathLst>
+        </a:custGeom>
+        <a:noFill/>
+        <a:ln w="12700" cap="flat" cmpd="sng" algn="ctr">
+          <a:solidFill>
+            <a:schemeClr val="accent1">
+              <a:shade val="80000"/>
+              <a:hueOff val="0"/>
+              <a:satOff val="0"/>
+              <a:lumOff val="0"/>
+              <a:alphaOff val="0"/>
+            </a:schemeClr>
+          </a:solidFill>
+          <a:prstDash val="solid"/>
+          <a:miter lim="800000"/>
+        </a:ln>
+        <a:effectLst/>
+      </dsp:spPr>
+      <dsp:style>
+        <a:lnRef idx="2">
+          <a:scrgbClr r="0" g="0" b="0"/>
+        </a:lnRef>
+        <a:fillRef idx="0">
+          <a:scrgbClr r="0" g="0" b="0"/>
+        </a:fillRef>
+        <a:effectRef idx="0">
+          <a:scrgbClr r="0" g="0" b="0"/>
+        </a:effectRef>
+        <a:fontRef idx="minor"/>
+      </dsp:style>
+    </dsp:sp>
     <dsp:sp modelId="{9BD2E211-6249-457F-8BB7-EF80F46ACE33}">
       <dsp:nvSpPr>
         <dsp:cNvPr id="0" name=""/>
@@ -2264,7 +3597,7 @@
       </dsp:nvSpPr>
       <dsp:spPr>
         <a:xfrm>
-          <a:off x="1757559" y="3048385"/>
+          <a:off x="1757559" y="2335726"/>
           <a:ext cx="3625538" cy="210786"/>
         </a:xfrm>
         <a:custGeom>
@@ -2326,7 +3659,7 @@
       </dsp:nvSpPr>
       <dsp:spPr>
         <a:xfrm>
-          <a:off x="524970" y="3048385"/>
+          <a:off x="524970" y="2335726"/>
           <a:ext cx="4858127" cy="210786"/>
         </a:xfrm>
         <a:custGeom>
@@ -2388,7 +3721,7 @@
       </dsp:nvSpPr>
       <dsp:spPr>
         <a:xfrm>
-          <a:off x="4424079" y="2546512"/>
+          <a:off x="4424079" y="1833853"/>
           <a:ext cx="1918036" cy="501872"/>
         </a:xfrm>
         <a:prstGeom prst="rect">
@@ -2449,20 +3782,12 @@
           </a:pPr>
           <a:r>
             <a:rPr lang="eu-ES" sz="1200" kern="1200" dirty="0" smtClean="0"/>
-            <a:t>/</a:t>
-          </a:r>
-          <a:r>
-            <a:rPr lang="eu-ES" sz="1200" kern="1200" dirty="0" smtClean="0"/>
-            <a:t>10.14.4.124/Disko</a:t>
-          </a:r>
-          <a:r>
-            <a:rPr lang="eu-ES" sz="1200" kern="1200" dirty="0" smtClean="0"/>
-            <a:t>/</a:t>
+            <a:t>/10.14.4.124/Disko/</a:t>
           </a:r>
         </a:p>
       </dsp:txBody>
       <dsp:txXfrm>
-        <a:off x="4424079" y="2546512"/>
+        <a:off x="4424079" y="1833853"/>
         <a:ext cx="1918036" cy="501872"/>
       </dsp:txXfrm>
     </dsp:sp>
@@ -2473,7 +3798,7 @@
       </dsp:nvSpPr>
       <dsp:spPr>
         <a:xfrm>
-          <a:off x="5040" y="3259172"/>
+          <a:off x="5040" y="2546512"/>
           <a:ext cx="1039860" cy="464402"/>
         </a:xfrm>
         <a:prstGeom prst="rect">
@@ -2540,7 +3865,7 @@
         </a:p>
       </dsp:txBody>
       <dsp:txXfrm>
-        <a:off x="5040" y="3259172"/>
+        <a:off x="5040" y="2546512"/>
         <a:ext cx="1039860" cy="464402"/>
       </dsp:txXfrm>
     </dsp:sp>
@@ -2551,7 +3876,7 @@
       </dsp:nvSpPr>
       <dsp:spPr>
         <a:xfrm>
-          <a:off x="1255686" y="3259172"/>
+          <a:off x="1255686" y="2546512"/>
           <a:ext cx="1003745" cy="501872"/>
         </a:xfrm>
         <a:prstGeom prst="rect">
@@ -2618,7 +3943,163 @@
         </a:p>
       </dsp:txBody>
       <dsp:txXfrm>
-        <a:off x="1255686" y="3259172"/>
+        <a:off x="1255686" y="2546512"/>
+        <a:ext cx="1003745" cy="501872"/>
+      </dsp:txXfrm>
+    </dsp:sp>
+    <dsp:sp modelId="{B7D724A2-BAA3-47C8-AF63-7BFDFABD2D59}">
+      <dsp:nvSpPr>
+        <dsp:cNvPr id="0" name=""/>
+        <dsp:cNvSpPr/>
+      </dsp:nvSpPr>
+      <dsp:spPr>
+        <a:xfrm>
+          <a:off x="1506623" y="3217606"/>
+          <a:ext cx="1003745" cy="501872"/>
+        </a:xfrm>
+        <a:prstGeom prst="rect">
+          <a:avLst/>
+        </a:prstGeom>
+        <a:solidFill>
+          <a:schemeClr val="accent1">
+            <a:hueOff val="0"/>
+            <a:satOff val="0"/>
+            <a:lumOff val="0"/>
+            <a:alphaOff val="0"/>
+          </a:schemeClr>
+        </a:solidFill>
+        <a:ln w="12700" cap="flat" cmpd="sng" algn="ctr">
+          <a:solidFill>
+            <a:schemeClr val="lt1">
+              <a:hueOff val="0"/>
+              <a:satOff val="0"/>
+              <a:lumOff val="0"/>
+              <a:alphaOff val="0"/>
+            </a:schemeClr>
+          </a:solidFill>
+          <a:prstDash val="solid"/>
+          <a:miter lim="800000"/>
+        </a:ln>
+        <a:effectLst/>
+      </dsp:spPr>
+      <dsp:style>
+        <a:lnRef idx="2">
+          <a:scrgbClr r="0" g="0" b="0"/>
+        </a:lnRef>
+        <a:fillRef idx="1">
+          <a:scrgbClr r="0" g="0" b="0"/>
+        </a:fillRef>
+        <a:effectRef idx="0">
+          <a:scrgbClr r="0" g="0" b="0"/>
+        </a:effectRef>
+        <a:fontRef idx="minor">
+          <a:schemeClr val="lt1"/>
+        </a:fontRef>
+      </dsp:style>
+      <dsp:txBody>
+        <a:bodyPr spcFirstLastPara="0" vert="horz" wrap="square" lIns="6985" tIns="6985" rIns="6985" bIns="6985" numCol="1" spcCol="1270" anchor="ctr" anchorCtr="0">
+          <a:noAutofit/>
+        </a:bodyPr>
+        <a:lstStyle/>
+        <a:p>
+          <a:pPr lvl="0" algn="ctr" defTabSz="488950">
+            <a:lnSpc>
+              <a:spcPct val="90000"/>
+            </a:lnSpc>
+            <a:spcBef>
+              <a:spcPct val="0"/>
+            </a:spcBef>
+            <a:spcAft>
+              <a:spcPct val="35000"/>
+            </a:spcAft>
+          </a:pPr>
+          <a:r>
+            <a:rPr lang="eu-ES" sz="1100" kern="1200" dirty="0" smtClean="0"/>
+            <a:t>Teknikariak</a:t>
+          </a:r>
+          <a:endParaRPr lang="eu-ES" sz="1100" kern="1200" dirty="0"/>
+        </a:p>
+      </dsp:txBody>
+      <dsp:txXfrm>
+        <a:off x="1506623" y="3217606"/>
+        <a:ext cx="1003745" cy="501872"/>
+      </dsp:txXfrm>
+    </dsp:sp>
+    <dsp:sp modelId="{FBBB72E0-14BF-4437-AC35-27317643941A}">
+      <dsp:nvSpPr>
+        <dsp:cNvPr id="0" name=""/>
+        <dsp:cNvSpPr/>
+      </dsp:nvSpPr>
+      <dsp:spPr>
+        <a:xfrm>
+          <a:off x="1506623" y="3971831"/>
+          <a:ext cx="1003745" cy="501872"/>
+        </a:xfrm>
+        <a:prstGeom prst="rect">
+          <a:avLst/>
+        </a:prstGeom>
+        <a:solidFill>
+          <a:schemeClr val="accent1">
+            <a:hueOff val="0"/>
+            <a:satOff val="0"/>
+            <a:lumOff val="0"/>
+            <a:alphaOff val="0"/>
+          </a:schemeClr>
+        </a:solidFill>
+        <a:ln w="12700" cap="flat" cmpd="sng" algn="ctr">
+          <a:solidFill>
+            <a:schemeClr val="lt1">
+              <a:hueOff val="0"/>
+              <a:satOff val="0"/>
+              <a:lumOff val="0"/>
+              <a:alphaOff val="0"/>
+            </a:schemeClr>
+          </a:solidFill>
+          <a:prstDash val="solid"/>
+          <a:miter lim="800000"/>
+        </a:ln>
+        <a:effectLst/>
+      </dsp:spPr>
+      <dsp:style>
+        <a:lnRef idx="2">
+          <a:scrgbClr r="0" g="0" b="0"/>
+        </a:lnRef>
+        <a:fillRef idx="1">
+          <a:scrgbClr r="0" g="0" b="0"/>
+        </a:fillRef>
+        <a:effectRef idx="0">
+          <a:scrgbClr r="0" g="0" b="0"/>
+        </a:effectRef>
+        <a:fontRef idx="minor">
+          <a:schemeClr val="lt1"/>
+        </a:fontRef>
+      </dsp:style>
+      <dsp:txBody>
+        <a:bodyPr spcFirstLastPara="0" vert="horz" wrap="square" lIns="6985" tIns="6985" rIns="6985" bIns="6985" numCol="1" spcCol="1270" anchor="ctr" anchorCtr="0">
+          <a:noAutofit/>
+        </a:bodyPr>
+        <a:lstStyle/>
+        <a:p>
+          <a:pPr lvl="0" algn="ctr" defTabSz="488950">
+            <a:lnSpc>
+              <a:spcPct val="90000"/>
+            </a:lnSpc>
+            <a:spcBef>
+              <a:spcPct val="0"/>
+            </a:spcBef>
+            <a:spcAft>
+              <a:spcPct val="35000"/>
+            </a:spcAft>
+          </a:pPr>
+          <a:r>
+            <a:rPr lang="eu-ES" sz="1100" kern="1200" dirty="0" err="1" smtClean="0"/>
+            <a:t>WebGaratzaileak</a:t>
+          </a:r>
+          <a:endParaRPr lang="eu-ES" sz="1100" kern="1200" dirty="0"/>
+        </a:p>
+      </dsp:txBody>
+      <dsp:txXfrm>
+        <a:off x="1506623" y="3971831"/>
         <a:ext cx="1003745" cy="501872"/>
       </dsp:txXfrm>
     </dsp:sp>
@@ -2629,7 +4110,7 @@
       </dsp:nvSpPr>
       <dsp:spPr>
         <a:xfrm>
-          <a:off x="2470218" y="3259172"/>
+          <a:off x="2661412" y="2529890"/>
           <a:ext cx="1003745" cy="501872"/>
         </a:xfrm>
         <a:prstGeom prst="rect">
@@ -2696,7 +4177,163 @@
         </a:p>
       </dsp:txBody>
       <dsp:txXfrm>
-        <a:off x="2470218" y="3259172"/>
+        <a:off x="2661412" y="2529890"/>
+        <a:ext cx="1003745" cy="501872"/>
+      </dsp:txXfrm>
+    </dsp:sp>
+    <dsp:sp modelId="{0B3CF8A6-399B-42F6-9CCD-4B879FD92D00}">
+      <dsp:nvSpPr>
+        <dsp:cNvPr id="0" name=""/>
+        <dsp:cNvSpPr/>
+      </dsp:nvSpPr>
+      <dsp:spPr>
+        <a:xfrm>
+          <a:off x="2945602" y="3458676"/>
+          <a:ext cx="1003745" cy="501872"/>
+        </a:xfrm>
+        <a:prstGeom prst="rect">
+          <a:avLst/>
+        </a:prstGeom>
+        <a:solidFill>
+          <a:schemeClr val="accent1">
+            <a:hueOff val="0"/>
+            <a:satOff val="0"/>
+            <a:lumOff val="0"/>
+            <a:alphaOff val="0"/>
+          </a:schemeClr>
+        </a:solidFill>
+        <a:ln w="12700" cap="flat" cmpd="sng" algn="ctr">
+          <a:solidFill>
+            <a:schemeClr val="lt1">
+              <a:hueOff val="0"/>
+              <a:satOff val="0"/>
+              <a:lumOff val="0"/>
+              <a:alphaOff val="0"/>
+            </a:schemeClr>
+          </a:solidFill>
+          <a:prstDash val="solid"/>
+          <a:miter lim="800000"/>
+        </a:ln>
+        <a:effectLst/>
+      </dsp:spPr>
+      <dsp:style>
+        <a:lnRef idx="2">
+          <a:scrgbClr r="0" g="0" b="0"/>
+        </a:lnRef>
+        <a:fillRef idx="1">
+          <a:scrgbClr r="0" g="0" b="0"/>
+        </a:fillRef>
+        <a:effectRef idx="0">
+          <a:scrgbClr r="0" g="0" b="0"/>
+        </a:effectRef>
+        <a:fontRef idx="minor">
+          <a:schemeClr val="lt1"/>
+        </a:fontRef>
+      </dsp:style>
+      <dsp:txBody>
+        <a:bodyPr spcFirstLastPara="0" vert="horz" wrap="square" lIns="6985" tIns="6985" rIns="6985" bIns="6985" numCol="1" spcCol="1270" anchor="ctr" anchorCtr="0">
+          <a:noAutofit/>
+        </a:bodyPr>
+        <a:lstStyle/>
+        <a:p>
+          <a:pPr lvl="0" algn="ctr" defTabSz="488950">
+            <a:lnSpc>
+              <a:spcPct val="90000"/>
+            </a:lnSpc>
+            <a:spcBef>
+              <a:spcPct val="0"/>
+            </a:spcBef>
+            <a:spcAft>
+              <a:spcPct val="35000"/>
+            </a:spcAft>
+          </a:pPr>
+          <a:r>
+            <a:rPr lang="eu-ES" sz="1100" kern="1200" dirty="0" smtClean="0"/>
+            <a:t>Banaketa</a:t>
+          </a:r>
+          <a:endParaRPr lang="eu-ES" sz="1100" kern="1200" dirty="0"/>
+        </a:p>
+      </dsp:txBody>
+      <dsp:txXfrm>
+        <a:off x="2945602" y="3458676"/>
+        <a:ext cx="1003745" cy="501872"/>
+      </dsp:txXfrm>
+    </dsp:sp>
+    <dsp:sp modelId="{F4248901-FAF0-4D71-AA9F-F423C97734ED}">
+      <dsp:nvSpPr>
+        <dsp:cNvPr id="0" name=""/>
+        <dsp:cNvSpPr/>
+      </dsp:nvSpPr>
+      <dsp:spPr>
+        <a:xfrm>
+          <a:off x="2962224" y="4154708"/>
+          <a:ext cx="1003745" cy="501872"/>
+        </a:xfrm>
+        <a:prstGeom prst="rect">
+          <a:avLst/>
+        </a:prstGeom>
+        <a:solidFill>
+          <a:schemeClr val="accent1">
+            <a:hueOff val="0"/>
+            <a:satOff val="0"/>
+            <a:lumOff val="0"/>
+            <a:alphaOff val="0"/>
+          </a:schemeClr>
+        </a:solidFill>
+        <a:ln w="12700" cap="flat" cmpd="sng" algn="ctr">
+          <a:solidFill>
+            <a:schemeClr val="lt1">
+              <a:hueOff val="0"/>
+              <a:satOff val="0"/>
+              <a:lumOff val="0"/>
+              <a:alphaOff val="0"/>
+            </a:schemeClr>
+          </a:solidFill>
+          <a:prstDash val="solid"/>
+          <a:miter lim="800000"/>
+        </a:ln>
+        <a:effectLst/>
+      </dsp:spPr>
+      <dsp:style>
+        <a:lnRef idx="2">
+          <a:scrgbClr r="0" g="0" b="0"/>
+        </a:lnRef>
+        <a:fillRef idx="1">
+          <a:scrgbClr r="0" g="0" b="0"/>
+        </a:fillRef>
+        <a:effectRef idx="0">
+          <a:scrgbClr r="0" g="0" b="0"/>
+        </a:effectRef>
+        <a:fontRef idx="minor">
+          <a:schemeClr val="lt1"/>
+        </a:fontRef>
+      </dsp:style>
+      <dsp:txBody>
+        <a:bodyPr spcFirstLastPara="0" vert="horz" wrap="square" lIns="6985" tIns="6985" rIns="6985" bIns="6985" numCol="1" spcCol="1270" anchor="ctr" anchorCtr="0">
+          <a:noAutofit/>
+        </a:bodyPr>
+        <a:lstStyle/>
+        <a:p>
+          <a:pPr lvl="0" algn="ctr" defTabSz="488950">
+            <a:lnSpc>
+              <a:spcPct val="90000"/>
+            </a:lnSpc>
+            <a:spcBef>
+              <a:spcPct val="0"/>
+            </a:spcBef>
+            <a:spcAft>
+              <a:spcPct val="35000"/>
+            </a:spcAft>
+          </a:pPr>
+          <a:r>
+            <a:rPr lang="eu-ES" sz="1100" kern="1200" dirty="0" smtClean="0"/>
+            <a:t>Biltegia</a:t>
+          </a:r>
+          <a:endParaRPr lang="eu-ES" sz="1100" kern="1200" dirty="0"/>
+        </a:p>
+      </dsp:txBody>
+      <dsp:txXfrm>
+        <a:off x="2962224" y="4154708"/>
         <a:ext cx="1003745" cy="501872"/>
       </dsp:txXfrm>
     </dsp:sp>
@@ -2707,7 +4344,7 @@
       </dsp:nvSpPr>
       <dsp:spPr>
         <a:xfrm>
-          <a:off x="3684750" y="3259172"/>
+          <a:off x="3729045" y="2563139"/>
           <a:ext cx="1003745" cy="662486"/>
         </a:xfrm>
         <a:prstGeom prst="rect">
@@ -2809,7 +4446,7 @@
         </a:p>
       </dsp:txBody>
       <dsp:txXfrm>
-        <a:off x="3684750" y="3259172"/>
+        <a:off x="3729045" y="2563139"/>
         <a:ext cx="1003745" cy="662486"/>
       </dsp:txXfrm>
     </dsp:sp>
@@ -2820,7 +4457,7 @@
       </dsp:nvSpPr>
       <dsp:spPr>
         <a:xfrm>
-          <a:off x="4899282" y="3259172"/>
+          <a:off x="4899282" y="2546512"/>
           <a:ext cx="1003745" cy="706722"/>
         </a:xfrm>
         <a:prstGeom prst="rect">
@@ -2921,8 +4558,164 @@
         </a:p>
       </dsp:txBody>
       <dsp:txXfrm>
-        <a:off x="4899282" y="3259172"/>
+        <a:off x="4899282" y="2546512"/>
         <a:ext cx="1003745" cy="706722"/>
+      </dsp:txXfrm>
+    </dsp:sp>
+    <dsp:sp modelId="{B25C5274-6C5C-449B-ACB2-8A2C9B9EA5C3}">
+      <dsp:nvSpPr>
+        <dsp:cNvPr id="0" name=""/>
+        <dsp:cNvSpPr/>
+      </dsp:nvSpPr>
+      <dsp:spPr>
+        <a:xfrm>
+          <a:off x="5150218" y="3464021"/>
+          <a:ext cx="1003745" cy="501872"/>
+        </a:xfrm>
+        <a:prstGeom prst="rect">
+          <a:avLst/>
+        </a:prstGeom>
+        <a:solidFill>
+          <a:schemeClr val="accent1">
+            <a:hueOff val="0"/>
+            <a:satOff val="0"/>
+            <a:lumOff val="0"/>
+            <a:alphaOff val="0"/>
+          </a:schemeClr>
+        </a:solidFill>
+        <a:ln w="12700" cap="flat" cmpd="sng" algn="ctr">
+          <a:solidFill>
+            <a:schemeClr val="lt1">
+              <a:hueOff val="0"/>
+              <a:satOff val="0"/>
+              <a:lumOff val="0"/>
+              <a:alphaOff val="0"/>
+            </a:schemeClr>
+          </a:solidFill>
+          <a:prstDash val="solid"/>
+          <a:miter lim="800000"/>
+        </a:ln>
+        <a:effectLst/>
+      </dsp:spPr>
+      <dsp:style>
+        <a:lnRef idx="2">
+          <a:scrgbClr r="0" g="0" b="0"/>
+        </a:lnRef>
+        <a:fillRef idx="1">
+          <a:scrgbClr r="0" g="0" b="0"/>
+        </a:fillRef>
+        <a:effectRef idx="0">
+          <a:scrgbClr r="0" g="0" b="0"/>
+        </a:effectRef>
+        <a:fontRef idx="minor">
+          <a:schemeClr val="lt1"/>
+        </a:fontRef>
+      </dsp:style>
+      <dsp:txBody>
+        <a:bodyPr spcFirstLastPara="0" vert="horz" wrap="square" lIns="6985" tIns="6985" rIns="6985" bIns="6985" numCol="1" spcCol="1270" anchor="ctr" anchorCtr="0">
+          <a:noAutofit/>
+        </a:bodyPr>
+        <a:lstStyle/>
+        <a:p>
+          <a:pPr lvl="0" algn="ctr" defTabSz="488950">
+            <a:lnSpc>
+              <a:spcPct val="90000"/>
+            </a:lnSpc>
+            <a:spcBef>
+              <a:spcPct val="0"/>
+            </a:spcBef>
+            <a:spcAft>
+              <a:spcPct val="35000"/>
+            </a:spcAft>
+          </a:pPr>
+          <a:r>
+            <a:rPr lang="eu-ES" sz="1100" kern="1200" dirty="0" smtClean="0"/>
+            <a:t>Marketing</a:t>
+          </a:r>
+          <a:endParaRPr lang="eu-ES" sz="1100" kern="1200" dirty="0"/>
+        </a:p>
+      </dsp:txBody>
+      <dsp:txXfrm>
+        <a:off x="5150218" y="3464021"/>
+        <a:ext cx="1003745" cy="501872"/>
+      </dsp:txXfrm>
+    </dsp:sp>
+    <dsp:sp modelId="{FC2A6BB2-BA6B-4656-8DEE-BD7919D7090F}">
+      <dsp:nvSpPr>
+        <dsp:cNvPr id="0" name=""/>
+        <dsp:cNvSpPr/>
+      </dsp:nvSpPr>
+      <dsp:spPr>
+        <a:xfrm>
+          <a:off x="5150218" y="4176680"/>
+          <a:ext cx="1003745" cy="501872"/>
+        </a:xfrm>
+        <a:prstGeom prst="rect">
+          <a:avLst/>
+        </a:prstGeom>
+        <a:solidFill>
+          <a:schemeClr val="accent1">
+            <a:hueOff val="0"/>
+            <a:satOff val="0"/>
+            <a:lumOff val="0"/>
+            <a:alphaOff val="0"/>
+          </a:schemeClr>
+        </a:solidFill>
+        <a:ln w="12700" cap="flat" cmpd="sng" algn="ctr">
+          <a:solidFill>
+            <a:schemeClr val="lt1">
+              <a:hueOff val="0"/>
+              <a:satOff val="0"/>
+              <a:lumOff val="0"/>
+              <a:alphaOff val="0"/>
+            </a:schemeClr>
+          </a:solidFill>
+          <a:prstDash val="solid"/>
+          <a:miter lim="800000"/>
+        </a:ln>
+        <a:effectLst/>
+      </dsp:spPr>
+      <dsp:style>
+        <a:lnRef idx="2">
+          <a:scrgbClr r="0" g="0" b="0"/>
+        </a:lnRef>
+        <a:fillRef idx="1">
+          <a:scrgbClr r="0" g="0" b="0"/>
+        </a:fillRef>
+        <a:effectRef idx="0">
+          <a:scrgbClr r="0" g="0" b="0"/>
+        </a:effectRef>
+        <a:fontRef idx="minor">
+          <a:schemeClr val="lt1"/>
+        </a:fontRef>
+      </dsp:style>
+      <dsp:txBody>
+        <a:bodyPr spcFirstLastPara="0" vert="horz" wrap="square" lIns="6985" tIns="6985" rIns="6985" bIns="6985" numCol="1" spcCol="1270" anchor="ctr" anchorCtr="0">
+          <a:noAutofit/>
+        </a:bodyPr>
+        <a:lstStyle/>
+        <a:p>
+          <a:pPr lvl="0" algn="ctr" defTabSz="488950">
+            <a:lnSpc>
+              <a:spcPct val="90000"/>
+            </a:lnSpc>
+            <a:spcBef>
+              <a:spcPct val="0"/>
+            </a:spcBef>
+            <a:spcAft>
+              <a:spcPct val="35000"/>
+            </a:spcAft>
+          </a:pPr>
+          <a:r>
+            <a:rPr lang="eu-ES" sz="1100" kern="1200" dirty="0" smtClean="0"/>
+            <a:t>Merkataritza</a:t>
+          </a:r>
+          <a:endParaRPr lang="eu-ES" sz="1100" kern="1200" dirty="0"/>
+        </a:p>
+      </dsp:txBody>
+      <dsp:txXfrm>
+        <a:off x="5150218" y="4176680"/>
+        <a:ext cx="1003745" cy="501872"/>
       </dsp:txXfrm>
     </dsp:sp>
     <dsp:sp modelId="{84711DFB-4BD7-498B-AEBA-36B9681B9E72}">
@@ -2932,7 +4725,7 @@
       </dsp:nvSpPr>
       <dsp:spPr>
         <a:xfrm>
-          <a:off x="6113814" y="3259172"/>
+          <a:off x="6113814" y="2546512"/>
           <a:ext cx="1003745" cy="501872"/>
         </a:xfrm>
         <a:prstGeom prst="rect">
@@ -2999,7 +4792,7 @@
         </a:p>
       </dsp:txBody>
       <dsp:txXfrm>
-        <a:off x="6113814" y="3259172"/>
+        <a:off x="6113814" y="2546512"/>
         <a:ext cx="1003745" cy="501872"/>
       </dsp:txXfrm>
     </dsp:sp>
@@ -3010,7 +4803,7 @@
       </dsp:nvSpPr>
       <dsp:spPr>
         <a:xfrm>
-          <a:off x="7328345" y="3259172"/>
+          <a:off x="7328345" y="2546512"/>
           <a:ext cx="1003745" cy="501872"/>
         </a:xfrm>
         <a:prstGeom prst="rect">
@@ -3077,7 +4870,163 @@
         </a:p>
       </dsp:txBody>
       <dsp:txXfrm>
-        <a:off x="7328345" y="3259172"/>
+        <a:off x="7328345" y="2546512"/>
+        <a:ext cx="1003745" cy="501872"/>
+      </dsp:txXfrm>
+    </dsp:sp>
+    <dsp:sp modelId="{25F3E0A7-7211-4A3E-BC6F-CCD18848EA66}">
+      <dsp:nvSpPr>
+        <dsp:cNvPr id="0" name=""/>
+        <dsp:cNvSpPr/>
+      </dsp:nvSpPr>
+      <dsp:spPr>
+        <a:xfrm>
+          <a:off x="7579282" y="3259172"/>
+          <a:ext cx="1003745" cy="501872"/>
+        </a:xfrm>
+        <a:prstGeom prst="rect">
+          <a:avLst/>
+        </a:prstGeom>
+        <a:solidFill>
+          <a:schemeClr val="accent1">
+            <a:hueOff val="0"/>
+            <a:satOff val="0"/>
+            <a:lumOff val="0"/>
+            <a:alphaOff val="0"/>
+          </a:schemeClr>
+        </a:solidFill>
+        <a:ln w="12700" cap="flat" cmpd="sng" algn="ctr">
+          <a:solidFill>
+            <a:schemeClr val="lt1">
+              <a:hueOff val="0"/>
+              <a:satOff val="0"/>
+              <a:lumOff val="0"/>
+              <a:alphaOff val="0"/>
+            </a:schemeClr>
+          </a:solidFill>
+          <a:prstDash val="solid"/>
+          <a:miter lim="800000"/>
+        </a:ln>
+        <a:effectLst/>
+      </dsp:spPr>
+      <dsp:style>
+        <a:lnRef idx="2">
+          <a:scrgbClr r="0" g="0" b="0"/>
+        </a:lnRef>
+        <a:fillRef idx="1">
+          <a:scrgbClr r="0" g="0" b="0"/>
+        </a:fillRef>
+        <a:effectRef idx="0">
+          <a:scrgbClr r="0" g="0" b="0"/>
+        </a:effectRef>
+        <a:fontRef idx="minor">
+          <a:schemeClr val="lt1"/>
+        </a:fontRef>
+      </dsp:style>
+      <dsp:txBody>
+        <a:bodyPr spcFirstLastPara="0" vert="horz" wrap="square" lIns="6985" tIns="6985" rIns="6985" bIns="6985" numCol="1" spcCol="1270" anchor="ctr" anchorCtr="0">
+          <a:noAutofit/>
+        </a:bodyPr>
+        <a:lstStyle/>
+        <a:p>
+          <a:pPr lvl="0" algn="ctr" defTabSz="488950">
+            <a:lnSpc>
+              <a:spcPct val="90000"/>
+            </a:lnSpc>
+            <a:spcBef>
+              <a:spcPct val="0"/>
+            </a:spcBef>
+            <a:spcAft>
+              <a:spcPct val="35000"/>
+            </a:spcAft>
+          </a:pPr>
+          <a:r>
+            <a:rPr lang="eu-ES" sz="1100" kern="1200" dirty="0" err="1" smtClean="0"/>
+            <a:t>Apikultoreak</a:t>
+          </a:r>
+          <a:endParaRPr lang="eu-ES" sz="1100" kern="1200" dirty="0"/>
+        </a:p>
+      </dsp:txBody>
+      <dsp:txXfrm>
+        <a:off x="7579282" y="3259172"/>
+        <a:ext cx="1003745" cy="501872"/>
+      </dsp:txXfrm>
+    </dsp:sp>
+    <dsp:sp modelId="{C92AE847-0B1E-4DB4-A7FC-F35474AE8193}">
+      <dsp:nvSpPr>
+        <dsp:cNvPr id="0" name=""/>
+        <dsp:cNvSpPr/>
+      </dsp:nvSpPr>
+      <dsp:spPr>
+        <a:xfrm>
+          <a:off x="7579282" y="3971831"/>
+          <a:ext cx="1003745" cy="501872"/>
+        </a:xfrm>
+        <a:prstGeom prst="rect">
+          <a:avLst/>
+        </a:prstGeom>
+        <a:solidFill>
+          <a:schemeClr val="accent1">
+            <a:hueOff val="0"/>
+            <a:satOff val="0"/>
+            <a:lumOff val="0"/>
+            <a:alphaOff val="0"/>
+          </a:schemeClr>
+        </a:solidFill>
+        <a:ln w="12700" cap="flat" cmpd="sng" algn="ctr">
+          <a:solidFill>
+            <a:schemeClr val="lt1">
+              <a:hueOff val="0"/>
+              <a:satOff val="0"/>
+              <a:lumOff val="0"/>
+              <a:alphaOff val="0"/>
+            </a:schemeClr>
+          </a:solidFill>
+          <a:prstDash val="solid"/>
+          <a:miter lim="800000"/>
+        </a:ln>
+        <a:effectLst/>
+      </dsp:spPr>
+      <dsp:style>
+        <a:lnRef idx="2">
+          <a:scrgbClr r="0" g="0" b="0"/>
+        </a:lnRef>
+        <a:fillRef idx="1">
+          <a:scrgbClr r="0" g="0" b="0"/>
+        </a:fillRef>
+        <a:effectRef idx="0">
+          <a:scrgbClr r="0" g="0" b="0"/>
+        </a:effectRef>
+        <a:fontRef idx="minor">
+          <a:schemeClr val="lt1"/>
+        </a:fontRef>
+      </dsp:style>
+      <dsp:txBody>
+        <a:bodyPr spcFirstLastPara="0" vert="horz" wrap="square" lIns="6985" tIns="6985" rIns="6985" bIns="6985" numCol="1" spcCol="1270" anchor="ctr" anchorCtr="0">
+          <a:noAutofit/>
+        </a:bodyPr>
+        <a:lstStyle/>
+        <a:p>
+          <a:pPr lvl="0" algn="ctr" defTabSz="488950">
+            <a:lnSpc>
+              <a:spcPct val="90000"/>
+            </a:lnSpc>
+            <a:spcBef>
+              <a:spcPct val="0"/>
+            </a:spcBef>
+            <a:spcAft>
+              <a:spcPct val="35000"/>
+            </a:spcAft>
+          </a:pPr>
+          <a:r>
+            <a:rPr lang="eu-ES" sz="1100" kern="1200" dirty="0" smtClean="0"/>
+            <a:t>Erauzketa</a:t>
+          </a:r>
+          <a:endParaRPr lang="eu-ES" sz="1100" kern="1200" dirty="0"/>
+        </a:p>
+      </dsp:txBody>
+      <dsp:txXfrm>
+        <a:off x="7579282" y="3971831"/>
         <a:ext cx="1003745" cy="501872"/>
       </dsp:txXfrm>
     </dsp:sp>
@@ -3088,7 +5037,7 @@
       </dsp:nvSpPr>
       <dsp:spPr>
         <a:xfrm>
-          <a:off x="8542877" y="3259172"/>
+          <a:off x="8542877" y="2546512"/>
           <a:ext cx="1003745" cy="501872"/>
         </a:xfrm>
         <a:prstGeom prst="rect">
@@ -3155,7 +5104,7 @@
         </a:p>
       </dsp:txBody>
       <dsp:txXfrm>
-        <a:off x="8542877" y="3259172"/>
+        <a:off x="8542877" y="2546512"/>
         <a:ext cx="1003745" cy="501872"/>
       </dsp:txXfrm>
     </dsp:sp>
@@ -3166,7 +5115,7 @@
       </dsp:nvSpPr>
       <dsp:spPr>
         <a:xfrm>
-          <a:off x="9757409" y="3259172"/>
+          <a:off x="9757409" y="2546512"/>
           <a:ext cx="1003745" cy="501872"/>
         </a:xfrm>
         <a:prstGeom prst="rect">
@@ -3250,7 +5199,7 @@
         </a:p>
       </dsp:txBody>
       <dsp:txXfrm>
-        <a:off x="9757409" y="3259172"/>
+        <a:off x="9757409" y="2546512"/>
         <a:ext cx="1003745" cy="501872"/>
       </dsp:txXfrm>
     </dsp:sp>
@@ -5520,7 +7469,7 @@
           <a:p>
             <a:fld id="{2354CA7A-06D7-42F9-A2F5-9333498FAFA4}" type="datetimeFigureOut">
               <a:rPr lang="eu-ES" smtClean="0"/>
-              <a:t>2024/5/20</a:t>
+              <a:t>2024/5/21</a:t>
             </a:fld>
             <a:endParaRPr lang="eu-ES"/>
           </a:p>
@@ -5919,7 +7868,7 @@
           <a:p>
             <a:fld id="{C6F6AA1F-B156-48E4-AFCD-317E995E8468}" type="datetimeFigureOut">
               <a:rPr lang="eu-ES" smtClean="0"/>
-              <a:t>2024/5/20</a:t>
+              <a:t>2024/5/21</a:t>
             </a:fld>
             <a:endParaRPr lang="eu-ES"/>
           </a:p>
@@ -6089,7 +8038,7 @@
           <a:p>
             <a:fld id="{C6F6AA1F-B156-48E4-AFCD-317E995E8468}" type="datetimeFigureOut">
               <a:rPr lang="eu-ES" smtClean="0"/>
-              <a:t>2024/5/20</a:t>
+              <a:t>2024/5/21</a:t>
             </a:fld>
             <a:endParaRPr lang="eu-ES"/>
           </a:p>
@@ -6269,7 +8218,7 @@
           <a:p>
             <a:fld id="{C6F6AA1F-B156-48E4-AFCD-317E995E8468}" type="datetimeFigureOut">
               <a:rPr lang="eu-ES" smtClean="0"/>
-              <a:t>2024/5/20</a:t>
+              <a:t>2024/5/21</a:t>
             </a:fld>
             <a:endParaRPr lang="eu-ES"/>
           </a:p>
@@ -6439,7 +8388,7 @@
           <a:p>
             <a:fld id="{C6F6AA1F-B156-48E4-AFCD-317E995E8468}" type="datetimeFigureOut">
               <a:rPr lang="eu-ES" smtClean="0"/>
-              <a:t>2024/5/20</a:t>
+              <a:t>2024/5/21</a:t>
             </a:fld>
             <a:endParaRPr lang="eu-ES"/>
           </a:p>
@@ -6685,7 +8634,7 @@
           <a:p>
             <a:fld id="{C6F6AA1F-B156-48E4-AFCD-317E995E8468}" type="datetimeFigureOut">
               <a:rPr lang="eu-ES" smtClean="0"/>
-              <a:t>2024/5/20</a:t>
+              <a:t>2024/5/21</a:t>
             </a:fld>
             <a:endParaRPr lang="eu-ES"/>
           </a:p>
@@ -6917,7 +8866,7 @@
           <a:p>
             <a:fld id="{C6F6AA1F-B156-48E4-AFCD-317E995E8468}" type="datetimeFigureOut">
               <a:rPr lang="eu-ES" smtClean="0"/>
-              <a:t>2024/5/20</a:t>
+              <a:t>2024/5/21</a:t>
             </a:fld>
             <a:endParaRPr lang="eu-ES"/>
           </a:p>
@@ -7284,7 +9233,7 @@
           <a:p>
             <a:fld id="{C6F6AA1F-B156-48E4-AFCD-317E995E8468}" type="datetimeFigureOut">
               <a:rPr lang="eu-ES" smtClean="0"/>
-              <a:t>2024/5/20</a:t>
+              <a:t>2024/5/21</a:t>
             </a:fld>
             <a:endParaRPr lang="eu-ES"/>
           </a:p>
@@ -7402,7 +9351,7 @@
           <a:p>
             <a:fld id="{C6F6AA1F-B156-48E4-AFCD-317E995E8468}" type="datetimeFigureOut">
               <a:rPr lang="eu-ES" smtClean="0"/>
-              <a:t>2024/5/20</a:t>
+              <a:t>2024/5/21</a:t>
             </a:fld>
             <a:endParaRPr lang="eu-ES"/>
           </a:p>
@@ -7497,7 +9446,7 @@
           <a:p>
             <a:fld id="{C6F6AA1F-B156-48E4-AFCD-317E995E8468}" type="datetimeFigureOut">
               <a:rPr lang="eu-ES" smtClean="0"/>
-              <a:t>2024/5/20</a:t>
+              <a:t>2024/5/21</a:t>
             </a:fld>
             <a:endParaRPr lang="eu-ES"/>
           </a:p>
@@ -7774,7 +9723,7 @@
           <a:p>
             <a:fld id="{C6F6AA1F-B156-48E4-AFCD-317E995E8468}" type="datetimeFigureOut">
               <a:rPr lang="eu-ES" smtClean="0"/>
-              <a:t>2024/5/20</a:t>
+              <a:t>2024/5/21</a:t>
             </a:fld>
             <a:endParaRPr lang="eu-ES"/>
           </a:p>
@@ -8027,7 +9976,7 @@
           <a:p>
             <a:fld id="{C6F6AA1F-B156-48E4-AFCD-317E995E8468}" type="datetimeFigureOut">
               <a:rPr lang="eu-ES" smtClean="0"/>
-              <a:t>2024/5/20</a:t>
+              <a:t>2024/5/21</a:t>
             </a:fld>
             <a:endParaRPr lang="eu-ES"/>
           </a:p>
@@ -8240,7 +10189,7 @@
           <a:p>
             <a:fld id="{C6F6AA1F-B156-48E4-AFCD-317E995E8468}" type="datetimeFigureOut">
               <a:rPr lang="eu-ES" smtClean="0"/>
-              <a:t>2024/5/20</a:t>
+              <a:t>2024/5/21</a:t>
             </a:fld>
             <a:endParaRPr lang="eu-ES"/>
           </a:p>
@@ -8857,13 +10806,13 @@
           <p:nvPr>
             <p:extLst>
               <p:ext uri="{D42A27DB-BD31-4B8C-83A1-F6EECF244321}">
-                <p14:modId xmlns:p14="http://schemas.microsoft.com/office/powerpoint/2010/main" val="2532797377"/>
+                <p14:modId xmlns:p14="http://schemas.microsoft.com/office/powerpoint/2010/main" val="747313826"/>
               </p:ext>
             </p:extLst>
           </p:nvPr>
         </p:nvGraphicFramePr>
         <p:xfrm>
-          <a:off x="857615" y="-158559"/>
+          <a:off x="624859" y="491615"/>
           <a:ext cx="10766195" cy="6512407"/>
         </p:xfrm>
         <a:graphic>
@@ -9531,6 +11480,64 @@
           </a:prstGeom>
         </p:spPr>
       </p:pic>
+      <p:sp>
+        <p:nvSpPr>
+          <p:cNvPr id="3" name="TestuKoadroa 2"/>
+          <p:cNvSpPr txBox="1"/>
+          <p:nvPr/>
+        </p:nvSpPr>
+        <p:spPr>
+          <a:xfrm>
+            <a:off x="2202873" y="427470"/>
+            <a:ext cx="6625532" cy="1107996"/>
+          </a:xfrm>
+          <a:prstGeom prst="rect">
+            <a:avLst/>
+          </a:prstGeom>
+          <a:noFill/>
+        </p:spPr>
+        <p:txBody>
+          <a:bodyPr wrap="none" rtlCol="0">
+            <a:spAutoFit/>
+          </a:bodyPr>
+          <a:lstStyle/>
+          <a:p>
+            <a:r>
+              <a:rPr lang="eu-ES" sz="6600" dirty="0" smtClean="0">
+                <a:latin typeface="Eras Light ITC" panose="020B0402030504020804" pitchFamily="34" charset="0"/>
+              </a:rPr>
+              <a:t>Datuak bistaratzea</a:t>
+            </a:r>
+            <a:endParaRPr lang="eu-ES" sz="6600" dirty="0">
+              <a:latin typeface="Eras Light ITC" panose="020B0402030504020804" pitchFamily="34" charset="0"/>
+            </a:endParaRPr>
+          </a:p>
+        </p:txBody>
+      </p:sp>
+      <p:pic>
+        <p:nvPicPr>
+          <p:cNvPr id="4" name="Irudia 3"/>
+          <p:cNvPicPr>
+            <a:picLocks noChangeAspect="1"/>
+          </p:cNvPicPr>
+          <p:nvPr/>
+        </p:nvPicPr>
+        <p:blipFill>
+          <a:blip r:embed="rId3"/>
+          <a:stretch>
+            <a:fillRect/>
+          </a:stretch>
+        </p:blipFill>
+        <p:spPr>
+          <a:xfrm>
+            <a:off x="548639" y="2194561"/>
+            <a:ext cx="11046998" cy="3144329"/>
+          </a:xfrm>
+          <a:prstGeom prst="rect">
+            <a:avLst/>
+          </a:prstGeom>
+        </p:spPr>
+      </p:pic>
     </p:spTree>
     <p:extLst>
       <p:ext uri="{BB962C8B-B14F-4D97-AF65-F5344CB8AC3E}">
@@ -9548,6 +11555,66 @@
       </p:par>
     </p:tnLst>
   </p:timing>
+</p:sld>
+</file>
+
+<file path=ppt/slides/slide6.xml><?xml version="1.0" encoding="utf-8"?>
+<p:sld xmlns:a="http://schemas.openxmlformats.org/drawingml/2006/main" xmlns:r="http://schemas.openxmlformats.org/officeDocument/2006/relationships" xmlns:p="http://schemas.openxmlformats.org/presentationml/2006/main">
+  <p:cSld>
+    <p:spTree>
+      <p:nvGrpSpPr>
+        <p:cNvPr id="1" name=""/>
+        <p:cNvGrpSpPr/>
+        <p:nvPr/>
+      </p:nvGrpSpPr>
+      <p:grpSpPr>
+        <a:xfrm>
+          <a:off x="0" y="0"/>
+          <a:ext cx="0" cy="0"/>
+          <a:chOff x="0" y="0"/>
+          <a:chExt cx="0" cy="0"/>
+        </a:xfrm>
+      </p:grpSpPr>
+      <p:pic>
+        <p:nvPicPr>
+          <p:cNvPr id="2" name="Irudia 1"/>
+          <p:cNvPicPr>
+            <a:picLocks noChangeAspect="1"/>
+          </p:cNvPicPr>
+          <p:nvPr/>
+        </p:nvPicPr>
+        <p:blipFill>
+          <a:blip r:embed="rId2" cstate="print">
+            <a:extLst>
+              <a:ext uri="{28A0092B-C50C-407E-A947-70E740481C1C}">
+                <a14:useLocalDpi xmlns:a14="http://schemas.microsoft.com/office/drawing/2010/main" val="0"/>
+              </a:ext>
+            </a:extLst>
+          </a:blip>
+          <a:stretch>
+            <a:fillRect/>
+          </a:stretch>
+        </p:blipFill>
+        <p:spPr>
+          <a:xfrm>
+            <a:off x="548639" y="283765"/>
+            <a:ext cx="1734041" cy="1395406"/>
+          </a:xfrm>
+          <a:prstGeom prst="rect">
+            <a:avLst/>
+          </a:prstGeom>
+        </p:spPr>
+      </p:pic>
+    </p:spTree>
+    <p:extLst>
+      <p:ext uri="{BB962C8B-B14F-4D97-AF65-F5344CB8AC3E}">
+        <p14:creationId xmlns:p14="http://schemas.microsoft.com/office/powerpoint/2010/main" val="3781062295"/>
+      </p:ext>
+    </p:extLst>
+  </p:cSld>
+  <p:clrMapOvr>
+    <a:masterClrMapping/>
+  </p:clrMapOvr>
 </p:sld>
 </file>
 

--- a/Aurkezpena/Aurkezpena_5.taldea_3.sprint.pptx
+++ b/Aurkezpena/Aurkezpena_5.taldea_3.sprint.pptx
@@ -5,15 +5,17 @@
     <p:sldMasterId id="2147483648" r:id="rId1"/>
   </p:sldMasterIdLst>
   <p:notesMasterIdLst>
-    <p:notesMasterId r:id="rId8"/>
+    <p:notesMasterId r:id="rId10"/>
   </p:notesMasterIdLst>
   <p:sldIdLst>
     <p:sldId id="257" r:id="rId2"/>
     <p:sldId id="258" r:id="rId3"/>
     <p:sldId id="259" r:id="rId4"/>
-    <p:sldId id="260" r:id="rId5"/>
-    <p:sldId id="261" r:id="rId6"/>
-    <p:sldId id="262" r:id="rId7"/>
+    <p:sldId id="264" r:id="rId5"/>
+    <p:sldId id="260" r:id="rId6"/>
+    <p:sldId id="261" r:id="rId7"/>
+    <p:sldId id="262" r:id="rId8"/>
+    <p:sldId id="263" r:id="rId9"/>
   </p:sldIdLst>
   <p:sldSz cx="12192000" cy="6858000"/>
   <p:notesSz cx="6858000" cy="9144000"/>
@@ -1767,6 +1769,13 @@
     <dgm:pt modelId="{B3053FCD-323B-42DC-842D-04CD7CE694BB}" type="pres">
       <dgm:prSet presAssocID="{4797CAB8-9721-4BEC-8908-B7BCCF9F2951}" presName="Name37" presStyleLbl="parChTrans1D3" presStyleIdx="0" presStyleCnt="8"/>
       <dgm:spPr/>
+      <dgm:t>
+        <a:bodyPr/>
+        <a:lstStyle/>
+        <a:p>
+          <a:endParaRPr lang="eu-ES"/>
+        </a:p>
+      </dgm:t>
     </dgm:pt>
     <dgm:pt modelId="{EBD7891B-5420-453B-A4BF-097A103BF196}" type="pres">
       <dgm:prSet presAssocID="{B908E384-41BC-4C5F-AFF5-83C13323E24A}" presName="hierRoot2" presStyleCnt="0">
@@ -1798,6 +1807,13 @@
     <dgm:pt modelId="{0A35E006-E70B-47B3-97A1-480393B43C9E}" type="pres">
       <dgm:prSet presAssocID="{B908E384-41BC-4C5F-AFF5-83C13323E24A}" presName="rootConnector" presStyleLbl="node3" presStyleIdx="0" presStyleCnt="8"/>
       <dgm:spPr/>
+      <dgm:t>
+        <a:bodyPr/>
+        <a:lstStyle/>
+        <a:p>
+          <a:endParaRPr lang="eu-ES"/>
+        </a:p>
+      </dgm:t>
     </dgm:pt>
     <dgm:pt modelId="{D43924A2-0285-4006-98C5-276B2C671971}" type="pres">
       <dgm:prSet presAssocID="{B908E384-41BC-4C5F-AFF5-83C13323E24A}" presName="hierChild4" presStyleCnt="0"/>
@@ -1810,6 +1826,13 @@
     <dgm:pt modelId="{3190E1EF-E44B-4FC4-98B5-E2E2B248C343}" type="pres">
       <dgm:prSet presAssocID="{E35AA949-EDC7-4F3B-B06C-33552E220C60}" presName="Name37" presStyleLbl="parChTrans1D3" presStyleIdx="1" presStyleCnt="8"/>
       <dgm:spPr/>
+      <dgm:t>
+        <a:bodyPr/>
+        <a:lstStyle/>
+        <a:p>
+          <a:endParaRPr lang="eu-ES"/>
+        </a:p>
+      </dgm:t>
     </dgm:pt>
     <dgm:pt modelId="{350DB060-F493-47A0-8610-F8526ADC45D7}" type="pres">
       <dgm:prSet presAssocID="{4E7DACE7-DA3B-4F09-92F2-501EB424E703}" presName="hierRoot2" presStyleCnt="0">
@@ -1830,10 +1853,24 @@
         </dgm:presLayoutVars>
       </dgm:prSet>
       <dgm:spPr/>
+      <dgm:t>
+        <a:bodyPr/>
+        <a:lstStyle/>
+        <a:p>
+          <a:endParaRPr lang="eu-ES"/>
+        </a:p>
+      </dgm:t>
     </dgm:pt>
     <dgm:pt modelId="{B8F5A55A-6805-446C-83D5-34EE3C172216}" type="pres">
       <dgm:prSet presAssocID="{4E7DACE7-DA3B-4F09-92F2-501EB424E703}" presName="rootConnector" presStyleLbl="node3" presStyleIdx="1" presStyleCnt="8"/>
       <dgm:spPr/>
+      <dgm:t>
+        <a:bodyPr/>
+        <a:lstStyle/>
+        <a:p>
+          <a:endParaRPr lang="eu-ES"/>
+        </a:p>
+      </dgm:t>
     </dgm:pt>
     <dgm:pt modelId="{4158D38F-9364-46A0-9EAB-8EBFBB1D6241}" type="pres">
       <dgm:prSet presAssocID="{4E7DACE7-DA3B-4F09-92F2-501EB424E703}" presName="hierChild4" presStyleCnt="0"/>
@@ -1903,6 +1940,13 @@
     <dgm:pt modelId="{A256BDD4-A176-45AA-B435-A8A592E2FD08}" type="pres">
       <dgm:prSet presAssocID="{97A24B52-EF60-49B8-84CB-20C8420320D5}" presName="Name37" presStyleLbl="parChTrans1D3" presStyleIdx="2" presStyleCnt="8"/>
       <dgm:spPr/>
+      <dgm:t>
+        <a:bodyPr/>
+        <a:lstStyle/>
+        <a:p>
+          <a:endParaRPr lang="eu-ES"/>
+        </a:p>
+      </dgm:t>
     </dgm:pt>
     <dgm:pt modelId="{700D6DAE-FE58-4F0B-91C7-92F9FF796E2B}" type="pres">
       <dgm:prSet presAssocID="{659E17C6-3E91-409F-913F-51BB9541E5BF}" presName="hierRoot2" presStyleCnt="0">
@@ -1923,10 +1967,24 @@
         </dgm:presLayoutVars>
       </dgm:prSet>
       <dgm:spPr/>
+      <dgm:t>
+        <a:bodyPr/>
+        <a:lstStyle/>
+        <a:p>
+          <a:endParaRPr lang="eu-ES"/>
+        </a:p>
+      </dgm:t>
     </dgm:pt>
     <dgm:pt modelId="{3A73FF5D-FABE-4EBD-970E-145FF90ADF3E}" type="pres">
       <dgm:prSet presAssocID="{659E17C6-3E91-409F-913F-51BB9541E5BF}" presName="rootConnector" presStyleLbl="node3" presStyleIdx="2" presStyleCnt="8"/>
       <dgm:spPr/>
+      <dgm:t>
+        <a:bodyPr/>
+        <a:lstStyle/>
+        <a:p>
+          <a:endParaRPr lang="eu-ES"/>
+        </a:p>
+      </dgm:t>
     </dgm:pt>
     <dgm:pt modelId="{283ACE89-5022-4C3F-8140-471E15270ED2}" type="pres">
       <dgm:prSet presAssocID="{659E17C6-3E91-409F-913F-51BB9541E5BF}" presName="hierChild4" presStyleCnt="0"/>
@@ -1939,6 +1997,13 @@
     <dgm:pt modelId="{0C8E827B-0C09-4C70-8378-DD16DE23F05C}" type="pres">
       <dgm:prSet presAssocID="{B413C82C-2ABF-47EE-BC01-A91E38ECAE35}" presName="Name37" presStyleLbl="parChTrans1D3" presStyleIdx="3" presStyleCnt="8"/>
       <dgm:spPr/>
+      <dgm:t>
+        <a:bodyPr/>
+        <a:lstStyle/>
+        <a:p>
+          <a:endParaRPr lang="eu-ES"/>
+        </a:p>
+      </dgm:t>
     </dgm:pt>
     <dgm:pt modelId="{9C05EB23-A0AC-4ED1-B75C-C9FA9BE95938}" type="pres">
       <dgm:prSet presAssocID="{38AFCCE2-6C3C-4B6D-B1F4-BAA8F37C39B9}" presName="hierRoot2" presStyleCnt="0">
@@ -1959,10 +2024,24 @@
         </dgm:presLayoutVars>
       </dgm:prSet>
       <dgm:spPr/>
+      <dgm:t>
+        <a:bodyPr/>
+        <a:lstStyle/>
+        <a:p>
+          <a:endParaRPr lang="eu-ES"/>
+        </a:p>
+      </dgm:t>
     </dgm:pt>
     <dgm:pt modelId="{3FE76ED8-CB9F-450B-A35B-D2893D59F316}" type="pres">
       <dgm:prSet presAssocID="{38AFCCE2-6C3C-4B6D-B1F4-BAA8F37C39B9}" presName="rootConnector" presStyleLbl="node3" presStyleIdx="3" presStyleCnt="8"/>
       <dgm:spPr/>
+      <dgm:t>
+        <a:bodyPr/>
+        <a:lstStyle/>
+        <a:p>
+          <a:endParaRPr lang="eu-ES"/>
+        </a:p>
+      </dgm:t>
     </dgm:pt>
     <dgm:pt modelId="{331D07C2-4A92-4F65-87A9-19FAF6499E10}" type="pres">
       <dgm:prSet presAssocID="{38AFCCE2-6C3C-4B6D-B1F4-BAA8F37C39B9}" presName="hierChild4" presStyleCnt="0"/>
@@ -2089,6 +2168,13 @@
     <dgm:pt modelId="{F7E1F4F4-F222-4EF3-9462-C157A5E136CD}" type="pres">
       <dgm:prSet presAssocID="{AADCEEAF-257C-420A-AB7F-03B16A63200B}" presName="Name37" presStyleLbl="parChTrans1D3" presStyleIdx="4" presStyleCnt="8"/>
       <dgm:spPr/>
+      <dgm:t>
+        <a:bodyPr/>
+        <a:lstStyle/>
+        <a:p>
+          <a:endParaRPr lang="eu-ES"/>
+        </a:p>
+      </dgm:t>
     </dgm:pt>
     <dgm:pt modelId="{9ECB7C85-1329-4E7E-B4C5-34A929150019}" type="pres">
       <dgm:prSet presAssocID="{3E5C2520-9001-4F54-8C99-CC8C6C00F098}" presName="hierRoot2" presStyleCnt="0">
@@ -2109,10 +2195,24 @@
         </dgm:presLayoutVars>
       </dgm:prSet>
       <dgm:spPr/>
+      <dgm:t>
+        <a:bodyPr/>
+        <a:lstStyle/>
+        <a:p>
+          <a:endParaRPr lang="eu-ES"/>
+        </a:p>
+      </dgm:t>
     </dgm:pt>
     <dgm:pt modelId="{3610FCDC-D5EF-41E7-B5E0-7596E47478EB}" type="pres">
       <dgm:prSet presAssocID="{3E5C2520-9001-4F54-8C99-CC8C6C00F098}" presName="rootConnector" presStyleLbl="node3" presStyleIdx="4" presStyleCnt="8"/>
       <dgm:spPr/>
+      <dgm:t>
+        <a:bodyPr/>
+        <a:lstStyle/>
+        <a:p>
+          <a:endParaRPr lang="eu-ES"/>
+        </a:p>
+      </dgm:t>
     </dgm:pt>
     <dgm:pt modelId="{17EA44FC-AECF-4890-A0B9-466B8E856F2B}" type="pres">
       <dgm:prSet presAssocID="{3E5C2520-9001-4F54-8C99-CC8C6C00F098}" presName="hierChild4" presStyleCnt="0"/>
@@ -2125,6 +2225,13 @@
     <dgm:pt modelId="{F76D52EC-EC64-43A7-80E1-6F0CBE7FEEE8}" type="pres">
       <dgm:prSet presAssocID="{1C94AE55-55EB-4A97-8C6E-C095A18A321D}" presName="Name37" presStyleLbl="parChTrans1D3" presStyleIdx="5" presStyleCnt="8"/>
       <dgm:spPr/>
+      <dgm:t>
+        <a:bodyPr/>
+        <a:lstStyle/>
+        <a:p>
+          <a:endParaRPr lang="eu-ES"/>
+        </a:p>
+      </dgm:t>
     </dgm:pt>
     <dgm:pt modelId="{9E06C3D2-C80F-4029-A161-80189B886686}" type="pres">
       <dgm:prSet presAssocID="{FC7AAAC6-E3A1-4EAC-9D10-443D66407293}" presName="hierRoot2" presStyleCnt="0">
@@ -2145,10 +2252,24 @@
         </dgm:presLayoutVars>
       </dgm:prSet>
       <dgm:spPr/>
+      <dgm:t>
+        <a:bodyPr/>
+        <a:lstStyle/>
+        <a:p>
+          <a:endParaRPr lang="eu-ES"/>
+        </a:p>
+      </dgm:t>
     </dgm:pt>
     <dgm:pt modelId="{8170DA60-5B36-42EC-B7DA-C9A575732E2A}" type="pres">
       <dgm:prSet presAssocID="{FC7AAAC6-E3A1-4EAC-9D10-443D66407293}" presName="rootConnector" presStyleLbl="node3" presStyleIdx="5" presStyleCnt="8"/>
       <dgm:spPr/>
+      <dgm:t>
+        <a:bodyPr/>
+        <a:lstStyle/>
+        <a:p>
+          <a:endParaRPr lang="eu-ES"/>
+        </a:p>
+      </dgm:t>
     </dgm:pt>
     <dgm:pt modelId="{1ABB794E-1312-4C2B-A4A1-3CF2C23C2C47}" type="pres">
       <dgm:prSet presAssocID="{FC7AAAC6-E3A1-4EAC-9D10-443D66407293}" presName="hierChild4" presStyleCnt="0"/>
@@ -2275,6 +2396,13 @@
     <dgm:pt modelId="{49C2F59F-26D4-4730-A2C1-55E72508F55B}" type="pres">
       <dgm:prSet presAssocID="{F4157674-BE17-422C-95B9-F926FE739A4E}" presName="Name37" presStyleLbl="parChTrans1D3" presStyleIdx="6" presStyleCnt="8"/>
       <dgm:spPr/>
+      <dgm:t>
+        <a:bodyPr/>
+        <a:lstStyle/>
+        <a:p>
+          <a:endParaRPr lang="eu-ES"/>
+        </a:p>
+      </dgm:t>
     </dgm:pt>
     <dgm:pt modelId="{48EEAAE8-CDB4-401F-81FB-7FB8504BE022}" type="pres">
       <dgm:prSet presAssocID="{A6D3B915-4C51-4D80-BE0B-BEBE35FAE946}" presName="hierRoot2" presStyleCnt="0">
@@ -2295,10 +2423,24 @@
         </dgm:presLayoutVars>
       </dgm:prSet>
       <dgm:spPr/>
+      <dgm:t>
+        <a:bodyPr/>
+        <a:lstStyle/>
+        <a:p>
+          <a:endParaRPr lang="eu-ES"/>
+        </a:p>
+      </dgm:t>
     </dgm:pt>
     <dgm:pt modelId="{DDFF2D12-F817-4600-B4D9-031E8FB433AD}" type="pres">
       <dgm:prSet presAssocID="{A6D3B915-4C51-4D80-BE0B-BEBE35FAE946}" presName="rootConnector" presStyleLbl="node3" presStyleIdx="6" presStyleCnt="8"/>
       <dgm:spPr/>
+      <dgm:t>
+        <a:bodyPr/>
+        <a:lstStyle/>
+        <a:p>
+          <a:endParaRPr lang="eu-ES"/>
+        </a:p>
+      </dgm:t>
     </dgm:pt>
     <dgm:pt modelId="{883683D3-7992-4749-9BD9-A4C6B19372BB}" type="pres">
       <dgm:prSet presAssocID="{A6D3B915-4C51-4D80-BE0B-BEBE35FAE946}" presName="hierChild4" presStyleCnt="0"/>
@@ -2311,6 +2453,13 @@
     <dgm:pt modelId="{DACA4829-19B1-4270-A7A2-F0AFD2C1E2D6}" type="pres">
       <dgm:prSet presAssocID="{CE8E39EC-386C-4A17-814A-3AFD5C46C632}" presName="Name37" presStyleLbl="parChTrans1D3" presStyleIdx="7" presStyleCnt="8"/>
       <dgm:spPr/>
+      <dgm:t>
+        <a:bodyPr/>
+        <a:lstStyle/>
+        <a:p>
+          <a:endParaRPr lang="eu-ES"/>
+        </a:p>
+      </dgm:t>
     </dgm:pt>
     <dgm:pt modelId="{EEDD58E1-49ED-482D-B6C0-60D0FB1E10C9}" type="pres">
       <dgm:prSet presAssocID="{F8354644-DB9D-402A-B406-F4317B7454DD}" presName="hierRoot2" presStyleCnt="0">
@@ -2331,10 +2480,24 @@
         </dgm:presLayoutVars>
       </dgm:prSet>
       <dgm:spPr/>
+      <dgm:t>
+        <a:bodyPr/>
+        <a:lstStyle/>
+        <a:p>
+          <a:endParaRPr lang="eu-ES"/>
+        </a:p>
+      </dgm:t>
     </dgm:pt>
     <dgm:pt modelId="{4BD9009D-8700-49C7-AC3C-26C594631455}" type="pres">
       <dgm:prSet presAssocID="{F8354644-DB9D-402A-B406-F4317B7454DD}" presName="rootConnector" presStyleLbl="node3" presStyleIdx="7" presStyleCnt="8"/>
       <dgm:spPr/>
+      <dgm:t>
+        <a:bodyPr/>
+        <a:lstStyle/>
+        <a:p>
+          <a:endParaRPr lang="eu-ES"/>
+        </a:p>
+      </dgm:t>
     </dgm:pt>
     <dgm:pt modelId="{E0B91AFF-E968-4B56-A33B-8270CC82CF3A}" type="pres">
       <dgm:prSet presAssocID="{F8354644-DB9D-402A-B406-F4317B7454DD}" presName="hierChild4" presStyleCnt="0"/>
@@ -7469,7 +7632,7 @@
           <a:p>
             <a:fld id="{2354CA7A-06D7-42F9-A2F5-9333498FAFA4}" type="datetimeFigureOut">
               <a:rPr lang="eu-ES" smtClean="0"/>
-              <a:t>2024/5/21</a:t>
+              <a:t>2024/5/22</a:t>
             </a:fld>
             <a:endParaRPr lang="eu-ES"/>
           </a:p>
@@ -7868,7 +8031,7 @@
           <a:p>
             <a:fld id="{C6F6AA1F-B156-48E4-AFCD-317E995E8468}" type="datetimeFigureOut">
               <a:rPr lang="eu-ES" smtClean="0"/>
-              <a:t>2024/5/21</a:t>
+              <a:t>2024/5/22</a:t>
             </a:fld>
             <a:endParaRPr lang="eu-ES"/>
           </a:p>
@@ -8038,7 +8201,7 @@
           <a:p>
             <a:fld id="{C6F6AA1F-B156-48E4-AFCD-317E995E8468}" type="datetimeFigureOut">
               <a:rPr lang="eu-ES" smtClean="0"/>
-              <a:t>2024/5/21</a:t>
+              <a:t>2024/5/22</a:t>
             </a:fld>
             <a:endParaRPr lang="eu-ES"/>
           </a:p>
@@ -8218,7 +8381,7 @@
           <a:p>
             <a:fld id="{C6F6AA1F-B156-48E4-AFCD-317E995E8468}" type="datetimeFigureOut">
               <a:rPr lang="eu-ES" smtClean="0"/>
-              <a:t>2024/5/21</a:t>
+              <a:t>2024/5/22</a:t>
             </a:fld>
             <a:endParaRPr lang="eu-ES"/>
           </a:p>
@@ -8388,7 +8551,7 @@
           <a:p>
             <a:fld id="{C6F6AA1F-B156-48E4-AFCD-317E995E8468}" type="datetimeFigureOut">
               <a:rPr lang="eu-ES" smtClean="0"/>
-              <a:t>2024/5/21</a:t>
+              <a:t>2024/5/22</a:t>
             </a:fld>
             <a:endParaRPr lang="eu-ES"/>
           </a:p>
@@ -8634,7 +8797,7 @@
           <a:p>
             <a:fld id="{C6F6AA1F-B156-48E4-AFCD-317E995E8468}" type="datetimeFigureOut">
               <a:rPr lang="eu-ES" smtClean="0"/>
-              <a:t>2024/5/21</a:t>
+              <a:t>2024/5/22</a:t>
             </a:fld>
             <a:endParaRPr lang="eu-ES"/>
           </a:p>
@@ -8866,7 +9029,7 @@
           <a:p>
             <a:fld id="{C6F6AA1F-B156-48E4-AFCD-317E995E8468}" type="datetimeFigureOut">
               <a:rPr lang="eu-ES" smtClean="0"/>
-              <a:t>2024/5/21</a:t>
+              <a:t>2024/5/22</a:t>
             </a:fld>
             <a:endParaRPr lang="eu-ES"/>
           </a:p>
@@ -9233,7 +9396,7 @@
           <a:p>
             <a:fld id="{C6F6AA1F-B156-48E4-AFCD-317E995E8468}" type="datetimeFigureOut">
               <a:rPr lang="eu-ES" smtClean="0"/>
-              <a:t>2024/5/21</a:t>
+              <a:t>2024/5/22</a:t>
             </a:fld>
             <a:endParaRPr lang="eu-ES"/>
           </a:p>
@@ -9351,7 +9514,7 @@
           <a:p>
             <a:fld id="{C6F6AA1F-B156-48E4-AFCD-317E995E8468}" type="datetimeFigureOut">
               <a:rPr lang="eu-ES" smtClean="0"/>
-              <a:t>2024/5/21</a:t>
+              <a:t>2024/5/22</a:t>
             </a:fld>
             <a:endParaRPr lang="eu-ES"/>
           </a:p>
@@ -9446,7 +9609,7 @@
           <a:p>
             <a:fld id="{C6F6AA1F-B156-48E4-AFCD-317E995E8468}" type="datetimeFigureOut">
               <a:rPr lang="eu-ES" smtClean="0"/>
-              <a:t>2024/5/21</a:t>
+              <a:t>2024/5/22</a:t>
             </a:fld>
             <a:endParaRPr lang="eu-ES"/>
           </a:p>
@@ -9723,7 +9886,7 @@
           <a:p>
             <a:fld id="{C6F6AA1F-B156-48E4-AFCD-317E995E8468}" type="datetimeFigureOut">
               <a:rPr lang="eu-ES" smtClean="0"/>
-              <a:t>2024/5/21</a:t>
+              <a:t>2024/5/22</a:t>
             </a:fld>
             <a:endParaRPr lang="eu-ES"/>
           </a:p>
@@ -9976,7 +10139,7 @@
           <a:p>
             <a:fld id="{C6F6AA1F-B156-48E4-AFCD-317E995E8468}" type="datetimeFigureOut">
               <a:rPr lang="eu-ES" smtClean="0"/>
-              <a:t>2024/5/21</a:t>
+              <a:t>2024/5/22</a:t>
             </a:fld>
             <a:endParaRPr lang="eu-ES"/>
           </a:p>
@@ -10189,7 +10352,7 @@
           <a:p>
             <a:fld id="{C6F6AA1F-B156-48E4-AFCD-317E995E8468}" type="datetimeFigureOut">
               <a:rPr lang="eu-ES" smtClean="0"/>
-              <a:t>2024/5/21</a:t>
+              <a:t>2024/5/22</a:t>
             </a:fld>
             <a:endParaRPr lang="eu-ES"/>
           </a:p>
@@ -11355,6 +11518,100 @@
       </p:pic>
       <p:sp>
         <p:nvSpPr>
+          <p:cNvPr id="3" name="TestuKoadroa 2"/>
+          <p:cNvSpPr txBox="1"/>
+          <p:nvPr/>
+        </p:nvSpPr>
+        <p:spPr>
+          <a:xfrm>
+            <a:off x="2202873" y="427470"/>
+            <a:ext cx="3650358" cy="1107996"/>
+          </a:xfrm>
+          <a:prstGeom prst="rect">
+            <a:avLst/>
+          </a:prstGeom>
+          <a:noFill/>
+        </p:spPr>
+        <p:txBody>
+          <a:bodyPr wrap="none" rtlCol="0">
+            <a:spAutoFit/>
+          </a:bodyPr>
+          <a:lstStyle/>
+          <a:p>
+            <a:r>
+              <a:rPr lang="eu-ES" sz="6600" dirty="0" smtClean="0">
+                <a:latin typeface="Eras Light ITC" panose="020B0402030504020804" pitchFamily="34" charset="0"/>
+              </a:rPr>
+              <a:t>Programa</a:t>
+            </a:r>
+            <a:endParaRPr lang="eu-ES" sz="6600" dirty="0">
+              <a:latin typeface="Eras Light ITC" panose="020B0402030504020804" pitchFamily="34" charset="0"/>
+            </a:endParaRPr>
+          </a:p>
+        </p:txBody>
+      </p:sp>
+    </p:spTree>
+    <p:extLst>
+      <p:ext uri="{BB962C8B-B14F-4D97-AF65-F5344CB8AC3E}">
+        <p14:creationId xmlns:p14="http://schemas.microsoft.com/office/powerpoint/2010/main" val="2776605155"/>
+      </p:ext>
+    </p:extLst>
+  </p:cSld>
+  <p:clrMapOvr>
+    <a:masterClrMapping/>
+  </p:clrMapOvr>
+</p:sld>
+</file>
+
+<file path=ppt/slides/slide5.xml><?xml version="1.0" encoding="utf-8"?>
+<p:sld xmlns:a="http://schemas.openxmlformats.org/drawingml/2006/main" xmlns:r="http://schemas.openxmlformats.org/officeDocument/2006/relationships" xmlns:p="http://schemas.openxmlformats.org/presentationml/2006/main">
+  <p:cSld>
+    <p:spTree>
+      <p:nvGrpSpPr>
+        <p:cNvPr id="1" name=""/>
+        <p:cNvGrpSpPr/>
+        <p:nvPr/>
+      </p:nvGrpSpPr>
+      <p:grpSpPr>
+        <a:xfrm>
+          <a:off x="0" y="0"/>
+          <a:ext cx="0" cy="0"/>
+          <a:chOff x="0" y="0"/>
+          <a:chExt cx="0" cy="0"/>
+        </a:xfrm>
+      </p:grpSpPr>
+      <p:pic>
+        <p:nvPicPr>
+          <p:cNvPr id="2" name="Irudia 1"/>
+          <p:cNvPicPr>
+            <a:picLocks noChangeAspect="1"/>
+          </p:cNvPicPr>
+          <p:nvPr/>
+        </p:nvPicPr>
+        <p:blipFill>
+          <a:blip r:embed="rId2" cstate="print">
+            <a:extLst>
+              <a:ext uri="{28A0092B-C50C-407E-A947-70E740481C1C}">
+                <a14:useLocalDpi xmlns:a14="http://schemas.microsoft.com/office/drawing/2010/main" val="0"/>
+              </a:ext>
+            </a:extLst>
+          </a:blip>
+          <a:stretch>
+            <a:fillRect/>
+          </a:stretch>
+        </p:blipFill>
+        <p:spPr>
+          <a:xfrm>
+            <a:off x="548639" y="283765"/>
+            <a:ext cx="1734041" cy="1395406"/>
+          </a:xfrm>
+          <a:prstGeom prst="rect">
+            <a:avLst/>
+          </a:prstGeom>
+        </p:spPr>
+      </p:pic>
+      <p:sp>
+        <p:nvSpPr>
           <p:cNvPr id="4" name="TestuKoadroa 3"/>
           <p:cNvSpPr txBox="1"/>
           <p:nvPr/>
@@ -11433,7 +11690,7 @@
 </p:sld>
 </file>
 
-<file path=ppt/slides/slide5.xml><?xml version="1.0" encoding="utf-8"?>
+<file path=ppt/slides/slide6.xml><?xml version="1.0" encoding="utf-8"?>
 <p:sld xmlns:a="http://schemas.openxmlformats.org/drawingml/2006/main" xmlns:r="http://schemas.openxmlformats.org/officeDocument/2006/relationships" xmlns:p="http://schemas.openxmlformats.org/presentationml/2006/main">
   <p:cSld>
     <p:spTree>
@@ -11558,7 +11815,7 @@
 </p:sld>
 </file>
 
-<file path=ppt/slides/slide6.xml><?xml version="1.0" encoding="utf-8"?>
+<file path=ppt/slides/slide7.xml><?xml version="1.0" encoding="utf-8"?>
 <p:sld xmlns:a="http://schemas.openxmlformats.org/drawingml/2006/main" xmlns:r="http://schemas.openxmlformats.org/officeDocument/2006/relationships" xmlns:p="http://schemas.openxmlformats.org/presentationml/2006/main">
   <p:cSld>
     <p:spTree>
@@ -11605,10 +11862,243 @@
           </a:prstGeom>
         </p:spPr>
       </p:pic>
+      <p:pic>
+        <p:nvPicPr>
+          <p:cNvPr id="3" name="Irudia 2"/>
+          <p:cNvPicPr>
+            <a:picLocks noChangeAspect="1"/>
+          </p:cNvPicPr>
+          <p:nvPr/>
+        </p:nvPicPr>
+        <p:blipFill>
+          <a:blip r:embed="rId3">
+            <a:extLst>
+              <a:ext uri="{28A0092B-C50C-407E-A947-70E740481C1C}">
+                <a14:useLocalDpi xmlns:a14="http://schemas.microsoft.com/office/drawing/2010/main" val="0"/>
+              </a:ext>
+            </a:extLst>
+          </a:blip>
+          <a:stretch>
+            <a:fillRect/>
+          </a:stretch>
+        </p:blipFill>
+        <p:spPr>
+          <a:xfrm>
+            <a:off x="1928555" y="1679171"/>
+            <a:ext cx="8188036" cy="4636871"/>
+          </a:xfrm>
+          <a:prstGeom prst="rect">
+            <a:avLst/>
+          </a:prstGeom>
+        </p:spPr>
+      </p:pic>
     </p:spTree>
     <p:extLst>
       <p:ext uri="{BB962C8B-B14F-4D97-AF65-F5344CB8AC3E}">
         <p14:creationId xmlns:p14="http://schemas.microsoft.com/office/powerpoint/2010/main" val="3781062295"/>
+      </p:ext>
+    </p:extLst>
+  </p:cSld>
+  <p:clrMapOvr>
+    <a:masterClrMapping/>
+  </p:clrMapOvr>
+</p:sld>
+</file>
+
+<file path=ppt/slides/slide8.xml><?xml version="1.0" encoding="utf-8"?>
+<p:sld xmlns:a="http://schemas.openxmlformats.org/drawingml/2006/main" xmlns:r="http://schemas.openxmlformats.org/officeDocument/2006/relationships" xmlns:p="http://schemas.openxmlformats.org/presentationml/2006/main">
+  <p:cSld>
+    <p:spTree>
+      <p:nvGrpSpPr>
+        <p:cNvPr id="1" name=""/>
+        <p:cNvGrpSpPr/>
+        <p:nvPr/>
+      </p:nvGrpSpPr>
+      <p:grpSpPr>
+        <a:xfrm>
+          <a:off x="0" y="0"/>
+          <a:ext cx="0" cy="0"/>
+          <a:chOff x="0" y="0"/>
+          <a:chExt cx="0" cy="0"/>
+        </a:xfrm>
+      </p:grpSpPr>
+      <p:pic>
+        <p:nvPicPr>
+          <p:cNvPr id="2" name="Irudia 1"/>
+          <p:cNvPicPr>
+            <a:picLocks noChangeAspect="1"/>
+          </p:cNvPicPr>
+          <p:nvPr/>
+        </p:nvPicPr>
+        <p:blipFill>
+          <a:blip r:embed="rId2" cstate="print">
+            <a:extLst>
+              <a:ext uri="{28A0092B-C50C-407E-A947-70E740481C1C}">
+                <a14:useLocalDpi xmlns:a14="http://schemas.microsoft.com/office/drawing/2010/main" val="0"/>
+              </a:ext>
+            </a:extLst>
+          </a:blip>
+          <a:stretch>
+            <a:fillRect/>
+          </a:stretch>
+        </p:blipFill>
+        <p:spPr>
+          <a:xfrm>
+            <a:off x="548639" y="283765"/>
+            <a:ext cx="1734041" cy="1395406"/>
+          </a:xfrm>
+          <a:prstGeom prst="rect">
+            <a:avLst/>
+          </a:prstGeom>
+        </p:spPr>
+      </p:pic>
+      <p:sp>
+        <p:nvSpPr>
+          <p:cNvPr id="3" name="TestuKoadroa 2"/>
+          <p:cNvSpPr txBox="1"/>
+          <p:nvPr/>
+        </p:nvSpPr>
+        <p:spPr>
+          <a:xfrm>
+            <a:off x="2202873" y="427470"/>
+            <a:ext cx="3711272" cy="1107996"/>
+          </a:xfrm>
+          <a:prstGeom prst="rect">
+            <a:avLst/>
+          </a:prstGeom>
+          <a:noFill/>
+        </p:spPr>
+        <p:txBody>
+          <a:bodyPr wrap="none" rtlCol="0">
+            <a:spAutoFit/>
+          </a:bodyPr>
+          <a:lstStyle/>
+          <a:p>
+            <a:r>
+              <a:rPr lang="eu-ES" sz="6600" dirty="0" smtClean="0">
+                <a:latin typeface="Eras Light ITC" panose="020B0402030504020804" pitchFamily="34" charset="0"/>
+              </a:rPr>
+              <a:t>Kontaktua</a:t>
+            </a:r>
+            <a:endParaRPr lang="eu-ES" sz="6600" dirty="0">
+              <a:latin typeface="Eras Light ITC" panose="020B0402030504020804" pitchFamily="34" charset="0"/>
+            </a:endParaRPr>
+          </a:p>
+        </p:txBody>
+      </p:sp>
+      <p:sp>
+        <p:nvSpPr>
+          <p:cNvPr id="4" name="TestuKoadroa 3"/>
+          <p:cNvSpPr txBox="1"/>
+          <p:nvPr/>
+        </p:nvSpPr>
+        <p:spPr>
+          <a:xfrm>
+            <a:off x="1124989" y="2375419"/>
+            <a:ext cx="6474849" cy="1107996"/>
+          </a:xfrm>
+          <a:prstGeom prst="rect">
+            <a:avLst/>
+          </a:prstGeom>
+          <a:noFill/>
+        </p:spPr>
+        <p:txBody>
+          <a:bodyPr wrap="none" rtlCol="0">
+            <a:spAutoFit/>
+          </a:bodyPr>
+          <a:lstStyle/>
+          <a:p>
+            <a:r>
+              <a:rPr lang="eu-ES" sz="6600" dirty="0" smtClean="0">
+                <a:latin typeface="Eras Light ITC" panose="020B0402030504020804" pitchFamily="34" charset="0"/>
+              </a:rPr>
+              <a:t>+34 688 11 11 11</a:t>
+            </a:r>
+            <a:endParaRPr lang="eu-ES" sz="6600" dirty="0">
+              <a:latin typeface="Eras Light ITC" panose="020B0402030504020804" pitchFamily="34" charset="0"/>
+            </a:endParaRPr>
+          </a:p>
+        </p:txBody>
+      </p:sp>
+      <p:sp>
+        <p:nvSpPr>
+          <p:cNvPr id="5" name="TestuKoadroa 4"/>
+          <p:cNvSpPr txBox="1"/>
+          <p:nvPr/>
+        </p:nvSpPr>
+        <p:spPr>
+          <a:xfrm>
+            <a:off x="1124989" y="3832917"/>
+            <a:ext cx="7273145" cy="1107996"/>
+          </a:xfrm>
+          <a:prstGeom prst="rect">
+            <a:avLst/>
+          </a:prstGeom>
+          <a:noFill/>
+        </p:spPr>
+        <p:txBody>
+          <a:bodyPr wrap="none" rtlCol="0">
+            <a:spAutoFit/>
+          </a:bodyPr>
+          <a:lstStyle/>
+          <a:p>
+            <a:r>
+              <a:rPr lang="eu-ES" sz="6600" dirty="0" smtClean="0">
+                <a:latin typeface="Eras Light ITC" panose="020B0402030504020804" pitchFamily="34" charset="0"/>
+              </a:rPr>
+              <a:t>erlezain@support.co</a:t>
+            </a:r>
+            <a:endParaRPr lang="eu-ES" sz="6600" dirty="0">
+              <a:latin typeface="Eras Light ITC" panose="020B0402030504020804" pitchFamily="34" charset="0"/>
+            </a:endParaRPr>
+          </a:p>
+        </p:txBody>
+      </p:sp>
+      <p:pic>
+        <p:nvPicPr>
+          <p:cNvPr id="1026" name="Picture 2" descr="Qué es un Código QR? I Glosario de Mobile &amp; App Marketing"/>
+          <p:cNvPicPr>
+            <a:picLocks noChangeAspect="1" noChangeArrowheads="1"/>
+          </p:cNvPicPr>
+          <p:nvPr/>
+        </p:nvPicPr>
+        <p:blipFill>
+          <a:blip r:embed="rId3">
+            <a:extLst>
+              <a:ext uri="{28A0092B-C50C-407E-A947-70E740481C1C}">
+                <a14:useLocalDpi xmlns:a14="http://schemas.microsoft.com/office/drawing/2010/main" val="0"/>
+              </a:ext>
+            </a:extLst>
+          </a:blip>
+          <a:srcRect/>
+          <a:stretch>
+            <a:fillRect/>
+          </a:stretch>
+        </p:blipFill>
+        <p:spPr bwMode="auto">
+          <a:xfrm>
+            <a:off x="9426632" y="4545048"/>
+            <a:ext cx="1899689" cy="1899689"/>
+          </a:xfrm>
+          <a:prstGeom prst="rect">
+            <a:avLst/>
+          </a:prstGeom>
+          <a:noFill/>
+          <a:extLst>
+            <a:ext uri="{909E8E84-426E-40DD-AFC4-6F175D3DCCD1}">
+              <a14:hiddenFill xmlns:a14="http://schemas.microsoft.com/office/drawing/2010/main">
+                <a:solidFill>
+                  <a:srgbClr val="FFFFFF"/>
+                </a:solidFill>
+              </a14:hiddenFill>
+            </a:ext>
+          </a:extLst>
+        </p:spPr>
+      </p:pic>
+    </p:spTree>
+    <p:extLst>
+      <p:ext uri="{BB962C8B-B14F-4D97-AF65-F5344CB8AC3E}">
+        <p14:creationId xmlns:p14="http://schemas.microsoft.com/office/powerpoint/2010/main" val="4125247140"/>
       </p:ext>
     </p:extLst>
   </p:cSld>
